--- a/Posters/finalPoster.pptx
+++ b/Posters/finalPoster.pptx
@@ -533,7 +533,7 @@
               <a:pPr>
                 <a:defRPr/>
               </a:pPr>
-              <a:t>7/17/24</a:t>
+              <a:t>7/19/24</a:t>
             </a:fld>
             <a:endParaRPr lang="en-US"/>
           </a:p>
@@ -5193,189 +5193,6 @@
       </p:sp>
       <p:sp>
         <p:nvSpPr>
-          <p:cNvPr id="4103" name="Text Box 162">
-            <a:extLst>
-              <a:ext uri="{FF2B5EF4-FFF2-40B4-BE49-F238E27FC236}">
-                <a16:creationId xmlns:a16="http://schemas.microsoft.com/office/drawing/2014/main" id="{08C8D26D-1C87-466F-9852-C691401C0219}"/>
-              </a:ext>
-            </a:extLst>
-          </p:cNvPr>
-          <p:cNvSpPr txBox="1">
-            <a:spLocks noChangeArrowheads="1"/>
-          </p:cNvSpPr>
-          <p:nvPr/>
-        </p:nvSpPr>
-        <p:spPr bwMode="auto">
-          <a:xfrm>
-            <a:off x="1125537" y="5998028"/>
-            <a:ext cx="20177125" cy="835141"/>
-          </a:xfrm>
-          <a:prstGeom prst="rect">
-            <a:avLst/>
-          </a:prstGeom>
-          <a:solidFill>
-            <a:srgbClr val="AF0538"/>
-          </a:solidFill>
-          <a:ln>
-            <a:noFill/>
-          </a:ln>
-          <a:extLst>
-            <a:ext uri="{91240B29-F687-4F45-9708-019B960494DF}">
-              <a14:hiddenLine xmlns:a14="http://schemas.microsoft.com/office/drawing/2010/main" w="9525">
-                <a:solidFill>
-                  <a:srgbClr val="000000"/>
-                </a:solidFill>
-                <a:miter lim="800000"/>
-                <a:headEnd/>
-                <a:tailEnd/>
-              </a14:hiddenLine>
-            </a:ext>
-          </a:extLst>
-        </p:spPr>
-        <p:txBody>
-          <a:bodyPr wrap="square" lIns="126025" tIns="63012" rIns="126025" bIns="63012">
-            <a:spAutoFit/>
-          </a:bodyPr>
-          <a:lstStyle>
-            <a:lvl1pPr>
-              <a:spcBef>
-                <a:spcPct val="20000"/>
-              </a:spcBef>
-              <a:buChar char="•"/>
-              <a:defRPr sz="18200">
-                <a:solidFill>
-                  <a:schemeClr val="tx1"/>
-                </a:solidFill>
-                <a:latin typeface="Times New Roman" panose="02020603050405020304" pitchFamily="18" charset="0"/>
-              </a:defRPr>
-            </a:lvl1pPr>
-            <a:lvl2pPr marL="4211638" indent="-1617663">
-              <a:spcBef>
-                <a:spcPct val="20000"/>
-              </a:spcBef>
-              <a:buChar char="–"/>
-              <a:defRPr sz="15900">
-                <a:solidFill>
-                  <a:schemeClr val="tx1"/>
-                </a:solidFill>
-                <a:latin typeface="Times New Roman" panose="02020603050405020304" pitchFamily="18" charset="0"/>
-              </a:defRPr>
-            </a:lvl2pPr>
-            <a:lvl3pPr marL="6480175" indent="-1293813">
-              <a:spcBef>
-                <a:spcPct val="20000"/>
-              </a:spcBef>
-              <a:buChar char="•"/>
-              <a:defRPr sz="13600">
-                <a:solidFill>
-                  <a:schemeClr val="tx1"/>
-                </a:solidFill>
-                <a:latin typeface="Times New Roman" panose="02020603050405020304" pitchFamily="18" charset="0"/>
-              </a:defRPr>
-            </a:lvl3pPr>
-            <a:lvl4pPr marL="9072563" indent="-1293813">
-              <a:spcBef>
-                <a:spcPct val="20000"/>
-              </a:spcBef>
-              <a:buChar char="–"/>
-              <a:defRPr sz="11300">
-                <a:solidFill>
-                  <a:schemeClr val="tx1"/>
-                </a:solidFill>
-                <a:latin typeface="Times New Roman" panose="02020603050405020304" pitchFamily="18" charset="0"/>
-              </a:defRPr>
-            </a:lvl4pPr>
-            <a:lvl5pPr marL="11666538" indent="-1293813">
-              <a:spcBef>
-                <a:spcPct val="20000"/>
-              </a:spcBef>
-              <a:buChar char="»"/>
-              <a:defRPr sz="11300">
-                <a:solidFill>
-                  <a:schemeClr val="tx1"/>
-                </a:solidFill>
-                <a:latin typeface="Times New Roman" panose="02020603050405020304" pitchFamily="18" charset="0"/>
-              </a:defRPr>
-            </a:lvl5pPr>
-            <a:lvl6pPr marL="12123738" indent="-1293813" eaLnBrk="0" fontAlgn="base" hangingPunct="0">
-              <a:spcBef>
-                <a:spcPct val="20000"/>
-              </a:spcBef>
-              <a:spcAft>
-                <a:spcPct val="0"/>
-              </a:spcAft>
-              <a:buChar char="»"/>
-              <a:defRPr sz="11300">
-                <a:solidFill>
-                  <a:schemeClr val="tx1"/>
-                </a:solidFill>
-                <a:latin typeface="Times New Roman" panose="02020603050405020304" pitchFamily="18" charset="0"/>
-              </a:defRPr>
-            </a:lvl6pPr>
-            <a:lvl7pPr marL="12580938" indent="-1293813" eaLnBrk="0" fontAlgn="base" hangingPunct="0">
-              <a:spcBef>
-                <a:spcPct val="20000"/>
-              </a:spcBef>
-              <a:spcAft>
-                <a:spcPct val="0"/>
-              </a:spcAft>
-              <a:buChar char="»"/>
-              <a:defRPr sz="11300">
-                <a:solidFill>
-                  <a:schemeClr val="tx1"/>
-                </a:solidFill>
-                <a:latin typeface="Times New Roman" panose="02020603050405020304" pitchFamily="18" charset="0"/>
-              </a:defRPr>
-            </a:lvl7pPr>
-            <a:lvl8pPr marL="13038138" indent="-1293813" eaLnBrk="0" fontAlgn="base" hangingPunct="0">
-              <a:spcBef>
-                <a:spcPct val="20000"/>
-              </a:spcBef>
-              <a:spcAft>
-                <a:spcPct val="0"/>
-              </a:spcAft>
-              <a:buChar char="»"/>
-              <a:defRPr sz="11300">
-                <a:solidFill>
-                  <a:schemeClr val="tx1"/>
-                </a:solidFill>
-                <a:latin typeface="Times New Roman" panose="02020603050405020304" pitchFamily="18" charset="0"/>
-              </a:defRPr>
-            </a:lvl8pPr>
-            <a:lvl9pPr marL="13495338" indent="-1293813" eaLnBrk="0" fontAlgn="base" hangingPunct="0">
-              <a:spcBef>
-                <a:spcPct val="20000"/>
-              </a:spcBef>
-              <a:spcAft>
-                <a:spcPct val="0"/>
-              </a:spcAft>
-              <a:buChar char="»"/>
-              <a:defRPr sz="11300">
-                <a:solidFill>
-                  <a:schemeClr val="tx1"/>
-                </a:solidFill>
-                <a:latin typeface="Times New Roman" panose="02020603050405020304" pitchFamily="18" charset="0"/>
-              </a:defRPr>
-            </a:lvl9pPr>
-          </a:lstStyle>
-          <a:p>
-            <a:pPr algn="ctr">
-              <a:buNone/>
-            </a:pPr>
-            <a:r>
-              <a:rPr lang="en-US" sz="4600" b="1" dirty="0">
-                <a:solidFill>
-                  <a:schemeClr val="bg1"/>
-                </a:solidFill>
-                <a:latin typeface="Arial" panose="020B0604020202020204" pitchFamily="34" charset="0"/>
-              </a:rPr>
-              <a:t>Modeling Blood Flow Regulation and Tissue Oxygenation in the Retina</a:t>
-            </a:r>
-          </a:p>
-        </p:txBody>
-      </p:sp>
-      <p:sp>
-        <p:nvSpPr>
           <p:cNvPr id="4104" name="Rectangle 172">
             <a:extLst>
               <a:ext uri="{FF2B5EF4-FFF2-40B4-BE49-F238E27FC236}">
@@ -5556,580 +5373,6 @@
       </p:sp>
       <p:sp>
         <p:nvSpPr>
-          <p:cNvPr id="4105" name="TextBox 3">
-            <a:extLst>
-              <a:ext uri="{FF2B5EF4-FFF2-40B4-BE49-F238E27FC236}">
-                <a16:creationId xmlns:a16="http://schemas.microsoft.com/office/drawing/2014/main" id="{A756D2C8-0D6D-44F6-8CD7-F56673FDC31E}"/>
-              </a:ext>
-            </a:extLst>
-          </p:cNvPr>
-          <p:cNvSpPr txBox="1">
-            <a:spLocks noChangeArrowheads="1"/>
-          </p:cNvSpPr>
-          <p:nvPr/>
-        </p:nvSpPr>
-        <p:spPr bwMode="auto">
-          <a:xfrm>
-            <a:off x="1392923" y="9221954"/>
-            <a:ext cx="12230100" cy="9046628"/>
-          </a:xfrm>
-          <a:prstGeom prst="rect">
-            <a:avLst/>
-          </a:prstGeom>
-          <a:noFill/>
-          <a:ln>
-            <a:noFill/>
-          </a:ln>
-          <a:extLst>
-            <a:ext uri="{909E8E84-426E-40DD-AFC4-6F175D3DCCD1}">
-              <a14:hiddenFill xmlns:a14="http://schemas.microsoft.com/office/drawing/2010/main">
-                <a:solidFill>
-                  <a:srgbClr val="FFFFFF"/>
-                </a:solidFill>
-              </a14:hiddenFill>
-            </a:ext>
-            <a:ext uri="{91240B29-F687-4F45-9708-019B960494DF}">
-              <a14:hiddenLine xmlns:a14="http://schemas.microsoft.com/office/drawing/2010/main" w="9525">
-                <a:solidFill>
-                  <a:srgbClr val="000000"/>
-                </a:solidFill>
-                <a:miter lim="800000"/>
-                <a:headEnd/>
-                <a:tailEnd/>
-              </a14:hiddenLine>
-            </a:ext>
-          </a:extLst>
-        </p:spPr>
-        <p:txBody>
-          <a:bodyPr lIns="126032" tIns="63016" rIns="126032" bIns="63016">
-            <a:spAutoFit/>
-          </a:bodyPr>
-          <a:lstStyle>
-            <a:lvl1pPr>
-              <a:spcBef>
-                <a:spcPct val="20000"/>
-              </a:spcBef>
-              <a:buChar char="•"/>
-              <a:defRPr sz="18200">
-                <a:solidFill>
-                  <a:schemeClr val="tx1"/>
-                </a:solidFill>
-                <a:latin typeface="Times New Roman" panose="02020603050405020304" pitchFamily="18" charset="0"/>
-              </a:defRPr>
-            </a:lvl1pPr>
-            <a:lvl2pPr marL="4211638" indent="-1617663">
-              <a:spcBef>
-                <a:spcPct val="20000"/>
-              </a:spcBef>
-              <a:buChar char="–"/>
-              <a:defRPr sz="15900">
-                <a:solidFill>
-                  <a:schemeClr val="tx1"/>
-                </a:solidFill>
-                <a:latin typeface="Times New Roman" panose="02020603050405020304" pitchFamily="18" charset="0"/>
-              </a:defRPr>
-            </a:lvl2pPr>
-            <a:lvl3pPr marL="6480175" indent="-1293813">
-              <a:spcBef>
-                <a:spcPct val="20000"/>
-              </a:spcBef>
-              <a:buChar char="•"/>
-              <a:defRPr sz="13600">
-                <a:solidFill>
-                  <a:schemeClr val="tx1"/>
-                </a:solidFill>
-                <a:latin typeface="Times New Roman" panose="02020603050405020304" pitchFamily="18" charset="0"/>
-              </a:defRPr>
-            </a:lvl3pPr>
-            <a:lvl4pPr marL="9072563" indent="-1293813">
-              <a:spcBef>
-                <a:spcPct val="20000"/>
-              </a:spcBef>
-              <a:buChar char="–"/>
-              <a:defRPr sz="11300">
-                <a:solidFill>
-                  <a:schemeClr val="tx1"/>
-                </a:solidFill>
-                <a:latin typeface="Times New Roman" panose="02020603050405020304" pitchFamily="18" charset="0"/>
-              </a:defRPr>
-            </a:lvl4pPr>
-            <a:lvl5pPr marL="11666538" indent="-1293813">
-              <a:spcBef>
-                <a:spcPct val="20000"/>
-              </a:spcBef>
-              <a:buChar char="»"/>
-              <a:defRPr sz="11300">
-                <a:solidFill>
-                  <a:schemeClr val="tx1"/>
-                </a:solidFill>
-                <a:latin typeface="Times New Roman" panose="02020603050405020304" pitchFamily="18" charset="0"/>
-              </a:defRPr>
-            </a:lvl5pPr>
-            <a:lvl6pPr marL="12123738" indent="-1293813" eaLnBrk="0" fontAlgn="base" hangingPunct="0">
-              <a:spcBef>
-                <a:spcPct val="20000"/>
-              </a:spcBef>
-              <a:spcAft>
-                <a:spcPct val="0"/>
-              </a:spcAft>
-              <a:buChar char="»"/>
-              <a:defRPr sz="11300">
-                <a:solidFill>
-                  <a:schemeClr val="tx1"/>
-                </a:solidFill>
-                <a:latin typeface="Times New Roman" panose="02020603050405020304" pitchFamily="18" charset="0"/>
-              </a:defRPr>
-            </a:lvl6pPr>
-            <a:lvl7pPr marL="12580938" indent="-1293813" eaLnBrk="0" fontAlgn="base" hangingPunct="0">
-              <a:spcBef>
-                <a:spcPct val="20000"/>
-              </a:spcBef>
-              <a:spcAft>
-                <a:spcPct val="0"/>
-              </a:spcAft>
-              <a:buChar char="»"/>
-              <a:defRPr sz="11300">
-                <a:solidFill>
-                  <a:schemeClr val="tx1"/>
-                </a:solidFill>
-                <a:latin typeface="Times New Roman" panose="02020603050405020304" pitchFamily="18" charset="0"/>
-              </a:defRPr>
-            </a:lvl7pPr>
-            <a:lvl8pPr marL="13038138" indent="-1293813" eaLnBrk="0" fontAlgn="base" hangingPunct="0">
-              <a:spcBef>
-                <a:spcPct val="20000"/>
-              </a:spcBef>
-              <a:spcAft>
-                <a:spcPct val="0"/>
-              </a:spcAft>
-              <a:buChar char="»"/>
-              <a:defRPr sz="11300">
-                <a:solidFill>
-                  <a:schemeClr val="tx1"/>
-                </a:solidFill>
-                <a:latin typeface="Times New Roman" panose="02020603050405020304" pitchFamily="18" charset="0"/>
-              </a:defRPr>
-            </a:lvl8pPr>
-            <a:lvl9pPr marL="13495338" indent="-1293813" eaLnBrk="0" fontAlgn="base" hangingPunct="0">
-              <a:spcBef>
-                <a:spcPct val="20000"/>
-              </a:spcBef>
-              <a:spcAft>
-                <a:spcPct val="0"/>
-              </a:spcAft>
-              <a:buChar char="»"/>
-              <a:defRPr sz="11300">
-                <a:solidFill>
-                  <a:schemeClr val="tx1"/>
-                </a:solidFill>
-                <a:latin typeface="Times New Roman" panose="02020603050405020304" pitchFamily="18" charset="0"/>
-              </a:defRPr>
-            </a:lvl9pPr>
-          </a:lstStyle>
-          <a:p>
-            <a:pPr marL="571500" indent="-571500" eaLnBrk="1" hangingPunct="1">
-              <a:spcBef>
-                <a:spcPts val="0"/>
-              </a:spcBef>
-              <a:spcAft>
-                <a:spcPts val="1800"/>
-              </a:spcAft>
-              <a:defRPr/>
-            </a:pPr>
-            <a:r>
-              <a:rPr lang="en-US" altLang="en-US" sz="3300" dirty="0">
-                <a:latin typeface="Helvetica" panose="020B0604020202020204" pitchFamily="34" charset="0"/>
-                <a:cs typeface="Helvetica" panose="020B0604020202020204" pitchFamily="34" charset="0"/>
-              </a:rPr>
-              <a:t>High intraocular pressure is a primary risk factor for </a:t>
-            </a:r>
-            <a:r>
-              <a:rPr lang="en-US" altLang="en-US" sz="3300" b="1" dirty="0">
-                <a:latin typeface="Helvetica" panose="020B0604020202020204" pitchFamily="34" charset="0"/>
-                <a:cs typeface="Helvetica" panose="020B0604020202020204" pitchFamily="34" charset="0"/>
-              </a:rPr>
-              <a:t>glaucoma</a:t>
-            </a:r>
-            <a:r>
-              <a:rPr lang="en-US" altLang="en-US" sz="3300" dirty="0">
-                <a:latin typeface="Helvetica" panose="020B0604020202020204" pitchFamily="34" charset="0"/>
-                <a:cs typeface="Helvetica" panose="020B0604020202020204" pitchFamily="34" charset="0"/>
-              </a:rPr>
-              <a:t>, but impaired tissue perfusion has also been identified as a significant contributing factor</a:t>
-            </a:r>
-          </a:p>
-          <a:p>
-            <a:pPr marL="571500" indent="-571500" eaLnBrk="1" hangingPunct="1">
-              <a:spcBef>
-                <a:spcPts val="0"/>
-              </a:spcBef>
-              <a:spcAft>
-                <a:spcPts val="1800"/>
-              </a:spcAft>
-              <a:defRPr/>
-            </a:pPr>
-            <a:r>
-              <a:rPr lang="en-US" altLang="en-US" sz="3300" b="1" dirty="0">
-                <a:latin typeface="Helvetica" panose="020B0604020202020204" pitchFamily="34" charset="0"/>
-                <a:cs typeface="Helvetica" panose="020B0604020202020204" pitchFamily="34" charset="0"/>
-              </a:rPr>
-              <a:t>Objectives: (1) </a:t>
-            </a:r>
-            <a:r>
-              <a:rPr lang="en-US" altLang="en-US" sz="3300" dirty="0">
-                <a:latin typeface="Helvetica" panose="020B0604020202020204" pitchFamily="34" charset="0"/>
-                <a:cs typeface="Helvetica" panose="020B0604020202020204" pitchFamily="34" charset="0"/>
-              </a:rPr>
-              <a:t>To include a wall-derived metabolic signal in a compartmental model of the retinal vasculature </a:t>
-            </a:r>
-            <a:r>
-              <a:rPr lang="en-US" altLang="en-US" sz="3300" b="1" dirty="0">
-                <a:latin typeface="Helvetica" panose="020B0604020202020204" pitchFamily="34" charset="0"/>
-                <a:cs typeface="Helvetica" panose="020B0604020202020204" pitchFamily="34" charset="0"/>
-              </a:rPr>
-              <a:t>(2)</a:t>
-            </a:r>
-            <a:r>
-              <a:rPr lang="en-US" altLang="en-US" sz="3300" dirty="0">
-                <a:latin typeface="Helvetica" panose="020B0604020202020204" pitchFamily="34" charset="0"/>
-                <a:cs typeface="Helvetica" panose="020B0604020202020204" pitchFamily="34" charset="0"/>
-              </a:rPr>
-              <a:t> To build a hybrid model of the retinal vasculature that includes a spatial representation of the arterioles and downstream effects of a metabolic response</a:t>
-            </a:r>
-          </a:p>
-          <a:p>
-            <a:pPr marL="571500" indent="-571500">
-              <a:spcAft>
-                <a:spcPts val="1800"/>
-              </a:spcAft>
-              <a:buFont typeface="Arial" panose="020B0604020202020204" pitchFamily="34" charset="0"/>
-              <a:buChar char="•"/>
-            </a:pPr>
-            <a:r>
-              <a:rPr lang="en-US" sz="3300" dirty="0">
-                <a:latin typeface="Helvetica" panose="020B0604020202020204" pitchFamily="34" charset="0"/>
-                <a:cs typeface="Helvetica" panose="020B0604020202020204" pitchFamily="34" charset="0"/>
-              </a:rPr>
-              <a:t>The incorporation of a realistic metabolic response mechanism in this human compartmental model allows for basic analysis of the effects of pressure, shear stress, and oxygen demand on vessel diameter, tissue oxygenation, and tissue perfusion</a:t>
-            </a:r>
-          </a:p>
-          <a:p>
-            <a:pPr marL="571500" indent="-571500">
-              <a:spcBef>
-                <a:spcPts val="0"/>
-              </a:spcBef>
-              <a:spcAft>
-                <a:spcPts val="1800"/>
-              </a:spcAft>
-              <a:buFont typeface="Arial" panose="020B0604020202020204" pitchFamily="34" charset="0"/>
-              <a:buChar char="•"/>
-            </a:pPr>
-            <a:r>
-              <a:rPr lang="en-US" sz="3300" dirty="0">
-                <a:latin typeface="Helvetica" panose="020B0604020202020204" pitchFamily="34" charset="0"/>
-                <a:cs typeface="Helvetica" panose="020B0604020202020204" pitchFamily="34" charset="0"/>
-              </a:rPr>
-              <a:t>Our hybrid model allows system regulation to be combined with accurate physical arterial data to produce more specific, realistic predictions of tissue oxygenation</a:t>
-            </a:r>
-          </a:p>
-        </p:txBody>
-      </p:sp>
-      <p:sp>
-        <p:nvSpPr>
-          <p:cNvPr id="4106" name="TextBox 1">
-            <a:extLst>
-              <a:ext uri="{FF2B5EF4-FFF2-40B4-BE49-F238E27FC236}">
-                <a16:creationId xmlns:a16="http://schemas.microsoft.com/office/drawing/2014/main" id="{B3EEDFA6-31D2-46E4-93B7-63D6DD9D6318}"/>
-              </a:ext>
-            </a:extLst>
-          </p:cNvPr>
-          <p:cNvSpPr txBox="1">
-            <a:spLocks noChangeArrowheads="1"/>
-          </p:cNvSpPr>
-          <p:nvPr/>
-        </p:nvSpPr>
-        <p:spPr bwMode="auto">
-          <a:xfrm>
-            <a:off x="1201738" y="6842979"/>
-            <a:ext cx="20100925" cy="2123658"/>
-          </a:xfrm>
-          <a:prstGeom prst="rect">
-            <a:avLst/>
-          </a:prstGeom>
-          <a:noFill/>
-          <a:ln>
-            <a:noFill/>
-          </a:ln>
-          <a:extLst>
-            <a:ext uri="{909E8E84-426E-40DD-AFC4-6F175D3DCCD1}">
-              <a14:hiddenFill xmlns:a14="http://schemas.microsoft.com/office/drawing/2010/main">
-                <a:solidFill>
-                  <a:srgbClr val="FFFFFF"/>
-                </a:solidFill>
-              </a14:hiddenFill>
-            </a:ext>
-            <a:ext uri="{91240B29-F687-4F45-9708-019B960494DF}">
-              <a14:hiddenLine xmlns:a14="http://schemas.microsoft.com/office/drawing/2010/main" w="9525">
-                <a:solidFill>
-                  <a:srgbClr val="000000"/>
-                </a:solidFill>
-                <a:miter lim="800000"/>
-                <a:headEnd/>
-                <a:tailEnd/>
-              </a14:hiddenLine>
-            </a:ext>
-          </a:extLst>
-        </p:spPr>
-        <p:txBody>
-          <a:bodyPr>
-            <a:spAutoFit/>
-          </a:bodyPr>
-          <a:lstStyle>
-            <a:lvl1pPr>
-              <a:spcBef>
-                <a:spcPct val="20000"/>
-              </a:spcBef>
-              <a:buChar char="•"/>
-              <a:defRPr sz="18200">
-                <a:solidFill>
-                  <a:schemeClr val="tx1"/>
-                </a:solidFill>
-                <a:latin typeface="Times New Roman" panose="02020603050405020304" pitchFamily="18" charset="0"/>
-              </a:defRPr>
-            </a:lvl1pPr>
-            <a:lvl2pPr marL="4211638" indent="-1617663">
-              <a:spcBef>
-                <a:spcPct val="20000"/>
-              </a:spcBef>
-              <a:buChar char="–"/>
-              <a:defRPr sz="15900">
-                <a:solidFill>
-                  <a:schemeClr val="tx1"/>
-                </a:solidFill>
-                <a:latin typeface="Times New Roman" panose="02020603050405020304" pitchFamily="18" charset="0"/>
-              </a:defRPr>
-            </a:lvl2pPr>
-            <a:lvl3pPr marL="6480175" indent="-1293813">
-              <a:spcBef>
-                <a:spcPct val="20000"/>
-              </a:spcBef>
-              <a:buChar char="•"/>
-              <a:defRPr sz="13600">
-                <a:solidFill>
-                  <a:schemeClr val="tx1"/>
-                </a:solidFill>
-                <a:latin typeface="Times New Roman" panose="02020603050405020304" pitchFamily="18" charset="0"/>
-              </a:defRPr>
-            </a:lvl3pPr>
-            <a:lvl4pPr marL="9072563" indent="-1293813">
-              <a:spcBef>
-                <a:spcPct val="20000"/>
-              </a:spcBef>
-              <a:buChar char="–"/>
-              <a:defRPr sz="11300">
-                <a:solidFill>
-                  <a:schemeClr val="tx1"/>
-                </a:solidFill>
-                <a:latin typeface="Times New Roman" panose="02020603050405020304" pitchFamily="18" charset="0"/>
-              </a:defRPr>
-            </a:lvl4pPr>
-            <a:lvl5pPr marL="11666538" indent="-1293813">
-              <a:spcBef>
-                <a:spcPct val="20000"/>
-              </a:spcBef>
-              <a:buChar char="»"/>
-              <a:defRPr sz="11300">
-                <a:solidFill>
-                  <a:schemeClr val="tx1"/>
-                </a:solidFill>
-                <a:latin typeface="Times New Roman" panose="02020603050405020304" pitchFamily="18" charset="0"/>
-              </a:defRPr>
-            </a:lvl5pPr>
-            <a:lvl6pPr marL="12123738" indent="-1293813" eaLnBrk="0" fontAlgn="base" hangingPunct="0">
-              <a:spcBef>
-                <a:spcPct val="20000"/>
-              </a:spcBef>
-              <a:spcAft>
-                <a:spcPct val="0"/>
-              </a:spcAft>
-              <a:buChar char="»"/>
-              <a:defRPr sz="11300">
-                <a:solidFill>
-                  <a:schemeClr val="tx1"/>
-                </a:solidFill>
-                <a:latin typeface="Times New Roman" panose="02020603050405020304" pitchFamily="18" charset="0"/>
-              </a:defRPr>
-            </a:lvl6pPr>
-            <a:lvl7pPr marL="12580938" indent="-1293813" eaLnBrk="0" fontAlgn="base" hangingPunct="0">
-              <a:spcBef>
-                <a:spcPct val="20000"/>
-              </a:spcBef>
-              <a:spcAft>
-                <a:spcPct val="0"/>
-              </a:spcAft>
-              <a:buChar char="»"/>
-              <a:defRPr sz="11300">
-                <a:solidFill>
-                  <a:schemeClr val="tx1"/>
-                </a:solidFill>
-                <a:latin typeface="Times New Roman" panose="02020603050405020304" pitchFamily="18" charset="0"/>
-              </a:defRPr>
-            </a:lvl7pPr>
-            <a:lvl8pPr marL="13038138" indent="-1293813" eaLnBrk="0" fontAlgn="base" hangingPunct="0">
-              <a:spcBef>
-                <a:spcPct val="20000"/>
-              </a:spcBef>
-              <a:spcAft>
-                <a:spcPct val="0"/>
-              </a:spcAft>
-              <a:buChar char="»"/>
-              <a:defRPr sz="11300">
-                <a:solidFill>
-                  <a:schemeClr val="tx1"/>
-                </a:solidFill>
-                <a:latin typeface="Times New Roman" panose="02020603050405020304" pitchFamily="18" charset="0"/>
-              </a:defRPr>
-            </a:lvl8pPr>
-            <a:lvl9pPr marL="13495338" indent="-1293813" eaLnBrk="0" fontAlgn="base" hangingPunct="0">
-              <a:spcBef>
-                <a:spcPct val="20000"/>
-              </a:spcBef>
-              <a:spcAft>
-                <a:spcPct val="0"/>
-              </a:spcAft>
-              <a:buChar char="»"/>
-              <a:defRPr sz="11300">
-                <a:solidFill>
-                  <a:schemeClr val="tx1"/>
-                </a:solidFill>
-                <a:latin typeface="Times New Roman" panose="02020603050405020304" pitchFamily="18" charset="0"/>
-              </a:defRPr>
-            </a:lvl9pPr>
-          </a:lstStyle>
-          <a:p>
-            <a:pPr algn="ctr">
-              <a:spcBef>
-                <a:spcPts val="0"/>
-              </a:spcBef>
-              <a:buNone/>
-            </a:pPr>
-            <a:r>
-              <a:rPr lang="es-US" sz="3200" u="sng" dirty="0">
-                <a:latin typeface="Helvetica" panose="020B0604020202020204" pitchFamily="34" charset="0"/>
-                <a:cs typeface="Helvetica" panose="020B0604020202020204" pitchFamily="34" charset="0"/>
-              </a:rPr>
-              <a:t>Hannah Scanlon</a:t>
-            </a:r>
-            <a:r>
-              <a:rPr lang="es-US" sz="3200" baseline="30000" dirty="0">
-                <a:latin typeface="Helvetica" panose="020B0604020202020204" pitchFamily="34" charset="0"/>
-                <a:cs typeface="Helvetica" panose="020B0604020202020204" pitchFamily="34" charset="0"/>
-              </a:rPr>
-              <a:t>1</a:t>
-            </a:r>
-            <a:r>
-              <a:rPr lang="es-US" sz="3200" dirty="0">
-                <a:latin typeface="Helvetica" panose="020B0604020202020204" pitchFamily="34" charset="0"/>
-                <a:cs typeface="Helvetica" panose="020B0604020202020204" pitchFamily="34" charset="0"/>
-              </a:rPr>
-              <a:t>, Brendan Fry</a:t>
-            </a:r>
-            <a:r>
-              <a:rPr lang="es-US" sz="3200" baseline="30000" dirty="0">
-                <a:latin typeface="Helvetica" panose="020B0604020202020204" pitchFamily="34" charset="0"/>
-                <a:cs typeface="Helvetica" panose="020B0604020202020204" pitchFamily="34" charset="0"/>
-              </a:rPr>
-              <a:t>2</a:t>
-            </a:r>
-            <a:r>
-              <a:rPr lang="es-US" sz="3200" dirty="0">
-                <a:latin typeface="Helvetica" panose="020B0604020202020204" pitchFamily="34" charset="0"/>
-                <a:cs typeface="Helvetica" panose="020B0604020202020204" pitchFamily="34" charset="0"/>
-              </a:rPr>
-              <a:t>, Julia Arciero</a:t>
-            </a:r>
-            <a:r>
-              <a:rPr lang="es-US" sz="3200" baseline="30000" dirty="0">
-                <a:latin typeface="Helvetica" panose="020B0604020202020204" pitchFamily="34" charset="0"/>
-                <a:cs typeface="Helvetica" panose="020B0604020202020204" pitchFamily="34" charset="0"/>
-              </a:rPr>
-              <a:t>3</a:t>
-            </a:r>
-            <a:endParaRPr lang="en-US" sz="3200" dirty="0">
-              <a:latin typeface="Helvetica" panose="020B0604020202020204" pitchFamily="34" charset="0"/>
-              <a:cs typeface="Helvetica" panose="020B0604020202020204" pitchFamily="34" charset="0"/>
-            </a:endParaRPr>
-          </a:p>
-          <a:p>
-            <a:pPr algn="ctr">
-              <a:spcBef>
-                <a:spcPts val="0"/>
-              </a:spcBef>
-              <a:buNone/>
-            </a:pPr>
-            <a:r>
-              <a:rPr lang="en-US" sz="3200" baseline="30000" dirty="0">
-                <a:latin typeface="Helvetica" panose="020B0604020202020204" pitchFamily="34" charset="0"/>
-                <a:cs typeface="Helvetica" panose="020B0604020202020204" pitchFamily="34" charset="0"/>
-              </a:rPr>
-              <a:t>1</a:t>
-            </a:r>
-            <a:r>
-              <a:rPr lang="en-US" sz="3200" dirty="0">
-                <a:latin typeface="Helvetica" panose="020B0604020202020204" pitchFamily="34" charset="0"/>
-                <a:cs typeface="Helvetica" panose="020B0604020202020204" pitchFamily="34" charset="0"/>
-              </a:rPr>
-              <a:t>Department of Mathematics, Wake Forest University</a:t>
-            </a:r>
-          </a:p>
-          <a:p>
-            <a:pPr algn="ctr">
-              <a:spcBef>
-                <a:spcPts val="0"/>
-              </a:spcBef>
-              <a:buNone/>
-            </a:pPr>
-            <a:r>
-              <a:rPr lang="en-US" sz="3200" baseline="30000" dirty="0">
-                <a:latin typeface="Helvetica" panose="020B0604020202020204" pitchFamily="34" charset="0"/>
-                <a:cs typeface="Helvetica" panose="020B0604020202020204" pitchFamily="34" charset="0"/>
-              </a:rPr>
-              <a:t>2</a:t>
-            </a:r>
-            <a:r>
-              <a:rPr lang="en-US" sz="3200" dirty="0">
-                <a:latin typeface="Helvetica" panose="020B0604020202020204" pitchFamily="34" charset="0"/>
-                <a:cs typeface="Helvetica" panose="020B0604020202020204" pitchFamily="34" charset="0"/>
-              </a:rPr>
-              <a:t>Deparment of Mathematical and Computational Sciences, Metropolitan State University of Denver</a:t>
-            </a:r>
-          </a:p>
-          <a:p>
-            <a:pPr algn="ctr">
-              <a:spcBef>
-                <a:spcPts val="0"/>
-              </a:spcBef>
-              <a:buNone/>
-            </a:pPr>
-            <a:r>
-              <a:rPr lang="en-US" sz="3200" baseline="30000" dirty="0">
-                <a:latin typeface="Helvetica" panose="020B0604020202020204" pitchFamily="34" charset="0"/>
-                <a:cs typeface="Helvetica" panose="020B0604020202020204" pitchFamily="34" charset="0"/>
-              </a:rPr>
-              <a:t>3</a:t>
-            </a:r>
-            <a:r>
-              <a:rPr lang="en-US" sz="3200" dirty="0">
-                <a:latin typeface="Helvetica" panose="020B0604020202020204" pitchFamily="34" charset="0"/>
-                <a:cs typeface="Helvetica" panose="020B0604020202020204" pitchFamily="34" charset="0"/>
-              </a:rPr>
-              <a:t>Department of Mathematical Sciences, Indiana University-Purdue University Indianapolis</a:t>
-            </a:r>
-          </a:p>
-        </p:txBody>
-      </p:sp>
-      <p:sp>
-        <p:nvSpPr>
           <p:cNvPr id="178" name="Text Box 5">
             <a:extLst>
               <a:ext uri="{FF2B5EF4-FFF2-40B4-BE49-F238E27FC236}">
@@ -6142,8 +5385,8 @@
         </p:nvSpPr>
         <p:spPr>
           <a:xfrm>
-            <a:off x="34902094" y="31017917"/>
-            <a:ext cx="7565799" cy="1304924"/>
+            <a:off x="34959244" y="31094117"/>
+            <a:ext cx="7634969" cy="1304924"/>
           </a:xfrm>
           <a:prstGeom prst="rect">
             <a:avLst/>
@@ -6349,254 +5592,6 @@
               <a:ea typeface="MS Mincho"/>
               <a:cs typeface="Times New Roman"/>
             </a:endParaRPr>
-          </a:p>
-        </p:txBody>
-      </p:sp>
-      <p:pic>
-        <p:nvPicPr>
-          <p:cNvPr id="34" name="Picture 33">
-            <a:extLst>
-              <a:ext uri="{FF2B5EF4-FFF2-40B4-BE49-F238E27FC236}">
-                <a16:creationId xmlns:a16="http://schemas.microsoft.com/office/drawing/2014/main" id="{B59B909F-FD54-4F67-A045-B2A0D4493BDA}"/>
-              </a:ext>
-            </a:extLst>
-          </p:cNvPr>
-          <p:cNvPicPr>
-            <a:picLocks noChangeAspect="1"/>
-          </p:cNvPicPr>
-          <p:nvPr/>
-        </p:nvPicPr>
-        <p:blipFill>
-          <a:blip r:embed="rId3" cstate="hqprint">
-            <a:extLst>
-              <a:ext uri="{28A0092B-C50C-407E-A947-70E740481C1C}">
-                <a14:useLocalDpi xmlns:a14="http://schemas.microsoft.com/office/drawing/2010/main" val="0"/>
-              </a:ext>
-            </a:extLst>
-          </a:blip>
-          <a:stretch>
-            <a:fillRect/>
-          </a:stretch>
-        </p:blipFill>
-        <p:spPr>
-          <a:xfrm>
-            <a:off x="14394119" y="12727994"/>
-            <a:ext cx="6137448" cy="4560465"/>
-          </a:xfrm>
-          <a:prstGeom prst="rect">
-            <a:avLst/>
-          </a:prstGeom>
-        </p:spPr>
-      </p:pic>
-      <p:pic>
-        <p:nvPicPr>
-          <p:cNvPr id="4" name="Picture 3">
-            <a:extLst>
-              <a:ext uri="{FF2B5EF4-FFF2-40B4-BE49-F238E27FC236}">
-                <a16:creationId xmlns:a16="http://schemas.microsoft.com/office/drawing/2014/main" id="{BC54F66D-36F0-49BE-A9E3-26E013C37D2A}"/>
-              </a:ext>
-            </a:extLst>
-          </p:cNvPr>
-          <p:cNvPicPr>
-            <a:picLocks noChangeAspect="1"/>
-          </p:cNvPicPr>
-          <p:nvPr/>
-        </p:nvPicPr>
-        <p:blipFill>
-          <a:blip r:embed="rId4"/>
-          <a:stretch>
-            <a:fillRect/>
-          </a:stretch>
-        </p:blipFill>
-        <p:spPr>
-          <a:xfrm>
-            <a:off x="14594412" y="8772306"/>
-            <a:ext cx="5769667" cy="4111845"/>
-          </a:xfrm>
-          <a:prstGeom prst="rect">
-            <a:avLst/>
-          </a:prstGeom>
-        </p:spPr>
-      </p:pic>
-      <p:sp>
-        <p:nvSpPr>
-          <p:cNvPr id="35" name="Text Box 162"/>
-          <p:cNvSpPr txBox="1">
-            <a:spLocks noChangeArrowheads="1"/>
-          </p:cNvSpPr>
-          <p:nvPr/>
-        </p:nvSpPr>
-        <p:spPr bwMode="auto">
-          <a:xfrm>
-            <a:off x="22388513" y="6019800"/>
-            <a:ext cx="20148550" cy="850530"/>
-          </a:xfrm>
-          <a:prstGeom prst="rect">
-            <a:avLst/>
-          </a:prstGeom>
-          <a:solidFill>
-            <a:srgbClr val="AF0538"/>
-          </a:solidFill>
-          <a:ln>
-            <a:noFill/>
-          </a:ln>
-          <a:extLst>
-            <a:ext uri="{91240B29-F687-4F45-9708-019B960494DF}">
-              <a14:hiddenLine xmlns:a14="http://schemas.microsoft.com/office/drawing/2010/main" w="9525">
-                <a:solidFill>
-                  <a:srgbClr val="000000"/>
-                </a:solidFill>
-                <a:miter lim="800000"/>
-                <a:headEnd/>
-                <a:tailEnd/>
-              </a14:hiddenLine>
-            </a:ext>
-          </a:extLst>
-        </p:spPr>
-        <p:txBody>
-          <a:bodyPr lIns="126025" tIns="63012" rIns="126025" bIns="63012">
-            <a:spAutoFit/>
-          </a:bodyPr>
-          <a:lstStyle>
-            <a:lvl1pPr>
-              <a:spcBef>
-                <a:spcPct val="20000"/>
-              </a:spcBef>
-              <a:buChar char="•"/>
-              <a:defRPr sz="18200">
-                <a:solidFill>
-                  <a:schemeClr val="tx1"/>
-                </a:solidFill>
-                <a:latin typeface="Times New Roman" panose="02020603050405020304" pitchFamily="18" charset="0"/>
-              </a:defRPr>
-            </a:lvl1pPr>
-            <a:lvl2pPr marL="4211638" indent="-1617663">
-              <a:spcBef>
-                <a:spcPct val="20000"/>
-              </a:spcBef>
-              <a:buChar char="–"/>
-              <a:defRPr sz="15900">
-                <a:solidFill>
-                  <a:schemeClr val="tx1"/>
-                </a:solidFill>
-                <a:latin typeface="Times New Roman" panose="02020603050405020304" pitchFamily="18" charset="0"/>
-              </a:defRPr>
-            </a:lvl2pPr>
-            <a:lvl3pPr marL="6480175" indent="-1293813">
-              <a:spcBef>
-                <a:spcPct val="20000"/>
-              </a:spcBef>
-              <a:buChar char="•"/>
-              <a:defRPr sz="13600">
-                <a:solidFill>
-                  <a:schemeClr val="tx1"/>
-                </a:solidFill>
-                <a:latin typeface="Times New Roman" panose="02020603050405020304" pitchFamily="18" charset="0"/>
-              </a:defRPr>
-            </a:lvl3pPr>
-            <a:lvl4pPr marL="9072563" indent="-1293813">
-              <a:spcBef>
-                <a:spcPct val="20000"/>
-              </a:spcBef>
-              <a:buChar char="–"/>
-              <a:defRPr sz="11300">
-                <a:solidFill>
-                  <a:schemeClr val="tx1"/>
-                </a:solidFill>
-                <a:latin typeface="Times New Roman" panose="02020603050405020304" pitchFamily="18" charset="0"/>
-              </a:defRPr>
-            </a:lvl4pPr>
-            <a:lvl5pPr marL="11666538" indent="-1293813">
-              <a:spcBef>
-                <a:spcPct val="20000"/>
-              </a:spcBef>
-              <a:buChar char="»"/>
-              <a:defRPr sz="11300">
-                <a:solidFill>
-                  <a:schemeClr val="tx1"/>
-                </a:solidFill>
-                <a:latin typeface="Times New Roman" panose="02020603050405020304" pitchFamily="18" charset="0"/>
-              </a:defRPr>
-            </a:lvl5pPr>
-            <a:lvl6pPr marL="12123738" indent="-1293813" eaLnBrk="0" fontAlgn="base" hangingPunct="0">
-              <a:spcBef>
-                <a:spcPct val="20000"/>
-              </a:spcBef>
-              <a:spcAft>
-                <a:spcPct val="0"/>
-              </a:spcAft>
-              <a:buChar char="»"/>
-              <a:defRPr sz="11300">
-                <a:solidFill>
-                  <a:schemeClr val="tx1"/>
-                </a:solidFill>
-                <a:latin typeface="Times New Roman" panose="02020603050405020304" pitchFamily="18" charset="0"/>
-              </a:defRPr>
-            </a:lvl6pPr>
-            <a:lvl7pPr marL="12580938" indent="-1293813" eaLnBrk="0" fontAlgn="base" hangingPunct="0">
-              <a:spcBef>
-                <a:spcPct val="20000"/>
-              </a:spcBef>
-              <a:spcAft>
-                <a:spcPct val="0"/>
-              </a:spcAft>
-              <a:buChar char="»"/>
-              <a:defRPr sz="11300">
-                <a:solidFill>
-                  <a:schemeClr val="tx1"/>
-                </a:solidFill>
-                <a:latin typeface="Times New Roman" panose="02020603050405020304" pitchFamily="18" charset="0"/>
-              </a:defRPr>
-            </a:lvl7pPr>
-            <a:lvl8pPr marL="13038138" indent="-1293813" eaLnBrk="0" fontAlgn="base" hangingPunct="0">
-              <a:spcBef>
-                <a:spcPct val="20000"/>
-              </a:spcBef>
-              <a:spcAft>
-                <a:spcPct val="0"/>
-              </a:spcAft>
-              <a:buChar char="»"/>
-              <a:defRPr sz="11300">
-                <a:solidFill>
-                  <a:schemeClr val="tx1"/>
-                </a:solidFill>
-                <a:latin typeface="Times New Roman" panose="02020603050405020304" pitchFamily="18" charset="0"/>
-              </a:defRPr>
-            </a:lvl8pPr>
-            <a:lvl9pPr marL="13495338" indent="-1293813" eaLnBrk="0" fontAlgn="base" hangingPunct="0">
-              <a:spcBef>
-                <a:spcPct val="20000"/>
-              </a:spcBef>
-              <a:spcAft>
-                <a:spcPct val="0"/>
-              </a:spcAft>
-              <a:buChar char="»"/>
-              <a:defRPr sz="11300">
-                <a:solidFill>
-                  <a:schemeClr val="tx1"/>
-                </a:solidFill>
-                <a:latin typeface="Times New Roman" panose="02020603050405020304" pitchFamily="18" charset="0"/>
-              </a:defRPr>
-            </a:lvl9pPr>
-          </a:lstStyle>
-          <a:p>
-            <a:pPr algn="ctr" eaLnBrk="1" hangingPunct="1">
-              <a:spcBef>
-                <a:spcPct val="0"/>
-              </a:spcBef>
-              <a:buFontTx/>
-              <a:buNone/>
-            </a:pPr>
-            <a:r>
-              <a:rPr lang="en-US" altLang="en-US" sz="4700" b="1" dirty="0">
-                <a:solidFill>
-                  <a:schemeClr val="bg1"/>
-                </a:solidFill>
-                <a:latin typeface="Arial" panose="020B0604020202020204" pitchFamily="34" charset="0"/>
-                <a:cs typeface="Tahoma" panose="020B0604030504040204" pitchFamily="34" charset="0"/>
-              </a:rPr>
-              <a:t>Numerical Stability of a Star-Shaped Model</a:t>
-            </a:r>
           </a:p>
         </p:txBody>
       </p:sp>
@@ -6776,4459 +5771,6 @@
       </p:sp>
       <p:sp>
         <p:nvSpPr>
-          <p:cNvPr id="38" name="TextBox 3"/>
-          <p:cNvSpPr txBox="1">
-            <a:spLocks noChangeArrowheads="1"/>
-          </p:cNvSpPr>
-          <p:nvPr/>
-        </p:nvSpPr>
-        <p:spPr bwMode="auto">
-          <a:xfrm>
-            <a:off x="22652038" y="8937625"/>
-            <a:ext cx="11431587" cy="9375775"/>
-          </a:xfrm>
-          <a:prstGeom prst="rect">
-            <a:avLst/>
-          </a:prstGeom>
-          <a:noFill/>
-          <a:ln>
-            <a:noFill/>
-          </a:ln>
-          <a:extLst>
-            <a:ext uri="{909E8E84-426E-40DD-AFC4-6F175D3DCCD1}">
-              <a14:hiddenFill xmlns:a14="http://schemas.microsoft.com/office/drawing/2010/main">
-                <a:solidFill>
-                  <a:srgbClr val="FFFFFF"/>
-                </a:solidFill>
-              </a14:hiddenFill>
-            </a:ext>
-            <a:ext uri="{91240B29-F687-4F45-9708-019B960494DF}">
-              <a14:hiddenLine xmlns:a14="http://schemas.microsoft.com/office/drawing/2010/main" w="9525">
-                <a:solidFill>
-                  <a:srgbClr val="000000"/>
-                </a:solidFill>
-                <a:miter lim="800000"/>
-                <a:headEnd/>
-                <a:tailEnd/>
-              </a14:hiddenLine>
-            </a:ext>
-          </a:extLst>
-        </p:spPr>
-        <p:txBody>
-          <a:bodyPr lIns="126032" tIns="63016" rIns="126032" bIns="63016">
-            <a:spAutoFit/>
-          </a:bodyPr>
-          <a:lstStyle>
-            <a:lvl1pPr>
-              <a:spcBef>
-                <a:spcPct val="20000"/>
-              </a:spcBef>
-              <a:buChar char="•"/>
-              <a:defRPr sz="18200">
-                <a:solidFill>
-                  <a:schemeClr val="tx1"/>
-                </a:solidFill>
-                <a:latin typeface="Times New Roman" panose="02020603050405020304" pitchFamily="18" charset="0"/>
-              </a:defRPr>
-            </a:lvl1pPr>
-            <a:lvl2pPr marL="4211638" indent="-1617663">
-              <a:spcBef>
-                <a:spcPct val="20000"/>
-              </a:spcBef>
-              <a:buChar char="–"/>
-              <a:defRPr sz="15900">
-                <a:solidFill>
-                  <a:schemeClr val="tx1"/>
-                </a:solidFill>
-                <a:latin typeface="Times New Roman" panose="02020603050405020304" pitchFamily="18" charset="0"/>
-              </a:defRPr>
-            </a:lvl2pPr>
-            <a:lvl3pPr marL="6480175" indent="-1293813">
-              <a:spcBef>
-                <a:spcPct val="20000"/>
-              </a:spcBef>
-              <a:buChar char="•"/>
-              <a:defRPr sz="13600">
-                <a:solidFill>
-                  <a:schemeClr val="tx1"/>
-                </a:solidFill>
-                <a:latin typeface="Times New Roman" panose="02020603050405020304" pitchFamily="18" charset="0"/>
-              </a:defRPr>
-            </a:lvl3pPr>
-            <a:lvl4pPr marL="9072563" indent="-1293813">
-              <a:spcBef>
-                <a:spcPct val="20000"/>
-              </a:spcBef>
-              <a:buChar char="–"/>
-              <a:defRPr sz="11300">
-                <a:solidFill>
-                  <a:schemeClr val="tx1"/>
-                </a:solidFill>
-                <a:latin typeface="Times New Roman" panose="02020603050405020304" pitchFamily="18" charset="0"/>
-              </a:defRPr>
-            </a:lvl4pPr>
-            <a:lvl5pPr marL="11666538" indent="-1293813">
-              <a:spcBef>
-                <a:spcPct val="20000"/>
-              </a:spcBef>
-              <a:buChar char="»"/>
-              <a:defRPr sz="11300">
-                <a:solidFill>
-                  <a:schemeClr val="tx1"/>
-                </a:solidFill>
-                <a:latin typeface="Times New Roman" panose="02020603050405020304" pitchFamily="18" charset="0"/>
-              </a:defRPr>
-            </a:lvl5pPr>
-            <a:lvl6pPr marL="12123738" indent="-1293813" eaLnBrk="0" fontAlgn="base" hangingPunct="0">
-              <a:spcBef>
-                <a:spcPct val="20000"/>
-              </a:spcBef>
-              <a:spcAft>
-                <a:spcPct val="0"/>
-              </a:spcAft>
-              <a:buChar char="»"/>
-              <a:defRPr sz="11300">
-                <a:solidFill>
-                  <a:schemeClr val="tx1"/>
-                </a:solidFill>
-                <a:latin typeface="Times New Roman" panose="02020603050405020304" pitchFamily="18" charset="0"/>
-              </a:defRPr>
-            </a:lvl6pPr>
-            <a:lvl7pPr marL="12580938" indent="-1293813" eaLnBrk="0" fontAlgn="base" hangingPunct="0">
-              <a:spcBef>
-                <a:spcPct val="20000"/>
-              </a:spcBef>
-              <a:spcAft>
-                <a:spcPct val="0"/>
-              </a:spcAft>
-              <a:buChar char="»"/>
-              <a:defRPr sz="11300">
-                <a:solidFill>
-                  <a:schemeClr val="tx1"/>
-                </a:solidFill>
-                <a:latin typeface="Times New Roman" panose="02020603050405020304" pitchFamily="18" charset="0"/>
-              </a:defRPr>
-            </a:lvl7pPr>
-            <a:lvl8pPr marL="13038138" indent="-1293813" eaLnBrk="0" fontAlgn="base" hangingPunct="0">
-              <a:spcBef>
-                <a:spcPct val="20000"/>
-              </a:spcBef>
-              <a:spcAft>
-                <a:spcPct val="0"/>
-              </a:spcAft>
-              <a:buChar char="»"/>
-              <a:defRPr sz="11300">
-                <a:solidFill>
-                  <a:schemeClr val="tx1"/>
-                </a:solidFill>
-                <a:latin typeface="Times New Roman" panose="02020603050405020304" pitchFamily="18" charset="0"/>
-              </a:defRPr>
-            </a:lvl8pPr>
-            <a:lvl9pPr marL="13495338" indent="-1293813" eaLnBrk="0" fontAlgn="base" hangingPunct="0">
-              <a:spcBef>
-                <a:spcPct val="20000"/>
-              </a:spcBef>
-              <a:spcAft>
-                <a:spcPct val="0"/>
-              </a:spcAft>
-              <a:buChar char="»"/>
-              <a:defRPr sz="11300">
-                <a:solidFill>
-                  <a:schemeClr val="tx1"/>
-                </a:solidFill>
-                <a:latin typeface="Times New Roman" panose="02020603050405020304" pitchFamily="18" charset="0"/>
-              </a:defRPr>
-            </a:lvl9pPr>
-          </a:lstStyle>
-          <a:p>
-            <a:pPr marL="571500" indent="-571500" eaLnBrk="1" hangingPunct="1">
-              <a:spcBef>
-                <a:spcPct val="0"/>
-              </a:spcBef>
-              <a:defRPr/>
-            </a:pPr>
-            <a:r>
-              <a:rPr lang="en-US" altLang="en-US" sz="3600" dirty="0">
-                <a:latin typeface="Helvetica" panose="020B0604020202020204" pitchFamily="34" charset="0"/>
-                <a:cs typeface="Helvetica" panose="020B0604020202020204" pitchFamily="34" charset="0"/>
-              </a:rPr>
-              <a:t>A two-dimensional mathematical model of cancer cell motion has been constructed, but can experience slower run times due to non-physiological star-shaped numerical instabilities.</a:t>
-            </a:r>
-          </a:p>
-          <a:p>
-            <a:pPr eaLnBrk="1" hangingPunct="1">
-              <a:spcBef>
-                <a:spcPct val="0"/>
-              </a:spcBef>
-              <a:buFontTx/>
-              <a:buNone/>
-              <a:defRPr/>
-            </a:pPr>
-            <a:endParaRPr lang="en-US" altLang="en-US" sz="1400" dirty="0">
-              <a:latin typeface="Helvetica" panose="020B0604020202020204" pitchFamily="34" charset="0"/>
-              <a:cs typeface="Helvetica" panose="020B0604020202020204" pitchFamily="34" charset="0"/>
-            </a:endParaRPr>
-          </a:p>
-          <a:p>
-            <a:pPr marL="571500" indent="-571500" eaLnBrk="1" hangingPunct="1">
-              <a:spcBef>
-                <a:spcPct val="0"/>
-              </a:spcBef>
-              <a:defRPr/>
-            </a:pPr>
-            <a:r>
-              <a:rPr lang="en-US" altLang="en-US" sz="3600" dirty="0">
-                <a:latin typeface="Helvetica" panose="020B0604020202020204" pitchFamily="34" charset="0"/>
-                <a:cs typeface="Helvetica" panose="020B0604020202020204" pitchFamily="34" charset="0"/>
-              </a:rPr>
-              <a:t>To better understand this issue, a star-shaped model shown in the </a:t>
-            </a:r>
-            <a:r>
-              <a:rPr lang="en-US" altLang="en-US" sz="3600" b="1" dirty="0">
-                <a:latin typeface="Helvetica" panose="020B0604020202020204" pitchFamily="34" charset="0"/>
-                <a:cs typeface="Helvetica" panose="020B0604020202020204" pitchFamily="34" charset="0"/>
-              </a:rPr>
-              <a:t>Figure </a:t>
-            </a:r>
-            <a:r>
-              <a:rPr lang="en-US" altLang="en-US" sz="3600" dirty="0">
-                <a:latin typeface="Helvetica" panose="020B0604020202020204" pitchFamily="34" charset="0"/>
-                <a:cs typeface="Helvetica" panose="020B0604020202020204" pitchFamily="34" charset="0"/>
-              </a:rPr>
-              <a:t>was modeled as a system of viscoelastic elements.</a:t>
-            </a:r>
-          </a:p>
-          <a:p>
-            <a:pPr marL="571500" indent="-571500" eaLnBrk="1" hangingPunct="1">
-              <a:spcBef>
-                <a:spcPct val="0"/>
-              </a:spcBef>
-              <a:defRPr/>
-            </a:pPr>
-            <a:endParaRPr lang="en-US" altLang="en-US" sz="1200" dirty="0">
-              <a:latin typeface="Helvetica" panose="020B0604020202020204" pitchFamily="34" charset="0"/>
-              <a:cs typeface="Helvetica" panose="020B0604020202020204" pitchFamily="34" charset="0"/>
-            </a:endParaRPr>
-          </a:p>
-          <a:p>
-            <a:pPr marL="571500" indent="-571500" eaLnBrk="1" hangingPunct="1">
-              <a:spcBef>
-                <a:spcPct val="0"/>
-              </a:spcBef>
-              <a:defRPr/>
-            </a:pPr>
-            <a:r>
-              <a:rPr lang="en-US" altLang="en-US" sz="3600" dirty="0">
-                <a:latin typeface="Helvetica" panose="020B0604020202020204" pitchFamily="34" charset="0"/>
-                <a:cs typeface="Helvetica" panose="020B0604020202020204" pitchFamily="34" charset="0"/>
-              </a:rPr>
-              <a:t>Rotational symmetry of this system of damped springs produces a system of two ODEs.</a:t>
-            </a:r>
-          </a:p>
-          <a:p>
-            <a:pPr marL="571500" indent="-571500" eaLnBrk="1" hangingPunct="1">
-              <a:spcBef>
-                <a:spcPct val="0"/>
-              </a:spcBef>
-              <a:defRPr/>
-            </a:pPr>
-            <a:endParaRPr lang="en-US" altLang="en-US" sz="1200" dirty="0">
-              <a:latin typeface="Helvetica" panose="020B0604020202020204" pitchFamily="34" charset="0"/>
-              <a:cs typeface="Helvetica" panose="020B0604020202020204" pitchFamily="34" charset="0"/>
-            </a:endParaRPr>
-          </a:p>
-          <a:p>
-            <a:pPr marL="571500" indent="-571500" eaLnBrk="1" hangingPunct="1">
-              <a:spcBef>
-                <a:spcPct val="0"/>
-              </a:spcBef>
-              <a:defRPr/>
-            </a:pPr>
-            <a:r>
-              <a:rPr lang="en-US" altLang="en-US" sz="3600" dirty="0">
-                <a:latin typeface="Helvetica" panose="020B0604020202020204" pitchFamily="34" charset="0"/>
-                <a:cs typeface="Helvetica" panose="020B0604020202020204" pitchFamily="34" charset="0"/>
-              </a:rPr>
-              <a:t>Stability analysis found that the maximum step size that can be taken when modeling cancer cell motion using improved Euler’s method is </a:t>
-            </a:r>
-            <a:r>
-              <a:rPr lang="en-US" altLang="en-US" sz="3600" i="1" dirty="0" err="1">
-                <a:latin typeface="Helvetica" panose="020B0604020202020204" pitchFamily="34" charset="0"/>
-                <a:cs typeface="Helvetica" panose="020B0604020202020204" pitchFamily="34" charset="0"/>
-              </a:rPr>
-              <a:t>dt</a:t>
-            </a:r>
-            <a:r>
-              <a:rPr lang="en-US" altLang="en-US" sz="3600" dirty="0">
-                <a:latin typeface="Helvetica" panose="020B0604020202020204" pitchFamily="34" charset="0"/>
-                <a:cs typeface="Helvetica" panose="020B0604020202020204" pitchFamily="34" charset="0"/>
-              </a:rPr>
-              <a:t> = 0.0359.</a:t>
-            </a:r>
-          </a:p>
-          <a:p>
-            <a:pPr marL="571500" indent="-571500" eaLnBrk="1" hangingPunct="1">
-              <a:spcBef>
-                <a:spcPct val="0"/>
-              </a:spcBef>
-              <a:defRPr/>
-            </a:pPr>
-            <a:endParaRPr lang="en-US" altLang="en-US" sz="1200" dirty="0">
-              <a:latin typeface="Helvetica" panose="020B0604020202020204" pitchFamily="34" charset="0"/>
-              <a:cs typeface="Helvetica" panose="020B0604020202020204" pitchFamily="34" charset="0"/>
-            </a:endParaRPr>
-          </a:p>
-          <a:p>
-            <a:pPr marL="571500" indent="-571500" eaLnBrk="1" hangingPunct="1">
-              <a:spcBef>
-                <a:spcPct val="0"/>
-              </a:spcBef>
-              <a:defRPr/>
-            </a:pPr>
-            <a:r>
-              <a:rPr lang="en-US" altLang="en-US" sz="3600" dirty="0">
-                <a:latin typeface="Helvetica" panose="020B0604020202020204" pitchFamily="34" charset="0"/>
-                <a:cs typeface="Helvetica" panose="020B0604020202020204" pitchFamily="34" charset="0"/>
-              </a:rPr>
-              <a:t>A sensitivity analysis (</a:t>
-            </a:r>
-            <a:r>
-              <a:rPr lang="en-US" altLang="en-US" sz="3600" b="1" dirty="0">
-                <a:latin typeface="Helvetica" panose="020B0604020202020204" pitchFamily="34" charset="0"/>
-                <a:cs typeface="Helvetica" panose="020B0604020202020204" pitchFamily="34" charset="0"/>
-              </a:rPr>
-              <a:t>Table</a:t>
-            </a:r>
-            <a:r>
-              <a:rPr lang="en-US" altLang="en-US" sz="3600" dirty="0">
-                <a:latin typeface="Helvetica" panose="020B0604020202020204" pitchFamily="34" charset="0"/>
-                <a:cs typeface="Helvetica" panose="020B0604020202020204" pitchFamily="34" charset="0"/>
-              </a:rPr>
-              <a:t>) was also performed that determines the effect on </a:t>
-            </a:r>
-            <a:r>
-              <a:rPr lang="en-US" sz="3600" dirty="0">
-                <a:latin typeface="Helvetica" panose="020B0604020202020204" pitchFamily="34" charset="0"/>
-                <a:cs typeface="Helvetica" panose="020B0604020202020204" pitchFamily="34" charset="0"/>
-              </a:rPr>
-              <a:t>maximum time step (</a:t>
-            </a:r>
-            <a:r>
-              <a:rPr lang="en-US" sz="3600" i="1" dirty="0" err="1">
-                <a:latin typeface="Helvetica" panose="020B0604020202020204" pitchFamily="34" charset="0"/>
-                <a:cs typeface="Helvetica" panose="020B0604020202020204" pitchFamily="34" charset="0"/>
-              </a:rPr>
-              <a:t>dt</a:t>
-            </a:r>
-            <a:r>
-              <a:rPr lang="en-US" sz="3600" baseline="-25000" dirty="0" err="1">
-                <a:latin typeface="Helvetica" panose="020B0604020202020204" pitchFamily="34" charset="0"/>
-                <a:cs typeface="Helvetica" panose="020B0604020202020204" pitchFamily="34" charset="0"/>
-              </a:rPr>
-              <a:t>max</a:t>
-            </a:r>
-            <a:r>
-              <a:rPr lang="en-US" sz="3600" dirty="0">
-                <a:latin typeface="Helvetica" panose="020B0604020202020204" pitchFamily="34" charset="0"/>
-                <a:cs typeface="Helvetica" panose="020B0604020202020204" pitchFamily="34" charset="0"/>
-              </a:rPr>
-              <a:t>)</a:t>
-            </a:r>
-            <a:r>
-              <a:rPr lang="en-US" altLang="en-US" sz="3600" dirty="0">
-                <a:latin typeface="Helvetica" panose="020B0604020202020204" pitchFamily="34" charset="0"/>
-                <a:cs typeface="Helvetica" panose="020B0604020202020204" pitchFamily="34" charset="0"/>
-              </a:rPr>
-              <a:t> of changing each of the parameters by 1%. </a:t>
-            </a:r>
-            <a:endParaRPr lang="en-US" altLang="en-US" sz="1000" dirty="0">
-              <a:latin typeface="Arial" panose="020B0604020202020204" pitchFamily="34" charset="0"/>
-            </a:endParaRPr>
-          </a:p>
-          <a:p>
-            <a:pPr eaLnBrk="1" hangingPunct="1">
-              <a:spcBef>
-                <a:spcPct val="0"/>
-              </a:spcBef>
-              <a:buFontTx/>
-              <a:buNone/>
-              <a:defRPr/>
-            </a:pPr>
-            <a:endParaRPr lang="en-US" altLang="en-US" sz="1100" dirty="0">
-              <a:latin typeface="Arial" panose="020B0604020202020204" pitchFamily="34" charset="0"/>
-            </a:endParaRPr>
-          </a:p>
-        </p:txBody>
-      </p:sp>
-      <p:sp>
-        <p:nvSpPr>
-          <p:cNvPr id="39" name="TextBox 38"/>
-          <p:cNvSpPr txBox="1">
-            <a:spLocks noChangeArrowheads="1"/>
-          </p:cNvSpPr>
-          <p:nvPr/>
-        </p:nvSpPr>
-        <p:spPr bwMode="auto">
-          <a:xfrm>
-            <a:off x="22436138" y="6916738"/>
-            <a:ext cx="20100925" cy="1616075"/>
-          </a:xfrm>
-          <a:prstGeom prst="rect">
-            <a:avLst/>
-          </a:prstGeom>
-          <a:noFill/>
-          <a:ln>
-            <a:noFill/>
-          </a:ln>
-          <a:extLst>
-            <a:ext uri="{909E8E84-426E-40DD-AFC4-6F175D3DCCD1}">
-              <a14:hiddenFill xmlns:a14="http://schemas.microsoft.com/office/drawing/2010/main">
-                <a:solidFill>
-                  <a:srgbClr val="FFFFFF"/>
-                </a:solidFill>
-              </a14:hiddenFill>
-            </a:ext>
-            <a:ext uri="{91240B29-F687-4F45-9708-019B960494DF}">
-              <a14:hiddenLine xmlns:a14="http://schemas.microsoft.com/office/drawing/2010/main" w="9525">
-                <a:solidFill>
-                  <a:srgbClr val="000000"/>
-                </a:solidFill>
-                <a:miter lim="800000"/>
-                <a:headEnd/>
-                <a:tailEnd/>
-              </a14:hiddenLine>
-            </a:ext>
-          </a:extLst>
-        </p:spPr>
-        <p:txBody>
-          <a:bodyPr>
-            <a:spAutoFit/>
-          </a:bodyPr>
-          <a:lstStyle>
-            <a:lvl1pPr>
-              <a:spcBef>
-                <a:spcPct val="20000"/>
-              </a:spcBef>
-              <a:buChar char="•"/>
-              <a:defRPr sz="18200">
-                <a:solidFill>
-                  <a:schemeClr val="tx1"/>
-                </a:solidFill>
-                <a:latin typeface="Times New Roman" panose="02020603050405020304" pitchFamily="18" charset="0"/>
-              </a:defRPr>
-            </a:lvl1pPr>
-            <a:lvl2pPr marL="4211638" indent="-1617663">
-              <a:spcBef>
-                <a:spcPct val="20000"/>
-              </a:spcBef>
-              <a:buChar char="–"/>
-              <a:defRPr sz="15900">
-                <a:solidFill>
-                  <a:schemeClr val="tx1"/>
-                </a:solidFill>
-                <a:latin typeface="Times New Roman" panose="02020603050405020304" pitchFamily="18" charset="0"/>
-              </a:defRPr>
-            </a:lvl2pPr>
-            <a:lvl3pPr marL="6480175" indent="-1293813">
-              <a:spcBef>
-                <a:spcPct val="20000"/>
-              </a:spcBef>
-              <a:buChar char="•"/>
-              <a:defRPr sz="13600">
-                <a:solidFill>
-                  <a:schemeClr val="tx1"/>
-                </a:solidFill>
-                <a:latin typeface="Times New Roman" panose="02020603050405020304" pitchFamily="18" charset="0"/>
-              </a:defRPr>
-            </a:lvl3pPr>
-            <a:lvl4pPr marL="9072563" indent="-1293813">
-              <a:spcBef>
-                <a:spcPct val="20000"/>
-              </a:spcBef>
-              <a:buChar char="–"/>
-              <a:defRPr sz="11300">
-                <a:solidFill>
-                  <a:schemeClr val="tx1"/>
-                </a:solidFill>
-                <a:latin typeface="Times New Roman" panose="02020603050405020304" pitchFamily="18" charset="0"/>
-              </a:defRPr>
-            </a:lvl4pPr>
-            <a:lvl5pPr marL="11666538" indent="-1293813">
-              <a:spcBef>
-                <a:spcPct val="20000"/>
-              </a:spcBef>
-              <a:buChar char="»"/>
-              <a:defRPr sz="11300">
-                <a:solidFill>
-                  <a:schemeClr val="tx1"/>
-                </a:solidFill>
-                <a:latin typeface="Times New Roman" panose="02020603050405020304" pitchFamily="18" charset="0"/>
-              </a:defRPr>
-            </a:lvl5pPr>
-            <a:lvl6pPr marL="12123738" indent="-1293813" eaLnBrk="0" fontAlgn="base" hangingPunct="0">
-              <a:spcBef>
-                <a:spcPct val="20000"/>
-              </a:spcBef>
-              <a:spcAft>
-                <a:spcPct val="0"/>
-              </a:spcAft>
-              <a:buChar char="»"/>
-              <a:defRPr sz="11300">
-                <a:solidFill>
-                  <a:schemeClr val="tx1"/>
-                </a:solidFill>
-                <a:latin typeface="Times New Roman" panose="02020603050405020304" pitchFamily="18" charset="0"/>
-              </a:defRPr>
-            </a:lvl6pPr>
-            <a:lvl7pPr marL="12580938" indent="-1293813" eaLnBrk="0" fontAlgn="base" hangingPunct="0">
-              <a:spcBef>
-                <a:spcPct val="20000"/>
-              </a:spcBef>
-              <a:spcAft>
-                <a:spcPct val="0"/>
-              </a:spcAft>
-              <a:buChar char="»"/>
-              <a:defRPr sz="11300">
-                <a:solidFill>
-                  <a:schemeClr val="tx1"/>
-                </a:solidFill>
-                <a:latin typeface="Times New Roman" panose="02020603050405020304" pitchFamily="18" charset="0"/>
-              </a:defRPr>
-            </a:lvl7pPr>
-            <a:lvl8pPr marL="13038138" indent="-1293813" eaLnBrk="0" fontAlgn="base" hangingPunct="0">
-              <a:spcBef>
-                <a:spcPct val="20000"/>
-              </a:spcBef>
-              <a:spcAft>
-                <a:spcPct val="0"/>
-              </a:spcAft>
-              <a:buChar char="»"/>
-              <a:defRPr sz="11300">
-                <a:solidFill>
-                  <a:schemeClr val="tx1"/>
-                </a:solidFill>
-                <a:latin typeface="Times New Roman" panose="02020603050405020304" pitchFamily="18" charset="0"/>
-              </a:defRPr>
-            </a:lvl8pPr>
-            <a:lvl9pPr marL="13495338" indent="-1293813" eaLnBrk="0" fontAlgn="base" hangingPunct="0">
-              <a:spcBef>
-                <a:spcPct val="20000"/>
-              </a:spcBef>
-              <a:spcAft>
-                <a:spcPct val="0"/>
-              </a:spcAft>
-              <a:buChar char="»"/>
-              <a:defRPr sz="11300">
-                <a:solidFill>
-                  <a:schemeClr val="tx1"/>
-                </a:solidFill>
-                <a:latin typeface="Times New Roman" panose="02020603050405020304" pitchFamily="18" charset="0"/>
-              </a:defRPr>
-            </a:lvl9pPr>
-          </a:lstStyle>
-          <a:p>
-            <a:pPr algn="ctr" eaLnBrk="1" hangingPunct="1">
-              <a:spcBef>
-                <a:spcPct val="0"/>
-              </a:spcBef>
-              <a:buFontTx/>
-              <a:buNone/>
-            </a:pPr>
-            <a:r>
-              <a:rPr lang="en-US" altLang="en-US" sz="3300" u="sng">
-                <a:latin typeface="Helvetica" panose="020B0604020202020204" pitchFamily="34" charset="0"/>
-              </a:rPr>
-              <a:t>Mary Petersen</a:t>
-            </a:r>
-            <a:r>
-              <a:rPr lang="en-US" altLang="en-US" sz="3300" baseline="30000">
-                <a:latin typeface="Helvetica" panose="020B0604020202020204" pitchFamily="34" charset="0"/>
-              </a:rPr>
-              <a:t>1</a:t>
-            </a:r>
-            <a:r>
-              <a:rPr lang="en-US" altLang="en-US" sz="3300">
-                <a:latin typeface="Helvetica" panose="020B0604020202020204" pitchFamily="34" charset="0"/>
-              </a:rPr>
-              <a:t>, Jared Barber</a:t>
-            </a:r>
-            <a:r>
-              <a:rPr lang="en-US" altLang="en-US" sz="3300" baseline="30000">
-                <a:latin typeface="Helvetica" panose="020B0604020202020204" pitchFamily="34" charset="0"/>
-              </a:rPr>
-              <a:t>2</a:t>
-            </a:r>
-            <a:r>
-              <a:rPr lang="en-US" altLang="en-US" sz="3300">
-                <a:latin typeface="Helvetica" panose="020B0604020202020204" pitchFamily="34" charset="0"/>
-              </a:rPr>
-              <a:t> </a:t>
-            </a:r>
-            <a:r>
-              <a:rPr lang="en-US" altLang="en-US" sz="3300" baseline="30000">
-                <a:latin typeface="Helvetica" panose="020B0604020202020204" pitchFamily="34" charset="0"/>
-              </a:rPr>
-              <a:t> </a:t>
-            </a:r>
-            <a:endParaRPr lang="en-US" altLang="en-US" sz="3300">
-              <a:latin typeface="Helvetica" panose="020B0604020202020204" pitchFamily="34" charset="0"/>
-            </a:endParaRPr>
-          </a:p>
-          <a:p>
-            <a:pPr algn="ctr" eaLnBrk="1" hangingPunct="1">
-              <a:spcBef>
-                <a:spcPct val="0"/>
-              </a:spcBef>
-              <a:buFontTx/>
-              <a:buNone/>
-            </a:pPr>
-            <a:r>
-              <a:rPr lang="en-US" altLang="en-US" sz="3300" baseline="30000">
-                <a:latin typeface="Helvetica" panose="020B0604020202020204" pitchFamily="34" charset="0"/>
-              </a:rPr>
-              <a:t>1</a:t>
-            </a:r>
-            <a:r>
-              <a:rPr lang="en-US" altLang="en-US" sz="3300">
-                <a:latin typeface="Helvetica" panose="020B0604020202020204" pitchFamily="34" charset="0"/>
-              </a:rPr>
-              <a:t>Department of Mathematics, Rose-Hulman Institute of Technology</a:t>
-            </a:r>
-          </a:p>
-          <a:p>
-            <a:pPr algn="ctr" eaLnBrk="1" hangingPunct="1">
-              <a:spcBef>
-                <a:spcPct val="0"/>
-              </a:spcBef>
-              <a:buFontTx/>
-              <a:buNone/>
-            </a:pPr>
-            <a:r>
-              <a:rPr lang="en-US" altLang="en-US" sz="3300" baseline="30000">
-                <a:latin typeface="Helvetica" panose="020B0604020202020204" pitchFamily="34" charset="0"/>
-              </a:rPr>
-              <a:t>2</a:t>
-            </a:r>
-            <a:r>
-              <a:rPr lang="en-US" altLang="en-US" sz="3300">
-                <a:latin typeface="Helvetica" panose="020B0604020202020204" pitchFamily="34" charset="0"/>
-              </a:rPr>
-              <a:t>Department of Mathematical Sciences, IUPUI </a:t>
-            </a:r>
-          </a:p>
-        </p:txBody>
-      </p:sp>
-      <p:sp>
-        <p:nvSpPr>
-          <p:cNvPr id="40" name="Text Box 5"/>
-          <p:cNvSpPr txBox="1"/>
-          <p:nvPr/>
-        </p:nvSpPr>
-        <p:spPr>
-          <a:xfrm>
-            <a:off x="34593213" y="17959388"/>
-            <a:ext cx="7623175" cy="457200"/>
-          </a:xfrm>
-          <a:prstGeom prst="rect">
-            <a:avLst/>
-          </a:prstGeom>
-          <a:solidFill>
-            <a:schemeClr val="lt1"/>
-          </a:solidFill>
-          <a:ln w="6350">
-            <a:noFill/>
-          </a:ln>
-          <a:effectLst/>
-        </p:spPr>
-        <p:style>
-          <a:lnRef idx="0">
-            <a:schemeClr val="accent1"/>
-          </a:lnRef>
-          <a:fillRef idx="0">
-            <a:schemeClr val="accent1"/>
-          </a:fillRef>
-          <a:effectRef idx="0">
-            <a:schemeClr val="accent1"/>
-          </a:effectRef>
-          <a:fontRef idx="minor">
-            <a:schemeClr val="dk1"/>
-          </a:fontRef>
-        </p:style>
-        <p:txBody>
-          <a:bodyPr/>
-          <a:lstStyle>
-            <a:defPPr>
-              <a:defRPr lang="en-US"/>
-            </a:defPPr>
-            <a:lvl1pPr algn="l" rtl="0" eaLnBrk="0" fontAlgn="base" hangingPunct="0">
-              <a:spcBef>
-                <a:spcPct val="0"/>
-              </a:spcBef>
-              <a:spcAft>
-                <a:spcPct val="0"/>
-              </a:spcAft>
-              <a:defRPr sz="3300" kern="1200">
-                <a:solidFill>
-                  <a:schemeClr val="dk1"/>
-                </a:solidFill>
-                <a:latin typeface="+mn-lt"/>
-                <a:ea typeface="+mn-ea"/>
-                <a:cs typeface="+mn-cs"/>
-              </a:defRPr>
-            </a:lvl1pPr>
-            <a:lvl2pPr marL="628650" indent="-171450" algn="l" rtl="0" eaLnBrk="0" fontAlgn="base" hangingPunct="0">
-              <a:spcBef>
-                <a:spcPct val="0"/>
-              </a:spcBef>
-              <a:spcAft>
-                <a:spcPct val="0"/>
-              </a:spcAft>
-              <a:defRPr sz="3300" kern="1200">
-                <a:solidFill>
-                  <a:schemeClr val="dk1"/>
-                </a:solidFill>
-                <a:latin typeface="+mn-lt"/>
-                <a:ea typeface="+mn-ea"/>
-                <a:cs typeface="+mn-cs"/>
-              </a:defRPr>
-            </a:lvl2pPr>
-            <a:lvl3pPr marL="1258888" indent="-344488" algn="l" rtl="0" eaLnBrk="0" fontAlgn="base" hangingPunct="0">
-              <a:spcBef>
-                <a:spcPct val="0"/>
-              </a:spcBef>
-              <a:spcAft>
-                <a:spcPct val="0"/>
-              </a:spcAft>
-              <a:defRPr sz="3300" kern="1200">
-                <a:solidFill>
-                  <a:schemeClr val="dk1"/>
-                </a:solidFill>
-                <a:latin typeface="+mn-lt"/>
-                <a:ea typeface="+mn-ea"/>
-                <a:cs typeface="+mn-cs"/>
-              </a:defRPr>
-            </a:lvl3pPr>
-            <a:lvl4pPr marL="1889125" indent="-517525" algn="l" rtl="0" eaLnBrk="0" fontAlgn="base" hangingPunct="0">
-              <a:spcBef>
-                <a:spcPct val="0"/>
-              </a:spcBef>
-              <a:spcAft>
-                <a:spcPct val="0"/>
-              </a:spcAft>
-              <a:defRPr sz="3300" kern="1200">
-                <a:solidFill>
-                  <a:schemeClr val="dk1"/>
-                </a:solidFill>
-                <a:latin typeface="+mn-lt"/>
-                <a:ea typeface="+mn-ea"/>
-                <a:cs typeface="+mn-cs"/>
-              </a:defRPr>
-            </a:lvl4pPr>
-            <a:lvl5pPr marL="2519363" indent="-690563" algn="l" rtl="0" eaLnBrk="0" fontAlgn="base" hangingPunct="0">
-              <a:spcBef>
-                <a:spcPct val="0"/>
-              </a:spcBef>
-              <a:spcAft>
-                <a:spcPct val="0"/>
-              </a:spcAft>
-              <a:defRPr sz="3300" kern="1200">
-                <a:solidFill>
-                  <a:schemeClr val="dk1"/>
-                </a:solidFill>
-                <a:latin typeface="+mn-lt"/>
-                <a:ea typeface="+mn-ea"/>
-                <a:cs typeface="+mn-cs"/>
-              </a:defRPr>
-            </a:lvl5pPr>
-            <a:lvl6pPr marL="2286000" algn="l" defTabSz="914400" rtl="0" eaLnBrk="1" latinLnBrk="0" hangingPunct="1">
-              <a:defRPr sz="3300" kern="1200">
-                <a:solidFill>
-                  <a:schemeClr val="dk1"/>
-                </a:solidFill>
-                <a:latin typeface="+mn-lt"/>
-                <a:ea typeface="+mn-ea"/>
-                <a:cs typeface="+mn-cs"/>
-              </a:defRPr>
-            </a:lvl6pPr>
-            <a:lvl7pPr marL="2743200" algn="l" defTabSz="914400" rtl="0" eaLnBrk="1" latinLnBrk="0" hangingPunct="1">
-              <a:defRPr sz="3300" kern="1200">
-                <a:solidFill>
-                  <a:schemeClr val="dk1"/>
-                </a:solidFill>
-                <a:latin typeface="+mn-lt"/>
-                <a:ea typeface="+mn-ea"/>
-                <a:cs typeface="+mn-cs"/>
-              </a:defRPr>
-            </a:lvl7pPr>
-            <a:lvl8pPr marL="3200400" algn="l" defTabSz="914400" rtl="0" eaLnBrk="1" latinLnBrk="0" hangingPunct="1">
-              <a:defRPr sz="3300" kern="1200">
-                <a:solidFill>
-                  <a:schemeClr val="dk1"/>
-                </a:solidFill>
-                <a:latin typeface="+mn-lt"/>
-                <a:ea typeface="+mn-ea"/>
-                <a:cs typeface="+mn-cs"/>
-              </a:defRPr>
-            </a:lvl8pPr>
-            <a:lvl9pPr marL="3657600" algn="l" defTabSz="914400" rtl="0" eaLnBrk="1" latinLnBrk="0" hangingPunct="1">
-              <a:defRPr sz="3300" kern="1200">
-                <a:solidFill>
-                  <a:schemeClr val="dk1"/>
-                </a:solidFill>
-                <a:latin typeface="+mn-lt"/>
-                <a:ea typeface="+mn-ea"/>
-                <a:cs typeface="+mn-cs"/>
-              </a:defRPr>
-            </a:lvl9pPr>
-          </a:lstStyle>
-          <a:p>
-            <a:pPr algn="ctr" eaLnBrk="1" hangingPunct="1">
-              <a:spcBef>
-                <a:spcPts val="0"/>
-              </a:spcBef>
-              <a:spcAft>
-                <a:spcPts val="0"/>
-              </a:spcAft>
-              <a:defRPr/>
-            </a:pPr>
-            <a:r>
-              <a:rPr lang="en-US" sz="2800" b="1" dirty="0">
-                <a:latin typeface="Arial"/>
-                <a:ea typeface="MS Mincho"/>
-                <a:cs typeface="Times New Roman"/>
-              </a:rPr>
-              <a:t>Table.  </a:t>
-            </a:r>
-            <a:r>
-              <a:rPr lang="en-US" sz="2800" i="1" dirty="0">
-                <a:latin typeface="Arial"/>
-                <a:ea typeface="MS Mincho"/>
-                <a:cs typeface="Times New Roman"/>
-              </a:rPr>
-              <a:t>The effect of parameters on </a:t>
-            </a:r>
-            <a:r>
-              <a:rPr lang="en-US" sz="2800" i="1" dirty="0" err="1">
-                <a:latin typeface="Arial"/>
-                <a:ea typeface="MS Mincho"/>
-                <a:cs typeface="Times New Roman"/>
-              </a:rPr>
-              <a:t>dt.</a:t>
-            </a:r>
-            <a:r>
-              <a:rPr lang="en-US" sz="2800" i="1" dirty="0">
-                <a:latin typeface="Arial"/>
-                <a:ea typeface="MS Mincho"/>
-                <a:cs typeface="Times New Roman"/>
-              </a:rPr>
-              <a:t> </a:t>
-            </a:r>
-            <a:endParaRPr lang="en-US" sz="2800" dirty="0">
-              <a:ea typeface="MS Mincho"/>
-              <a:cs typeface="Times New Roman"/>
-            </a:endParaRPr>
-          </a:p>
-        </p:txBody>
-      </p:sp>
-      <p:sp>
-        <p:nvSpPr>
-          <p:cNvPr id="41" name="Text Box 5"/>
-          <p:cNvSpPr txBox="1"/>
-          <p:nvPr/>
-        </p:nvSpPr>
-        <p:spPr>
-          <a:xfrm>
-            <a:off x="35887025" y="10887075"/>
-            <a:ext cx="5595938" cy="760413"/>
-          </a:xfrm>
-          <a:prstGeom prst="rect">
-            <a:avLst/>
-          </a:prstGeom>
-          <a:solidFill>
-            <a:schemeClr val="lt1"/>
-          </a:solidFill>
-          <a:ln w="6350">
-            <a:noFill/>
-          </a:ln>
-          <a:effectLst/>
-        </p:spPr>
-        <p:style>
-          <a:lnRef idx="0">
-            <a:schemeClr val="accent1"/>
-          </a:lnRef>
-          <a:fillRef idx="0">
-            <a:schemeClr val="accent1"/>
-          </a:fillRef>
-          <a:effectRef idx="0">
-            <a:schemeClr val="accent1"/>
-          </a:effectRef>
-          <a:fontRef idx="minor">
-            <a:schemeClr val="dk1"/>
-          </a:fontRef>
-        </p:style>
-        <p:txBody>
-          <a:bodyPr/>
-          <a:lstStyle>
-            <a:defPPr>
-              <a:defRPr lang="en-US"/>
-            </a:defPPr>
-            <a:lvl1pPr algn="l" rtl="0" eaLnBrk="0" fontAlgn="base" hangingPunct="0">
-              <a:spcBef>
-                <a:spcPct val="0"/>
-              </a:spcBef>
-              <a:spcAft>
-                <a:spcPct val="0"/>
-              </a:spcAft>
-              <a:defRPr sz="3300" kern="1200">
-                <a:solidFill>
-                  <a:schemeClr val="dk1"/>
-                </a:solidFill>
-                <a:latin typeface="+mn-lt"/>
-                <a:ea typeface="+mn-ea"/>
-                <a:cs typeface="+mn-cs"/>
-              </a:defRPr>
-            </a:lvl1pPr>
-            <a:lvl2pPr marL="628650" indent="-171450" algn="l" rtl="0" eaLnBrk="0" fontAlgn="base" hangingPunct="0">
-              <a:spcBef>
-                <a:spcPct val="0"/>
-              </a:spcBef>
-              <a:spcAft>
-                <a:spcPct val="0"/>
-              </a:spcAft>
-              <a:defRPr sz="3300" kern="1200">
-                <a:solidFill>
-                  <a:schemeClr val="dk1"/>
-                </a:solidFill>
-                <a:latin typeface="+mn-lt"/>
-                <a:ea typeface="+mn-ea"/>
-                <a:cs typeface="+mn-cs"/>
-              </a:defRPr>
-            </a:lvl2pPr>
-            <a:lvl3pPr marL="1258888" indent="-344488" algn="l" rtl="0" eaLnBrk="0" fontAlgn="base" hangingPunct="0">
-              <a:spcBef>
-                <a:spcPct val="0"/>
-              </a:spcBef>
-              <a:spcAft>
-                <a:spcPct val="0"/>
-              </a:spcAft>
-              <a:defRPr sz="3300" kern="1200">
-                <a:solidFill>
-                  <a:schemeClr val="dk1"/>
-                </a:solidFill>
-                <a:latin typeface="+mn-lt"/>
-                <a:ea typeface="+mn-ea"/>
-                <a:cs typeface="+mn-cs"/>
-              </a:defRPr>
-            </a:lvl3pPr>
-            <a:lvl4pPr marL="1889125" indent="-517525" algn="l" rtl="0" eaLnBrk="0" fontAlgn="base" hangingPunct="0">
-              <a:spcBef>
-                <a:spcPct val="0"/>
-              </a:spcBef>
-              <a:spcAft>
-                <a:spcPct val="0"/>
-              </a:spcAft>
-              <a:defRPr sz="3300" kern="1200">
-                <a:solidFill>
-                  <a:schemeClr val="dk1"/>
-                </a:solidFill>
-                <a:latin typeface="+mn-lt"/>
-                <a:ea typeface="+mn-ea"/>
-                <a:cs typeface="+mn-cs"/>
-              </a:defRPr>
-            </a:lvl4pPr>
-            <a:lvl5pPr marL="2519363" indent="-690563" algn="l" rtl="0" eaLnBrk="0" fontAlgn="base" hangingPunct="0">
-              <a:spcBef>
-                <a:spcPct val="0"/>
-              </a:spcBef>
-              <a:spcAft>
-                <a:spcPct val="0"/>
-              </a:spcAft>
-              <a:defRPr sz="3300" kern="1200">
-                <a:solidFill>
-                  <a:schemeClr val="dk1"/>
-                </a:solidFill>
-                <a:latin typeface="+mn-lt"/>
-                <a:ea typeface="+mn-ea"/>
-                <a:cs typeface="+mn-cs"/>
-              </a:defRPr>
-            </a:lvl5pPr>
-            <a:lvl6pPr marL="2286000" algn="l" defTabSz="914400" rtl="0" eaLnBrk="1" latinLnBrk="0" hangingPunct="1">
-              <a:defRPr sz="3300" kern="1200">
-                <a:solidFill>
-                  <a:schemeClr val="dk1"/>
-                </a:solidFill>
-                <a:latin typeface="+mn-lt"/>
-                <a:ea typeface="+mn-ea"/>
-                <a:cs typeface="+mn-cs"/>
-              </a:defRPr>
-            </a:lvl6pPr>
-            <a:lvl7pPr marL="2743200" algn="l" defTabSz="914400" rtl="0" eaLnBrk="1" latinLnBrk="0" hangingPunct="1">
-              <a:defRPr sz="3300" kern="1200">
-                <a:solidFill>
-                  <a:schemeClr val="dk1"/>
-                </a:solidFill>
-                <a:latin typeface="+mn-lt"/>
-                <a:ea typeface="+mn-ea"/>
-                <a:cs typeface="+mn-cs"/>
-              </a:defRPr>
-            </a:lvl7pPr>
-            <a:lvl8pPr marL="3200400" algn="l" defTabSz="914400" rtl="0" eaLnBrk="1" latinLnBrk="0" hangingPunct="1">
-              <a:defRPr sz="3300" kern="1200">
-                <a:solidFill>
-                  <a:schemeClr val="dk1"/>
-                </a:solidFill>
-                <a:latin typeface="+mn-lt"/>
-                <a:ea typeface="+mn-ea"/>
-                <a:cs typeface="+mn-cs"/>
-              </a:defRPr>
-            </a:lvl8pPr>
-            <a:lvl9pPr marL="3657600" algn="l" defTabSz="914400" rtl="0" eaLnBrk="1" latinLnBrk="0" hangingPunct="1">
-              <a:defRPr sz="3300" kern="1200">
-                <a:solidFill>
-                  <a:schemeClr val="dk1"/>
-                </a:solidFill>
-                <a:latin typeface="+mn-lt"/>
-                <a:ea typeface="+mn-ea"/>
-                <a:cs typeface="+mn-cs"/>
-              </a:defRPr>
-            </a:lvl9pPr>
-          </a:lstStyle>
-          <a:p>
-            <a:pPr algn="ctr" eaLnBrk="1" hangingPunct="1">
-              <a:spcBef>
-                <a:spcPts val="0"/>
-              </a:spcBef>
-              <a:spcAft>
-                <a:spcPts val="0"/>
-              </a:spcAft>
-              <a:defRPr/>
-            </a:pPr>
-            <a:r>
-              <a:rPr lang="en-US" sz="2800" b="1" dirty="0">
-                <a:latin typeface="Arial"/>
-                <a:ea typeface="MS Mincho"/>
-                <a:cs typeface="Times New Roman"/>
-              </a:rPr>
-              <a:t>Figure. </a:t>
-            </a:r>
-            <a:r>
-              <a:rPr lang="en-US" sz="2800" i="1" dirty="0">
-                <a:latin typeface="Arial"/>
-                <a:ea typeface="MS Mincho"/>
-                <a:cs typeface="Times New Roman"/>
-              </a:rPr>
-              <a:t>The star-shaped model. </a:t>
-            </a:r>
-            <a:endParaRPr lang="en-US" sz="2800" dirty="0">
-              <a:ea typeface="MS Mincho"/>
-              <a:cs typeface="Times New Roman"/>
-            </a:endParaRPr>
-          </a:p>
-        </p:txBody>
-      </p:sp>
-      <p:pic>
-        <p:nvPicPr>
-          <p:cNvPr id="42" name="Picture 2"/>
-          <p:cNvPicPr>
-            <a:picLocks noChangeAspect="1"/>
-          </p:cNvPicPr>
-          <p:nvPr/>
-        </p:nvPicPr>
-        <p:blipFill>
-          <a:blip r:embed="rId5">
-            <a:extLst>
-              <a:ext uri="{28A0092B-C50C-407E-A947-70E740481C1C}">
-                <a14:useLocalDpi xmlns:a14="http://schemas.microsoft.com/office/drawing/2010/main" val="0"/>
-              </a:ext>
-            </a:extLst>
-          </a:blip>
-          <a:srcRect/>
-          <a:stretch>
-            <a:fillRect/>
-          </a:stretch>
-        </p:blipFill>
-        <p:spPr bwMode="auto">
-          <a:xfrm>
-            <a:off x="36980813" y="7931150"/>
-            <a:ext cx="3082925" cy="3100388"/>
-          </a:xfrm>
-          <a:prstGeom prst="rect">
-            <a:avLst/>
-          </a:prstGeom>
-          <a:noFill/>
-          <a:ln>
-            <a:noFill/>
-          </a:ln>
-          <a:extLst>
-            <a:ext uri="{909E8E84-426E-40DD-AFC4-6F175D3DCCD1}">
-              <a14:hiddenFill xmlns:a14="http://schemas.microsoft.com/office/drawing/2010/main">
-                <a:solidFill>
-                  <a:srgbClr val="FFFFFF"/>
-                </a:solidFill>
-              </a14:hiddenFill>
-            </a:ext>
-            <a:ext uri="{91240B29-F687-4F45-9708-019B960494DF}">
-              <a14:hiddenLine xmlns:a14="http://schemas.microsoft.com/office/drawing/2010/main" w="9525">
-                <a:solidFill>
-                  <a:srgbClr val="000000"/>
-                </a:solidFill>
-                <a:miter lim="800000"/>
-                <a:headEnd/>
-                <a:tailEnd/>
-              </a14:hiddenLine>
-            </a:ext>
-          </a:extLst>
-        </p:spPr>
-      </p:pic>
-      <p:graphicFrame>
-        <p:nvGraphicFramePr>
-          <p:cNvPr id="43" name="Table 42"/>
-          <p:cNvGraphicFramePr>
-            <a:graphicFrameLocks noGrp="1"/>
-          </p:cNvGraphicFramePr>
-          <p:nvPr>
-            <p:extLst>
-              <p:ext uri="{D42A27DB-BD31-4B8C-83A1-F6EECF244321}">
-                <p14:modId xmlns:p14="http://schemas.microsoft.com/office/powerpoint/2010/main" val="3544246095"/>
-              </p:ext>
-            </p:extLst>
-          </p:nvPr>
-        </p:nvGraphicFramePr>
-        <p:xfrm>
-          <a:off x="34418588" y="11647488"/>
-          <a:ext cx="7761287" cy="6219828"/>
-        </p:xfrm>
-        <a:graphic>
-          <a:graphicData uri="http://schemas.openxmlformats.org/drawingml/2006/table">
-            <a:tbl>
-              <a:tblPr firstRow="1" bandRow="1">
-                <a:tableStyleId>{9D7B26C5-4107-4FEC-AEDC-1716B250A1EF}</a:tableStyleId>
-              </a:tblPr>
-              <a:tblGrid>
-                <a:gridCol w="891024">
-                  <a:extLst>
-                    <a:ext uri="{9D8B030D-6E8A-4147-A177-3AD203B41FA5}">
-                      <a16:colId xmlns:a16="http://schemas.microsoft.com/office/drawing/2014/main" val="1411476392"/>
-                    </a:ext>
-                  </a:extLst>
-                </a:gridCol>
-                <a:gridCol w="1242744">
-                  <a:extLst>
-                    <a:ext uri="{9D8B030D-6E8A-4147-A177-3AD203B41FA5}">
-                      <a16:colId xmlns:a16="http://schemas.microsoft.com/office/drawing/2014/main" val="1467167171"/>
-                    </a:ext>
-                  </a:extLst>
-                </a:gridCol>
-                <a:gridCol w="1617912">
-                  <a:extLst>
-                    <a:ext uri="{9D8B030D-6E8A-4147-A177-3AD203B41FA5}">
-                      <a16:colId xmlns:a16="http://schemas.microsoft.com/office/drawing/2014/main" val="1301654157"/>
-                    </a:ext>
-                  </a:extLst>
-                </a:gridCol>
-                <a:gridCol w="4009607">
-                  <a:extLst>
-                    <a:ext uri="{9D8B030D-6E8A-4147-A177-3AD203B41FA5}">
-                      <a16:colId xmlns:a16="http://schemas.microsoft.com/office/drawing/2014/main" val="2715834199"/>
-                    </a:ext>
-                  </a:extLst>
-                </a:gridCol>
-              </a:tblGrid>
-              <a:tr h="518319">
-                <a:tc>
-                  <a:txBody>
-                    <a:bodyPr/>
-                    <a:lstStyle/>
-                    <a:p>
-                      <a:pPr algn="r"/>
-                      <a:endParaRPr lang="en-US" sz="2800" dirty="0"/>
-                    </a:p>
-                  </a:txBody>
-                  <a:tcPr marL="91432" marR="91432" marT="45734" marB="45734">
-                    <a:lnL>
-                      <a:noFill/>
-                    </a:lnL>
-                    <a:lnR>
-                      <a:noFill/>
-                    </a:lnR>
-                    <a:lnT w="28575" cap="flat" cmpd="sng" algn="ctr">
-                      <a:solidFill>
-                        <a:schemeClr val="tx1"/>
-                      </a:solidFill>
-                      <a:prstDash val="solid"/>
-                      <a:round/>
-                      <a:headEnd type="none" w="med" len="med"/>
-                      <a:tailEnd type="none" w="med" len="med"/>
-                    </a:lnT>
-                    <a:lnB w="28575" cap="flat" cmpd="sng" algn="ctr">
-                      <a:solidFill>
-                        <a:schemeClr val="tx1"/>
-                      </a:solidFill>
-                      <a:prstDash val="solid"/>
-                      <a:round/>
-                      <a:headEnd type="none" w="med" len="med"/>
-                      <a:tailEnd type="none" w="med" len="med"/>
-                    </a:lnB>
-                    <a:lnTlToBr w="12700" cmpd="sng">
-                      <a:noFill/>
-                      <a:prstDash val="solid"/>
-                    </a:lnTlToBr>
-                    <a:lnBlToTr w="12700" cmpd="sng">
-                      <a:noFill/>
-                      <a:prstDash val="solid"/>
-                    </a:lnBlToTr>
-                  </a:tcPr>
-                </a:tc>
-                <a:tc>
-                  <a:txBody>
-                    <a:bodyPr/>
-                    <a:lstStyle/>
-                    <a:p>
-                      <a:pPr algn="ctr"/>
-                      <a:r>
-                        <a:rPr lang="en-US" sz="2800" dirty="0"/>
-                        <a:t>Value</a:t>
-                      </a:r>
-                    </a:p>
-                  </a:txBody>
-                  <a:tcPr marL="91432" marR="91432" marT="45734" marB="45734">
-                    <a:lnL>
-                      <a:noFill/>
-                    </a:lnL>
-                    <a:lnR>
-                      <a:noFill/>
-                    </a:lnR>
-                    <a:lnT w="28575" cap="flat" cmpd="sng" algn="ctr">
-                      <a:solidFill>
-                        <a:schemeClr val="tx1"/>
-                      </a:solidFill>
-                      <a:prstDash val="solid"/>
-                      <a:round/>
-                      <a:headEnd type="none" w="med" len="med"/>
-                      <a:tailEnd type="none" w="med" len="med"/>
-                    </a:lnT>
-                    <a:lnB w="28575" cap="flat" cmpd="sng" algn="ctr">
-                      <a:solidFill>
-                        <a:schemeClr val="tx1"/>
-                      </a:solidFill>
-                      <a:prstDash val="solid"/>
-                      <a:round/>
-                      <a:headEnd type="none" w="med" len="med"/>
-                      <a:tailEnd type="none" w="med" len="med"/>
-                    </a:lnB>
-                    <a:lnTlToBr w="12700" cmpd="sng">
-                      <a:noFill/>
-                      <a:prstDash val="solid"/>
-                    </a:lnTlToBr>
-                    <a:lnBlToTr w="12700" cmpd="sng">
-                      <a:noFill/>
-                      <a:prstDash val="solid"/>
-                    </a:lnBlToTr>
-                  </a:tcPr>
-                </a:tc>
-                <a:tc>
-                  <a:txBody>
-                    <a:bodyPr/>
-                    <a:lstStyle/>
-                    <a:p>
-                      <a:pPr marL="0" marR="0" lvl="0" indent="0" algn="ctr" defTabSz="1260318" rtl="0" eaLnBrk="1" fontAlgn="auto" latinLnBrk="0" hangingPunct="1">
-                        <a:lnSpc>
-                          <a:spcPct val="100000"/>
-                        </a:lnSpc>
-                        <a:spcBef>
-                          <a:spcPts val="0"/>
-                        </a:spcBef>
-                        <a:spcAft>
-                          <a:spcPts val="0"/>
-                        </a:spcAft>
-                        <a:buClrTx/>
-                        <a:buSzTx/>
-                        <a:buFontTx/>
-                        <a:buNone/>
-                        <a:tabLst/>
-                        <a:defRPr/>
-                      </a:pPr>
-                      <a:r>
-                        <a:rPr lang="el-GR" sz="2800" b="1" dirty="0"/>
-                        <a:t>Δ</a:t>
-                      </a:r>
-                      <a:r>
-                        <a:rPr lang="en-US" sz="2800" b="1" dirty="0"/>
-                        <a:t> </a:t>
-                      </a:r>
-                      <a:r>
-                        <a:rPr lang="en-US" sz="2800" b="1" i="1" dirty="0" err="1"/>
-                        <a:t>dt</a:t>
-                      </a:r>
-                      <a:r>
-                        <a:rPr lang="en-US" sz="2800" b="0" kern="1200" baseline="-25000" dirty="0" err="1">
-                          <a:solidFill>
-                            <a:schemeClr val="tx1"/>
-                          </a:solidFill>
-                          <a:effectLst/>
-                          <a:latin typeface="+mn-lt"/>
-                          <a:ea typeface="+mn-ea"/>
-                          <a:cs typeface="+mn-cs"/>
-                        </a:rPr>
-                        <a:t>max</a:t>
-                      </a:r>
-                      <a:r>
-                        <a:rPr lang="en-US" sz="2800" b="1" dirty="0"/>
-                        <a:t>%</a:t>
-                      </a:r>
-                    </a:p>
-                  </a:txBody>
-                  <a:tcPr marL="91432" marR="91432" marT="45734" marB="45734">
-                    <a:lnL>
-                      <a:noFill/>
-                    </a:lnL>
-                    <a:lnR>
-                      <a:noFill/>
-                    </a:lnR>
-                    <a:lnT w="28575" cap="flat" cmpd="sng" algn="ctr">
-                      <a:solidFill>
-                        <a:schemeClr val="tx1"/>
-                      </a:solidFill>
-                      <a:prstDash val="solid"/>
-                      <a:round/>
-                      <a:headEnd type="none" w="med" len="med"/>
-                      <a:tailEnd type="none" w="med" len="med"/>
-                    </a:lnT>
-                    <a:lnB w="28575" cap="flat" cmpd="sng" algn="ctr">
-                      <a:solidFill>
-                        <a:schemeClr val="tx1"/>
-                      </a:solidFill>
-                      <a:prstDash val="solid"/>
-                      <a:round/>
-                      <a:headEnd type="none" w="med" len="med"/>
-                      <a:tailEnd type="none" w="med" len="med"/>
-                    </a:lnB>
-                    <a:lnTlToBr w="12700" cmpd="sng">
-                      <a:noFill/>
-                      <a:prstDash val="solid"/>
-                    </a:lnTlToBr>
-                    <a:lnBlToTr w="12700" cmpd="sng">
-                      <a:noFill/>
-                      <a:prstDash val="solid"/>
-                    </a:lnBlToTr>
-                  </a:tcPr>
-                </a:tc>
-                <a:tc>
-                  <a:txBody>
-                    <a:bodyPr/>
-                    <a:lstStyle/>
-                    <a:p>
-                      <a:pPr marL="0" marR="0" lvl="0" indent="0" algn="l" defTabSz="1260318" rtl="0" eaLnBrk="1" fontAlgn="auto" latinLnBrk="0" hangingPunct="1">
-                        <a:lnSpc>
-                          <a:spcPct val="100000"/>
-                        </a:lnSpc>
-                        <a:spcBef>
-                          <a:spcPts val="0"/>
-                        </a:spcBef>
-                        <a:spcAft>
-                          <a:spcPts val="0"/>
-                        </a:spcAft>
-                        <a:buClrTx/>
-                        <a:buSzTx/>
-                        <a:buFontTx/>
-                        <a:buNone/>
-                        <a:tabLst/>
-                        <a:defRPr/>
-                      </a:pPr>
-                      <a:r>
-                        <a:rPr lang="en-US" sz="2800" b="1" dirty="0"/>
-                        <a:t>Description</a:t>
-                      </a:r>
-                    </a:p>
-                  </a:txBody>
-                  <a:tcPr marL="91432" marR="91432" marT="45734" marB="45734">
-                    <a:lnL>
-                      <a:noFill/>
-                    </a:lnL>
-                    <a:lnR>
-                      <a:noFill/>
-                    </a:lnR>
-                    <a:lnT w="28575" cap="flat" cmpd="sng" algn="ctr">
-                      <a:solidFill>
-                        <a:schemeClr val="tx1"/>
-                      </a:solidFill>
-                      <a:prstDash val="solid"/>
-                      <a:round/>
-                      <a:headEnd type="none" w="med" len="med"/>
-                      <a:tailEnd type="none" w="med" len="med"/>
-                    </a:lnT>
-                    <a:lnB w="28575" cap="flat" cmpd="sng" algn="ctr">
-                      <a:solidFill>
-                        <a:schemeClr val="tx1"/>
-                      </a:solidFill>
-                      <a:prstDash val="solid"/>
-                      <a:round/>
-                      <a:headEnd type="none" w="med" len="med"/>
-                      <a:tailEnd type="none" w="med" len="med"/>
-                    </a:lnB>
-                    <a:lnTlToBr w="12700" cmpd="sng">
-                      <a:noFill/>
-                      <a:prstDash val="solid"/>
-                    </a:lnTlToBr>
-                    <a:lnBlToTr w="12700" cmpd="sng">
-                      <a:noFill/>
-                      <a:prstDash val="solid"/>
-                    </a:lnBlToTr>
-                  </a:tcPr>
-                </a:tc>
-                <a:extLst>
-                  <a:ext uri="{0D108BD9-81ED-4DB2-BD59-A6C34878D82A}">
-                    <a16:rowId xmlns:a16="http://schemas.microsoft.com/office/drawing/2014/main" val="3482811074"/>
-                  </a:ext>
-                </a:extLst>
-              </a:tr>
-              <a:tr h="518319">
-                <a:tc>
-                  <a:txBody>
-                    <a:bodyPr/>
-                    <a:lstStyle/>
-                    <a:p>
-                      <a:pPr marL="0" marR="0" lvl="0" indent="0" algn="r" defTabSz="1260318" rtl="0" eaLnBrk="1" fontAlgn="auto" latinLnBrk="0" hangingPunct="1">
-                        <a:lnSpc>
-                          <a:spcPct val="100000"/>
-                        </a:lnSpc>
-                        <a:spcBef>
-                          <a:spcPts val="0"/>
-                        </a:spcBef>
-                        <a:spcAft>
-                          <a:spcPts val="0"/>
-                        </a:spcAft>
-                        <a:buClrTx/>
-                        <a:buSzTx/>
-                        <a:buFontTx/>
-                        <a:buNone/>
-                        <a:tabLst/>
-                        <a:defRPr/>
-                      </a:pPr>
-                      <a:r>
-                        <a:rPr lang="en-US" sz="2800" b="0" i="1" kern="1200" baseline="0" dirty="0" err="1">
-                          <a:solidFill>
-                            <a:schemeClr val="tx1"/>
-                          </a:solidFill>
-                          <a:effectLst/>
-                          <a:latin typeface="+mn-lt"/>
-                          <a:ea typeface="+mn-ea"/>
-                          <a:cs typeface="+mn-cs"/>
-                        </a:rPr>
-                        <a:t>l</a:t>
-                      </a:r>
-                      <a:r>
-                        <a:rPr lang="en-US" sz="2800" b="0" kern="1200" baseline="-25000" dirty="0" err="1">
-                          <a:solidFill>
-                            <a:schemeClr val="tx1"/>
-                          </a:solidFill>
-                          <a:effectLst/>
-                          <a:latin typeface="+mn-lt"/>
-                          <a:ea typeface="+mn-ea"/>
-                          <a:cs typeface="+mn-cs"/>
-                        </a:rPr>
-                        <a:t>ref</a:t>
-                      </a:r>
-                      <a:endParaRPr lang="en-US" sz="2800" b="0" kern="1200" dirty="0">
-                        <a:solidFill>
-                          <a:schemeClr val="tx1"/>
-                        </a:solidFill>
-                        <a:effectLst/>
-                        <a:latin typeface="+mn-lt"/>
-                        <a:ea typeface="+mn-ea"/>
-                        <a:cs typeface="+mn-cs"/>
-                      </a:endParaRPr>
-                    </a:p>
-                  </a:txBody>
-                  <a:tcPr marL="91432" marR="91432" marT="45734" marB="45734">
-                    <a:lnL>
-                      <a:noFill/>
-                    </a:lnL>
-                    <a:lnR>
-                      <a:noFill/>
-                    </a:lnR>
-                    <a:lnT w="28575" cap="flat" cmpd="sng" algn="ctr">
-                      <a:solidFill>
-                        <a:schemeClr val="tx1"/>
-                      </a:solidFill>
-                      <a:prstDash val="solid"/>
-                      <a:round/>
-                      <a:headEnd type="none" w="med" len="med"/>
-                      <a:tailEnd type="none" w="med" len="med"/>
-                    </a:lnT>
-                    <a:lnB w="12700" cap="flat" cmpd="sng" algn="ctr">
-                      <a:solidFill>
-                        <a:schemeClr val="tx1"/>
-                      </a:solidFill>
-                      <a:prstDash val="solid"/>
-                      <a:round/>
-                      <a:headEnd type="none" w="med" len="med"/>
-                      <a:tailEnd type="none" w="med" len="med"/>
-                    </a:lnB>
-                    <a:lnTlToBr w="12700" cmpd="sng">
-                      <a:noFill/>
-                      <a:prstDash val="solid"/>
-                    </a:lnTlToBr>
-                    <a:lnBlToTr w="12700" cmpd="sng">
-                      <a:noFill/>
-                      <a:prstDash val="solid"/>
-                    </a:lnBlToTr>
-                    <a:noFill/>
-                  </a:tcPr>
-                </a:tc>
-                <a:tc>
-                  <a:txBody>
-                    <a:bodyPr/>
-                    <a:lstStyle/>
-                    <a:p>
-                      <a:pPr marL="0" marR="0" lvl="0" indent="0" algn="ctr" defTabSz="1260318" rtl="0" eaLnBrk="1" fontAlgn="auto" latinLnBrk="0" hangingPunct="1">
-                        <a:lnSpc>
-                          <a:spcPct val="100000"/>
-                        </a:lnSpc>
-                        <a:spcBef>
-                          <a:spcPts val="0"/>
-                        </a:spcBef>
-                        <a:spcAft>
-                          <a:spcPts val="0"/>
-                        </a:spcAft>
-                        <a:buClrTx/>
-                        <a:buSzTx/>
-                        <a:buFontTx/>
-                        <a:buNone/>
-                        <a:tabLst/>
-                        <a:defRPr/>
-                      </a:pPr>
-                      <a:r>
-                        <a:rPr lang="en-US" sz="2800" b="0" kern="1200" dirty="0">
-                          <a:solidFill>
-                            <a:schemeClr val="tx1"/>
-                          </a:solidFill>
-                          <a:effectLst/>
-                          <a:latin typeface="+mn-lt"/>
-                          <a:ea typeface="+mn-ea"/>
-                          <a:cs typeface="+mn-cs"/>
-                        </a:rPr>
-                        <a:t>1.96</a:t>
-                      </a:r>
-                    </a:p>
-                  </a:txBody>
-                  <a:tcPr marL="91432" marR="91432" marT="45734" marB="45734">
-                    <a:lnL>
-                      <a:noFill/>
-                    </a:lnL>
-                    <a:lnR>
-                      <a:noFill/>
-                    </a:lnR>
-                    <a:lnT w="28575" cap="flat" cmpd="sng" algn="ctr">
-                      <a:solidFill>
-                        <a:schemeClr val="tx1"/>
-                      </a:solidFill>
-                      <a:prstDash val="solid"/>
-                      <a:round/>
-                      <a:headEnd type="none" w="med" len="med"/>
-                      <a:tailEnd type="none" w="med" len="med"/>
-                    </a:lnT>
-                    <a:lnB w="12700" cap="flat" cmpd="sng" algn="ctr">
-                      <a:solidFill>
-                        <a:schemeClr val="tx1"/>
-                      </a:solidFill>
-                      <a:prstDash val="solid"/>
-                      <a:round/>
-                      <a:headEnd type="none" w="med" len="med"/>
-                      <a:tailEnd type="none" w="med" len="med"/>
-                    </a:lnB>
-                    <a:lnTlToBr w="12700" cmpd="sng">
-                      <a:noFill/>
-                      <a:prstDash val="solid"/>
-                    </a:lnTlToBr>
-                    <a:lnBlToTr w="12700" cmpd="sng">
-                      <a:noFill/>
-                      <a:prstDash val="solid"/>
-                    </a:lnBlToTr>
-                    <a:noFill/>
-                  </a:tcPr>
-                </a:tc>
-                <a:tc>
-                  <a:txBody>
-                    <a:bodyPr/>
-                    <a:lstStyle/>
-                    <a:p>
-                      <a:pPr marL="0" marR="0" lvl="0" indent="0" algn="ctr" defTabSz="1260318" rtl="0" eaLnBrk="1" fontAlgn="auto" latinLnBrk="0" hangingPunct="1">
-                        <a:lnSpc>
-                          <a:spcPct val="100000"/>
-                        </a:lnSpc>
-                        <a:spcBef>
-                          <a:spcPts val="0"/>
-                        </a:spcBef>
-                        <a:spcAft>
-                          <a:spcPts val="0"/>
-                        </a:spcAft>
-                        <a:buClrTx/>
-                        <a:buSzTx/>
-                        <a:buFontTx/>
-                        <a:buNone/>
-                        <a:tabLst/>
-                        <a:defRPr/>
-                      </a:pPr>
-                      <a:r>
-                        <a:rPr lang="en-US" sz="2800" dirty="0"/>
-                        <a:t>0.003</a:t>
-                      </a:r>
-                    </a:p>
-                  </a:txBody>
-                  <a:tcPr marL="91432" marR="91432" marT="45734" marB="45734">
-                    <a:lnL>
-                      <a:noFill/>
-                    </a:lnL>
-                    <a:lnR>
-                      <a:noFill/>
-                    </a:lnR>
-                    <a:lnT w="28575" cap="flat" cmpd="sng" algn="ctr">
-                      <a:solidFill>
-                        <a:schemeClr val="tx1"/>
-                      </a:solidFill>
-                      <a:prstDash val="solid"/>
-                      <a:round/>
-                      <a:headEnd type="none" w="med" len="med"/>
-                      <a:tailEnd type="none" w="med" len="med"/>
-                    </a:lnT>
-                    <a:lnB w="12700" cap="flat" cmpd="sng" algn="ctr">
-                      <a:solidFill>
-                        <a:schemeClr val="tx1"/>
-                      </a:solidFill>
-                      <a:prstDash val="solid"/>
-                      <a:round/>
-                      <a:headEnd type="none" w="med" len="med"/>
-                      <a:tailEnd type="none" w="med" len="med"/>
-                    </a:lnB>
-                    <a:lnTlToBr w="12700" cmpd="sng">
-                      <a:noFill/>
-                      <a:prstDash val="solid"/>
-                    </a:lnTlToBr>
-                    <a:lnBlToTr w="12700" cmpd="sng">
-                      <a:noFill/>
-                      <a:prstDash val="solid"/>
-                    </a:lnBlToTr>
-                    <a:noFill/>
-                  </a:tcPr>
-                </a:tc>
-                <a:tc>
-                  <a:txBody>
-                    <a:bodyPr/>
-                    <a:lstStyle/>
-                    <a:p>
-                      <a:pPr marL="0" marR="0" lvl="0" indent="0" algn="l" defTabSz="1260318" rtl="0" eaLnBrk="1" fontAlgn="auto" latinLnBrk="0" hangingPunct="1">
-                        <a:lnSpc>
-                          <a:spcPct val="100000"/>
-                        </a:lnSpc>
-                        <a:spcBef>
-                          <a:spcPts val="0"/>
-                        </a:spcBef>
-                        <a:spcAft>
-                          <a:spcPts val="0"/>
-                        </a:spcAft>
-                        <a:buClrTx/>
-                        <a:buSzTx/>
-                        <a:buFontTx/>
-                        <a:buNone/>
-                        <a:tabLst/>
-                        <a:defRPr/>
-                      </a:pPr>
-                      <a:r>
-                        <a:rPr lang="en-US" sz="2800" dirty="0"/>
-                        <a:t>Reference length</a:t>
-                      </a:r>
-                    </a:p>
-                  </a:txBody>
-                  <a:tcPr marL="91432" marR="91432" marT="45734" marB="45734">
-                    <a:lnL>
-                      <a:noFill/>
-                    </a:lnL>
-                    <a:lnR>
-                      <a:noFill/>
-                    </a:lnR>
-                    <a:lnT w="28575" cap="flat" cmpd="sng" algn="ctr">
-                      <a:solidFill>
-                        <a:schemeClr val="tx1"/>
-                      </a:solidFill>
-                      <a:prstDash val="solid"/>
-                      <a:round/>
-                      <a:headEnd type="none" w="med" len="med"/>
-                      <a:tailEnd type="none" w="med" len="med"/>
-                    </a:lnT>
-                    <a:lnB w="12700" cap="flat" cmpd="sng" algn="ctr">
-                      <a:solidFill>
-                        <a:schemeClr val="tx1"/>
-                      </a:solidFill>
-                      <a:prstDash val="solid"/>
-                      <a:round/>
-                      <a:headEnd type="none" w="med" len="med"/>
-                      <a:tailEnd type="none" w="med" len="med"/>
-                    </a:lnB>
-                    <a:lnTlToBr w="12700" cmpd="sng">
-                      <a:noFill/>
-                      <a:prstDash val="solid"/>
-                    </a:lnTlToBr>
-                    <a:lnBlToTr w="12700" cmpd="sng">
-                      <a:noFill/>
-                      <a:prstDash val="solid"/>
-                    </a:lnBlToTr>
-                    <a:noFill/>
-                  </a:tcPr>
-                </a:tc>
-                <a:extLst>
-                  <a:ext uri="{0D108BD9-81ED-4DB2-BD59-A6C34878D82A}">
-                    <a16:rowId xmlns:a16="http://schemas.microsoft.com/office/drawing/2014/main" val="2772681354"/>
-                  </a:ext>
-                </a:extLst>
-              </a:tr>
-              <a:tr h="518319">
-                <a:tc>
-                  <a:txBody>
-                    <a:bodyPr/>
-                    <a:lstStyle/>
-                    <a:p>
-                      <a:pPr marL="0" marR="0" lvl="0" indent="0" algn="r" defTabSz="1260318" rtl="0" eaLnBrk="1" fontAlgn="auto" latinLnBrk="0" hangingPunct="1">
-                        <a:lnSpc>
-                          <a:spcPct val="100000"/>
-                        </a:lnSpc>
-                        <a:spcBef>
-                          <a:spcPts val="0"/>
-                        </a:spcBef>
-                        <a:spcAft>
-                          <a:spcPts val="0"/>
-                        </a:spcAft>
-                        <a:buClrTx/>
-                        <a:buSzTx/>
-                        <a:buFontTx/>
-                        <a:buNone/>
-                        <a:tabLst/>
-                        <a:defRPr/>
-                      </a:pPr>
-                      <a:r>
-                        <a:rPr lang="en-US" sz="2800" b="0" i="1" kern="1200" dirty="0" err="1">
-                          <a:solidFill>
-                            <a:schemeClr val="tx1"/>
-                          </a:solidFill>
-                          <a:effectLst/>
-                          <a:latin typeface="+mn-lt"/>
-                          <a:ea typeface="+mn-ea"/>
-                          <a:cs typeface="+mn-cs"/>
-                        </a:rPr>
-                        <a:t>R</a:t>
-                      </a:r>
-                      <a:r>
-                        <a:rPr lang="en-US" sz="2800" b="0" i="0" kern="1200" baseline="-25000" dirty="0" err="1">
-                          <a:solidFill>
-                            <a:schemeClr val="tx1"/>
-                          </a:solidFill>
-                          <a:effectLst/>
-                          <a:latin typeface="+mn-lt"/>
-                          <a:ea typeface="+mn-ea"/>
-                          <a:cs typeface="+mn-cs"/>
-                        </a:rPr>
-                        <a:t>l</a:t>
-                      </a:r>
-                      <a:r>
-                        <a:rPr lang="en-US" sz="2800" b="0" kern="1200" baseline="-25000" dirty="0" err="1">
-                          <a:solidFill>
-                            <a:schemeClr val="tx1"/>
-                          </a:solidFill>
-                          <a:effectLst/>
-                          <a:latin typeface="+mn-lt"/>
-                          <a:ea typeface="+mn-ea"/>
-                          <a:cs typeface="+mn-cs"/>
-                        </a:rPr>
-                        <a:t>,ref</a:t>
-                      </a:r>
-                      <a:endParaRPr lang="en-US" sz="2800" b="0" kern="1200" dirty="0">
-                        <a:solidFill>
-                          <a:schemeClr val="tx1"/>
-                        </a:solidFill>
-                        <a:effectLst/>
-                        <a:latin typeface="+mn-lt"/>
-                        <a:ea typeface="+mn-ea"/>
-                        <a:cs typeface="+mn-cs"/>
-                      </a:endParaRPr>
-                    </a:p>
-                  </a:txBody>
-                  <a:tcPr marL="91432" marR="91432" marT="45734" marB="45734">
-                    <a:lnL>
-                      <a:noFill/>
-                    </a:lnL>
-                    <a:lnR>
-                      <a:noFill/>
-                    </a:lnR>
-                    <a:lnT w="12700" cap="flat" cmpd="sng" algn="ctr">
-                      <a:solidFill>
-                        <a:schemeClr val="tx1"/>
-                      </a:solidFill>
-                      <a:prstDash val="solid"/>
-                      <a:round/>
-                      <a:headEnd type="none" w="med" len="med"/>
-                      <a:tailEnd type="none" w="med" len="med"/>
-                    </a:lnT>
-                    <a:lnB w="12700" cap="flat" cmpd="sng" algn="ctr">
-                      <a:solidFill>
-                        <a:schemeClr val="tx1"/>
-                      </a:solidFill>
-                      <a:prstDash val="solid"/>
-                      <a:round/>
-                      <a:headEnd type="none" w="med" len="med"/>
-                      <a:tailEnd type="none" w="med" len="med"/>
-                    </a:lnB>
-                    <a:lnTlToBr w="12700" cmpd="sng">
-                      <a:noFill/>
-                      <a:prstDash val="solid"/>
-                    </a:lnTlToBr>
-                    <a:lnBlToTr w="12700" cmpd="sng">
-                      <a:noFill/>
-                      <a:prstDash val="solid"/>
-                    </a:lnBlToTr>
-                  </a:tcPr>
-                </a:tc>
-                <a:tc>
-                  <a:txBody>
-                    <a:bodyPr/>
-                    <a:lstStyle/>
-                    <a:p>
-                      <a:pPr marL="0" marR="0" lvl="0" indent="0" algn="ctr" defTabSz="1260318" rtl="0" eaLnBrk="1" fontAlgn="auto" latinLnBrk="0" hangingPunct="1">
-                        <a:lnSpc>
-                          <a:spcPct val="100000"/>
-                        </a:lnSpc>
-                        <a:spcBef>
-                          <a:spcPts val="0"/>
-                        </a:spcBef>
-                        <a:spcAft>
-                          <a:spcPts val="0"/>
-                        </a:spcAft>
-                        <a:buClrTx/>
-                        <a:buSzTx/>
-                        <a:buFontTx/>
-                        <a:buNone/>
-                        <a:tabLst/>
-                        <a:defRPr/>
-                      </a:pPr>
-                      <a:r>
-                        <a:rPr lang="en-US" sz="2800" b="0" kern="1200" dirty="0">
-                          <a:solidFill>
-                            <a:schemeClr val="tx1"/>
-                          </a:solidFill>
-                          <a:effectLst/>
-                          <a:latin typeface="+mn-lt"/>
-                          <a:ea typeface="+mn-ea"/>
-                          <a:cs typeface="+mn-cs"/>
-                        </a:rPr>
-                        <a:t>6.2</a:t>
-                      </a:r>
-                    </a:p>
-                  </a:txBody>
-                  <a:tcPr marL="91432" marR="91432" marT="45734" marB="45734">
-                    <a:lnL>
-                      <a:noFill/>
-                    </a:lnL>
-                    <a:lnR>
-                      <a:noFill/>
-                    </a:lnR>
-                    <a:lnT w="12700" cap="flat" cmpd="sng" algn="ctr">
-                      <a:solidFill>
-                        <a:schemeClr val="tx1"/>
-                      </a:solidFill>
-                      <a:prstDash val="solid"/>
-                      <a:round/>
-                      <a:headEnd type="none" w="med" len="med"/>
-                      <a:tailEnd type="none" w="med" len="med"/>
-                    </a:lnT>
-                    <a:lnB w="12700" cap="flat" cmpd="sng" algn="ctr">
-                      <a:solidFill>
-                        <a:schemeClr val="tx1"/>
-                      </a:solidFill>
-                      <a:prstDash val="solid"/>
-                      <a:round/>
-                      <a:headEnd type="none" w="med" len="med"/>
-                      <a:tailEnd type="none" w="med" len="med"/>
-                    </a:lnB>
-                    <a:lnTlToBr w="12700" cmpd="sng">
-                      <a:noFill/>
-                      <a:prstDash val="solid"/>
-                    </a:lnTlToBr>
-                    <a:lnBlToTr w="12700" cmpd="sng">
-                      <a:noFill/>
-                      <a:prstDash val="solid"/>
-                    </a:lnBlToTr>
-                  </a:tcPr>
-                </a:tc>
-                <a:tc>
-                  <a:txBody>
-                    <a:bodyPr/>
-                    <a:lstStyle/>
-                    <a:p>
-                      <a:pPr marL="0" marR="0" lvl="0" indent="0" algn="ctr" defTabSz="1260318" rtl="0" eaLnBrk="1" fontAlgn="auto" latinLnBrk="0" hangingPunct="1">
-                        <a:lnSpc>
-                          <a:spcPct val="100000"/>
-                        </a:lnSpc>
-                        <a:spcBef>
-                          <a:spcPts val="0"/>
-                        </a:spcBef>
-                        <a:spcAft>
-                          <a:spcPts val="0"/>
-                        </a:spcAft>
-                        <a:buClrTx/>
-                        <a:buSzTx/>
-                        <a:buFontTx/>
-                        <a:buNone/>
-                        <a:tabLst/>
-                        <a:defRPr/>
-                      </a:pPr>
-                      <a:r>
-                        <a:rPr lang="en-US" sz="2800" dirty="0"/>
-                        <a:t>0.007</a:t>
-                      </a:r>
-                    </a:p>
-                  </a:txBody>
-                  <a:tcPr marL="91432" marR="91432" marT="45734" marB="45734">
-                    <a:lnL>
-                      <a:noFill/>
-                    </a:lnL>
-                    <a:lnR>
-                      <a:noFill/>
-                    </a:lnR>
-                    <a:lnT w="12700" cap="flat" cmpd="sng" algn="ctr">
-                      <a:solidFill>
-                        <a:schemeClr val="tx1"/>
-                      </a:solidFill>
-                      <a:prstDash val="solid"/>
-                      <a:round/>
-                      <a:headEnd type="none" w="med" len="med"/>
-                      <a:tailEnd type="none" w="med" len="med"/>
-                    </a:lnT>
-                    <a:lnB w="12700" cap="flat" cmpd="sng" algn="ctr">
-                      <a:solidFill>
-                        <a:schemeClr val="tx1"/>
-                      </a:solidFill>
-                      <a:prstDash val="solid"/>
-                      <a:round/>
-                      <a:headEnd type="none" w="med" len="med"/>
-                      <a:tailEnd type="none" w="med" len="med"/>
-                    </a:lnB>
-                    <a:lnTlToBr w="12700" cmpd="sng">
-                      <a:noFill/>
-                      <a:prstDash val="solid"/>
-                    </a:lnTlToBr>
-                    <a:lnBlToTr w="12700" cmpd="sng">
-                      <a:noFill/>
-                      <a:prstDash val="solid"/>
-                    </a:lnBlToTr>
-                  </a:tcPr>
-                </a:tc>
-                <a:tc>
-                  <a:txBody>
-                    <a:bodyPr/>
-                    <a:lstStyle/>
-                    <a:p>
-                      <a:pPr marL="0" marR="0" lvl="0" indent="0" algn="l" defTabSz="1260318" rtl="0" eaLnBrk="1" fontAlgn="auto" latinLnBrk="0" hangingPunct="1">
-                        <a:lnSpc>
-                          <a:spcPct val="100000"/>
-                        </a:lnSpc>
-                        <a:spcBef>
-                          <a:spcPts val="0"/>
-                        </a:spcBef>
-                        <a:spcAft>
-                          <a:spcPts val="0"/>
-                        </a:spcAft>
-                        <a:buClrTx/>
-                        <a:buSzTx/>
-                        <a:buFontTx/>
-                        <a:buNone/>
-                        <a:tabLst/>
-                        <a:defRPr/>
-                      </a:pPr>
-                      <a:r>
-                        <a:rPr lang="en-US" sz="2800" dirty="0"/>
-                        <a:t>Reference</a:t>
-                      </a:r>
-                      <a:r>
-                        <a:rPr lang="en-US" sz="2800" baseline="0" dirty="0"/>
-                        <a:t> radius </a:t>
-                      </a:r>
-                      <a:r>
-                        <a:rPr lang="en-US" sz="2800" i="1" baseline="0" dirty="0"/>
-                        <a:t>l</a:t>
-                      </a:r>
-                      <a:endParaRPr lang="en-US" sz="2800" dirty="0"/>
-                    </a:p>
-                  </a:txBody>
-                  <a:tcPr marL="91432" marR="91432" marT="45734" marB="45734">
-                    <a:lnL>
-                      <a:noFill/>
-                    </a:lnL>
-                    <a:lnR>
-                      <a:noFill/>
-                    </a:lnR>
-                    <a:lnT w="12700" cap="flat" cmpd="sng" algn="ctr">
-                      <a:solidFill>
-                        <a:schemeClr val="tx1"/>
-                      </a:solidFill>
-                      <a:prstDash val="solid"/>
-                      <a:round/>
-                      <a:headEnd type="none" w="med" len="med"/>
-                      <a:tailEnd type="none" w="med" len="med"/>
-                    </a:lnT>
-                    <a:lnB w="12700" cap="flat" cmpd="sng" algn="ctr">
-                      <a:solidFill>
-                        <a:schemeClr val="tx1"/>
-                      </a:solidFill>
-                      <a:prstDash val="solid"/>
-                      <a:round/>
-                      <a:headEnd type="none" w="med" len="med"/>
-                      <a:tailEnd type="none" w="med" len="med"/>
-                    </a:lnB>
-                    <a:lnTlToBr w="12700" cmpd="sng">
-                      <a:noFill/>
-                      <a:prstDash val="solid"/>
-                    </a:lnTlToBr>
-                    <a:lnBlToTr w="12700" cmpd="sng">
-                      <a:noFill/>
-                      <a:prstDash val="solid"/>
-                    </a:lnBlToTr>
-                  </a:tcPr>
-                </a:tc>
-                <a:extLst>
-                  <a:ext uri="{0D108BD9-81ED-4DB2-BD59-A6C34878D82A}">
-                    <a16:rowId xmlns:a16="http://schemas.microsoft.com/office/drawing/2014/main" val="478555756"/>
-                  </a:ext>
-                </a:extLst>
-              </a:tr>
-              <a:tr h="518319">
-                <a:tc>
-                  <a:txBody>
-                    <a:bodyPr/>
-                    <a:lstStyle/>
-                    <a:p>
-                      <a:pPr marL="0" marR="0" lvl="0" indent="0" algn="r" defTabSz="1260318" rtl="0" eaLnBrk="1" fontAlgn="auto" latinLnBrk="0" hangingPunct="1">
-                        <a:lnSpc>
-                          <a:spcPct val="100000"/>
-                        </a:lnSpc>
-                        <a:spcBef>
-                          <a:spcPts val="0"/>
-                        </a:spcBef>
-                        <a:spcAft>
-                          <a:spcPts val="0"/>
-                        </a:spcAft>
-                        <a:buClrTx/>
-                        <a:buSzTx/>
-                        <a:buFontTx/>
-                        <a:buNone/>
-                        <a:tabLst/>
-                        <a:defRPr/>
-                      </a:pPr>
-                      <a:r>
-                        <a:rPr lang="en-US" sz="2800" b="0" i="1" kern="1200" dirty="0" err="1">
-                          <a:solidFill>
-                            <a:schemeClr val="tx1"/>
-                          </a:solidFill>
-                          <a:effectLst/>
-                          <a:latin typeface="+mn-lt"/>
-                          <a:ea typeface="+mn-ea"/>
-                          <a:cs typeface="+mn-cs"/>
-                        </a:rPr>
-                        <a:t>R</a:t>
-                      </a:r>
-                      <a:r>
-                        <a:rPr lang="en-US" sz="2800" b="0" kern="1200" baseline="-25000" dirty="0" err="1">
-                          <a:solidFill>
-                            <a:schemeClr val="tx1"/>
-                          </a:solidFill>
-                          <a:effectLst/>
-                          <a:latin typeface="+mn-lt"/>
-                          <a:ea typeface="+mn-ea"/>
-                          <a:cs typeface="+mn-cs"/>
-                        </a:rPr>
-                        <a:t>r,ref</a:t>
-                      </a:r>
-                      <a:endParaRPr lang="en-US" sz="2800" b="0" kern="1200" dirty="0">
-                        <a:solidFill>
-                          <a:schemeClr val="tx1"/>
-                        </a:solidFill>
-                        <a:effectLst/>
-                        <a:latin typeface="+mn-lt"/>
-                        <a:ea typeface="+mn-ea"/>
-                        <a:cs typeface="+mn-cs"/>
-                      </a:endParaRPr>
-                    </a:p>
-                  </a:txBody>
-                  <a:tcPr marL="91432" marR="91432" marT="45734" marB="45734">
-                    <a:lnL>
-                      <a:noFill/>
-                    </a:lnL>
-                    <a:lnR>
-                      <a:noFill/>
-                    </a:lnR>
-                    <a:lnT w="12700" cap="flat" cmpd="sng" algn="ctr">
-                      <a:solidFill>
-                        <a:schemeClr val="tx1"/>
-                      </a:solidFill>
-                      <a:prstDash val="solid"/>
-                      <a:round/>
-                      <a:headEnd type="none" w="med" len="med"/>
-                      <a:tailEnd type="none" w="med" len="med"/>
-                    </a:lnT>
-                    <a:lnB w="12700" cap="flat" cmpd="sng" algn="ctr">
-                      <a:solidFill>
-                        <a:schemeClr val="tx1"/>
-                      </a:solidFill>
-                      <a:prstDash val="solid"/>
-                      <a:round/>
-                      <a:headEnd type="none" w="med" len="med"/>
-                      <a:tailEnd type="none" w="med" len="med"/>
-                    </a:lnB>
-                    <a:lnTlToBr w="12700" cmpd="sng">
-                      <a:noFill/>
-                      <a:prstDash val="solid"/>
-                    </a:lnTlToBr>
-                    <a:lnBlToTr w="12700" cmpd="sng">
-                      <a:noFill/>
-                      <a:prstDash val="solid"/>
-                    </a:lnBlToTr>
-                    <a:noFill/>
-                  </a:tcPr>
-                </a:tc>
-                <a:tc>
-                  <a:txBody>
-                    <a:bodyPr/>
-                    <a:lstStyle/>
-                    <a:p>
-                      <a:pPr marL="0" marR="0" lvl="0" indent="0" algn="ctr" defTabSz="1260318" rtl="0" eaLnBrk="1" fontAlgn="auto" latinLnBrk="0" hangingPunct="1">
-                        <a:lnSpc>
-                          <a:spcPct val="100000"/>
-                        </a:lnSpc>
-                        <a:spcBef>
-                          <a:spcPts val="0"/>
-                        </a:spcBef>
-                        <a:spcAft>
-                          <a:spcPts val="0"/>
-                        </a:spcAft>
-                        <a:buClrTx/>
-                        <a:buSzTx/>
-                        <a:buFontTx/>
-                        <a:buNone/>
-                        <a:tabLst/>
-                        <a:defRPr/>
-                      </a:pPr>
-                      <a:r>
-                        <a:rPr lang="en-US" sz="2800" b="0" kern="1200" dirty="0">
-                          <a:solidFill>
-                            <a:schemeClr val="tx1"/>
-                          </a:solidFill>
-                          <a:effectLst/>
-                          <a:latin typeface="+mn-lt"/>
-                          <a:ea typeface="+mn-ea"/>
-                          <a:cs typeface="+mn-cs"/>
-                        </a:rPr>
-                        <a:t>6.2</a:t>
-                      </a:r>
-                    </a:p>
-                  </a:txBody>
-                  <a:tcPr marL="91432" marR="91432" marT="45734" marB="45734">
-                    <a:lnL>
-                      <a:noFill/>
-                    </a:lnL>
-                    <a:lnR>
-                      <a:noFill/>
-                    </a:lnR>
-                    <a:lnT w="12700" cap="flat" cmpd="sng" algn="ctr">
-                      <a:solidFill>
-                        <a:schemeClr val="tx1"/>
-                      </a:solidFill>
-                      <a:prstDash val="solid"/>
-                      <a:round/>
-                      <a:headEnd type="none" w="med" len="med"/>
-                      <a:tailEnd type="none" w="med" len="med"/>
-                    </a:lnT>
-                    <a:lnB w="12700" cap="flat" cmpd="sng" algn="ctr">
-                      <a:solidFill>
-                        <a:schemeClr val="tx1"/>
-                      </a:solidFill>
-                      <a:prstDash val="solid"/>
-                      <a:round/>
-                      <a:headEnd type="none" w="med" len="med"/>
-                      <a:tailEnd type="none" w="med" len="med"/>
-                    </a:lnB>
-                    <a:lnTlToBr w="12700" cmpd="sng">
-                      <a:noFill/>
-                      <a:prstDash val="solid"/>
-                    </a:lnTlToBr>
-                    <a:lnBlToTr w="12700" cmpd="sng">
-                      <a:noFill/>
-                      <a:prstDash val="solid"/>
-                    </a:lnBlToTr>
-                    <a:noFill/>
-                  </a:tcPr>
-                </a:tc>
-                <a:tc>
-                  <a:txBody>
-                    <a:bodyPr/>
-                    <a:lstStyle/>
-                    <a:p>
-                      <a:pPr marL="0" marR="0" lvl="0" indent="0" algn="ctr" defTabSz="1260318" rtl="0" eaLnBrk="1" fontAlgn="auto" latinLnBrk="0" hangingPunct="1">
-                        <a:lnSpc>
-                          <a:spcPct val="100000"/>
-                        </a:lnSpc>
-                        <a:spcBef>
-                          <a:spcPts val="0"/>
-                        </a:spcBef>
-                        <a:spcAft>
-                          <a:spcPts val="0"/>
-                        </a:spcAft>
-                        <a:buClrTx/>
-                        <a:buSzTx/>
-                        <a:buFontTx/>
-                        <a:buNone/>
-                        <a:tabLst/>
-                        <a:defRPr/>
-                      </a:pPr>
-                      <a:r>
-                        <a:rPr lang="en-US" sz="2800" dirty="0"/>
-                        <a:t>0.007</a:t>
-                      </a:r>
-                    </a:p>
-                  </a:txBody>
-                  <a:tcPr marL="91432" marR="91432" marT="45734" marB="45734">
-                    <a:lnL>
-                      <a:noFill/>
-                    </a:lnL>
-                    <a:lnR>
-                      <a:noFill/>
-                    </a:lnR>
-                    <a:lnT w="12700" cap="flat" cmpd="sng" algn="ctr">
-                      <a:solidFill>
-                        <a:schemeClr val="tx1"/>
-                      </a:solidFill>
-                      <a:prstDash val="solid"/>
-                      <a:round/>
-                      <a:headEnd type="none" w="med" len="med"/>
-                      <a:tailEnd type="none" w="med" len="med"/>
-                    </a:lnT>
-                    <a:lnB w="12700" cap="flat" cmpd="sng" algn="ctr">
-                      <a:solidFill>
-                        <a:schemeClr val="tx1"/>
-                      </a:solidFill>
-                      <a:prstDash val="solid"/>
-                      <a:round/>
-                      <a:headEnd type="none" w="med" len="med"/>
-                      <a:tailEnd type="none" w="med" len="med"/>
-                    </a:lnB>
-                    <a:lnTlToBr w="12700" cmpd="sng">
-                      <a:noFill/>
-                      <a:prstDash val="solid"/>
-                    </a:lnTlToBr>
-                    <a:lnBlToTr w="12700" cmpd="sng">
-                      <a:noFill/>
-                      <a:prstDash val="solid"/>
-                    </a:lnBlToTr>
-                    <a:noFill/>
-                  </a:tcPr>
-                </a:tc>
-                <a:tc>
-                  <a:txBody>
-                    <a:bodyPr/>
-                    <a:lstStyle/>
-                    <a:p>
-                      <a:pPr marL="0" marR="0" lvl="0" indent="0" algn="l" defTabSz="1260318" rtl="0" eaLnBrk="1" fontAlgn="auto" latinLnBrk="0" hangingPunct="1">
-                        <a:lnSpc>
-                          <a:spcPct val="100000"/>
-                        </a:lnSpc>
-                        <a:spcBef>
-                          <a:spcPts val="0"/>
-                        </a:spcBef>
-                        <a:spcAft>
-                          <a:spcPts val="0"/>
-                        </a:spcAft>
-                        <a:buClrTx/>
-                        <a:buSzTx/>
-                        <a:buFontTx/>
-                        <a:buNone/>
-                        <a:tabLst/>
-                        <a:defRPr/>
-                      </a:pPr>
-                      <a:r>
-                        <a:rPr lang="en-US" sz="2800" dirty="0"/>
-                        <a:t>Reference radius </a:t>
-                      </a:r>
-                      <a:r>
-                        <a:rPr lang="en-US" sz="2800" i="1" dirty="0"/>
-                        <a:t>r</a:t>
-                      </a:r>
-                      <a:endParaRPr lang="en-US" sz="2800" dirty="0"/>
-                    </a:p>
-                  </a:txBody>
-                  <a:tcPr marL="91432" marR="91432" marT="45734" marB="45734">
-                    <a:lnL>
-                      <a:noFill/>
-                    </a:lnL>
-                    <a:lnR>
-                      <a:noFill/>
-                    </a:lnR>
-                    <a:lnT w="12700" cap="flat" cmpd="sng" algn="ctr">
-                      <a:solidFill>
-                        <a:schemeClr val="tx1"/>
-                      </a:solidFill>
-                      <a:prstDash val="solid"/>
-                      <a:round/>
-                      <a:headEnd type="none" w="med" len="med"/>
-                      <a:tailEnd type="none" w="med" len="med"/>
-                    </a:lnT>
-                    <a:lnB w="12700" cap="flat" cmpd="sng" algn="ctr">
-                      <a:solidFill>
-                        <a:schemeClr val="tx1"/>
-                      </a:solidFill>
-                      <a:prstDash val="solid"/>
-                      <a:round/>
-                      <a:headEnd type="none" w="med" len="med"/>
-                      <a:tailEnd type="none" w="med" len="med"/>
-                    </a:lnB>
-                    <a:lnTlToBr w="12700" cmpd="sng">
-                      <a:noFill/>
-                      <a:prstDash val="solid"/>
-                    </a:lnTlToBr>
-                    <a:lnBlToTr w="12700" cmpd="sng">
-                      <a:noFill/>
-                      <a:prstDash val="solid"/>
-                    </a:lnBlToTr>
-                    <a:noFill/>
-                  </a:tcPr>
-                </a:tc>
-                <a:extLst>
-                  <a:ext uri="{0D108BD9-81ED-4DB2-BD59-A6C34878D82A}">
-                    <a16:rowId xmlns:a16="http://schemas.microsoft.com/office/drawing/2014/main" val="82129784"/>
-                  </a:ext>
-                </a:extLst>
-              </a:tr>
-              <a:tr h="518319">
-                <a:tc>
-                  <a:txBody>
-                    <a:bodyPr/>
-                    <a:lstStyle/>
-                    <a:p>
-                      <a:pPr marL="0" marR="0" lvl="0" indent="0" algn="r" defTabSz="1260318" rtl="0" eaLnBrk="1" fontAlgn="auto" latinLnBrk="0" hangingPunct="1">
-                        <a:lnSpc>
-                          <a:spcPct val="100000"/>
-                        </a:lnSpc>
-                        <a:spcBef>
-                          <a:spcPts val="0"/>
-                        </a:spcBef>
-                        <a:spcAft>
-                          <a:spcPts val="0"/>
-                        </a:spcAft>
-                        <a:buClrTx/>
-                        <a:buSzTx/>
-                        <a:buFontTx/>
-                        <a:buNone/>
-                        <a:tabLst/>
-                        <a:defRPr/>
-                      </a:pPr>
-                      <a:r>
-                        <a:rPr lang="en-US" sz="2800" b="0" i="1" kern="1200" dirty="0" err="1">
-                          <a:solidFill>
-                            <a:schemeClr val="tx1"/>
-                          </a:solidFill>
-                          <a:effectLst/>
-                          <a:latin typeface="+mn-lt"/>
-                          <a:ea typeface="+mn-ea"/>
-                          <a:cs typeface="+mn-cs"/>
-                        </a:rPr>
-                        <a:t>A</a:t>
-                      </a:r>
-                      <a:r>
-                        <a:rPr lang="en-US" sz="2800" b="0" kern="1200" baseline="-25000" dirty="0" err="1">
-                          <a:solidFill>
-                            <a:schemeClr val="tx1"/>
-                          </a:solidFill>
-                          <a:effectLst/>
-                          <a:latin typeface="+mn-lt"/>
-                          <a:ea typeface="+mn-ea"/>
-                          <a:cs typeface="+mn-cs"/>
-                        </a:rPr>
-                        <a:t>ref</a:t>
-                      </a:r>
-                      <a:endParaRPr lang="en-US" sz="2800" b="0" kern="1200" dirty="0">
-                        <a:solidFill>
-                          <a:schemeClr val="tx1"/>
-                        </a:solidFill>
-                        <a:effectLst/>
-                        <a:latin typeface="+mn-lt"/>
-                        <a:ea typeface="+mn-ea"/>
-                        <a:cs typeface="+mn-cs"/>
-                      </a:endParaRPr>
-                    </a:p>
-                  </a:txBody>
-                  <a:tcPr marL="91432" marR="91432" marT="45734" marB="45734">
-                    <a:lnL>
-                      <a:noFill/>
-                    </a:lnL>
-                    <a:lnR>
-                      <a:noFill/>
-                    </a:lnR>
-                    <a:lnT w="12700" cap="flat" cmpd="sng" algn="ctr">
-                      <a:solidFill>
-                        <a:schemeClr val="tx1"/>
-                      </a:solidFill>
-                      <a:prstDash val="solid"/>
-                      <a:round/>
-                      <a:headEnd type="none" w="med" len="med"/>
-                      <a:tailEnd type="none" w="med" len="med"/>
-                    </a:lnT>
-                    <a:lnB w="12700" cap="flat" cmpd="sng" algn="ctr">
-                      <a:solidFill>
-                        <a:schemeClr val="tx1"/>
-                      </a:solidFill>
-                      <a:prstDash val="solid"/>
-                      <a:round/>
-                      <a:headEnd type="none" w="med" len="med"/>
-                      <a:tailEnd type="none" w="med" len="med"/>
-                    </a:lnB>
-                    <a:lnTlToBr w="12700" cmpd="sng">
-                      <a:noFill/>
-                      <a:prstDash val="solid"/>
-                    </a:lnTlToBr>
-                    <a:lnBlToTr w="12700" cmpd="sng">
-                      <a:noFill/>
-                      <a:prstDash val="solid"/>
-                    </a:lnBlToTr>
-                  </a:tcPr>
-                </a:tc>
-                <a:tc>
-                  <a:txBody>
-                    <a:bodyPr/>
-                    <a:lstStyle/>
-                    <a:p>
-                      <a:pPr marL="0" marR="0" lvl="0" indent="0" algn="ctr" defTabSz="1260318" rtl="0" eaLnBrk="1" fontAlgn="auto" latinLnBrk="0" hangingPunct="1">
-                        <a:lnSpc>
-                          <a:spcPct val="100000"/>
-                        </a:lnSpc>
-                        <a:spcBef>
-                          <a:spcPts val="0"/>
-                        </a:spcBef>
-                        <a:spcAft>
-                          <a:spcPts val="0"/>
-                        </a:spcAft>
-                        <a:buClrTx/>
-                        <a:buSzTx/>
-                        <a:buFontTx/>
-                        <a:buNone/>
-                        <a:tabLst/>
-                        <a:defRPr/>
-                      </a:pPr>
-                      <a:r>
-                        <a:rPr lang="en-US" sz="2800" b="0" kern="1200" dirty="0">
-                          <a:solidFill>
-                            <a:schemeClr val="tx1"/>
-                          </a:solidFill>
-                          <a:effectLst/>
-                          <a:latin typeface="+mn-lt"/>
-                          <a:ea typeface="+mn-ea"/>
-                          <a:cs typeface="+mn-cs"/>
-                        </a:rPr>
-                        <a:t>120.76</a:t>
-                      </a:r>
-                    </a:p>
-                  </a:txBody>
-                  <a:tcPr marL="91432" marR="91432" marT="45734" marB="45734">
-                    <a:lnL>
-                      <a:noFill/>
-                    </a:lnL>
-                    <a:lnR>
-                      <a:noFill/>
-                    </a:lnR>
-                    <a:lnT w="12700" cap="flat" cmpd="sng" algn="ctr">
-                      <a:solidFill>
-                        <a:schemeClr val="tx1"/>
-                      </a:solidFill>
-                      <a:prstDash val="solid"/>
-                      <a:round/>
-                      <a:headEnd type="none" w="med" len="med"/>
-                      <a:tailEnd type="none" w="med" len="med"/>
-                    </a:lnT>
-                    <a:lnB w="12700" cap="flat" cmpd="sng" algn="ctr">
-                      <a:solidFill>
-                        <a:schemeClr val="tx1"/>
-                      </a:solidFill>
-                      <a:prstDash val="solid"/>
-                      <a:round/>
-                      <a:headEnd type="none" w="med" len="med"/>
-                      <a:tailEnd type="none" w="med" len="med"/>
-                    </a:lnB>
-                    <a:lnTlToBr w="12700" cmpd="sng">
-                      <a:noFill/>
-                      <a:prstDash val="solid"/>
-                    </a:lnTlToBr>
-                    <a:lnBlToTr w="12700" cmpd="sng">
-                      <a:noFill/>
-                      <a:prstDash val="solid"/>
-                    </a:lnBlToTr>
-                  </a:tcPr>
-                </a:tc>
-                <a:tc>
-                  <a:txBody>
-                    <a:bodyPr/>
-                    <a:lstStyle/>
-                    <a:p>
-                      <a:pPr marL="0" marR="0" lvl="0" indent="0" algn="ctr" defTabSz="1260318" rtl="0" eaLnBrk="1" fontAlgn="auto" latinLnBrk="0" hangingPunct="1">
-                        <a:lnSpc>
-                          <a:spcPct val="100000"/>
-                        </a:lnSpc>
-                        <a:spcBef>
-                          <a:spcPts val="0"/>
-                        </a:spcBef>
-                        <a:spcAft>
-                          <a:spcPts val="0"/>
-                        </a:spcAft>
-                        <a:buClrTx/>
-                        <a:buSzTx/>
-                        <a:buFontTx/>
-                        <a:buNone/>
-                        <a:tabLst/>
-                        <a:defRPr/>
-                      </a:pPr>
-                      <a:r>
-                        <a:rPr lang="en-US" sz="2800" dirty="0"/>
-                        <a:t>0.002</a:t>
-                      </a:r>
-                    </a:p>
-                  </a:txBody>
-                  <a:tcPr marL="91432" marR="91432" marT="45734" marB="45734">
-                    <a:lnL>
-                      <a:noFill/>
-                    </a:lnL>
-                    <a:lnR>
-                      <a:noFill/>
-                    </a:lnR>
-                    <a:lnT w="12700" cap="flat" cmpd="sng" algn="ctr">
-                      <a:solidFill>
-                        <a:schemeClr val="tx1"/>
-                      </a:solidFill>
-                      <a:prstDash val="solid"/>
-                      <a:round/>
-                      <a:headEnd type="none" w="med" len="med"/>
-                      <a:tailEnd type="none" w="med" len="med"/>
-                    </a:lnT>
-                    <a:lnB w="12700" cap="flat" cmpd="sng" algn="ctr">
-                      <a:solidFill>
-                        <a:schemeClr val="tx1"/>
-                      </a:solidFill>
-                      <a:prstDash val="solid"/>
-                      <a:round/>
-                      <a:headEnd type="none" w="med" len="med"/>
-                      <a:tailEnd type="none" w="med" len="med"/>
-                    </a:lnB>
-                    <a:lnTlToBr w="12700" cmpd="sng">
-                      <a:noFill/>
-                      <a:prstDash val="solid"/>
-                    </a:lnTlToBr>
-                    <a:lnBlToTr w="12700" cmpd="sng">
-                      <a:noFill/>
-                      <a:prstDash val="solid"/>
-                    </a:lnBlToTr>
-                  </a:tcPr>
-                </a:tc>
-                <a:tc>
-                  <a:txBody>
-                    <a:bodyPr/>
-                    <a:lstStyle/>
-                    <a:p>
-                      <a:pPr marL="0" marR="0" lvl="0" indent="0" algn="l" defTabSz="1260318" rtl="0" eaLnBrk="1" fontAlgn="auto" latinLnBrk="0" hangingPunct="1">
-                        <a:lnSpc>
-                          <a:spcPct val="100000"/>
-                        </a:lnSpc>
-                        <a:spcBef>
-                          <a:spcPts val="0"/>
-                        </a:spcBef>
-                        <a:spcAft>
-                          <a:spcPts val="0"/>
-                        </a:spcAft>
-                        <a:buClrTx/>
-                        <a:buSzTx/>
-                        <a:buFontTx/>
-                        <a:buNone/>
-                        <a:tabLst/>
-                        <a:defRPr/>
-                      </a:pPr>
-                      <a:r>
-                        <a:rPr lang="en-US" sz="2800" dirty="0"/>
-                        <a:t>Reference area</a:t>
-                      </a:r>
-                    </a:p>
-                  </a:txBody>
-                  <a:tcPr marL="91432" marR="91432" marT="45734" marB="45734">
-                    <a:lnL>
-                      <a:noFill/>
-                    </a:lnL>
-                    <a:lnR>
-                      <a:noFill/>
-                    </a:lnR>
-                    <a:lnT w="12700" cap="flat" cmpd="sng" algn="ctr">
-                      <a:solidFill>
-                        <a:schemeClr val="tx1"/>
-                      </a:solidFill>
-                      <a:prstDash val="solid"/>
-                      <a:round/>
-                      <a:headEnd type="none" w="med" len="med"/>
-                      <a:tailEnd type="none" w="med" len="med"/>
-                    </a:lnT>
-                    <a:lnB w="12700" cap="flat" cmpd="sng" algn="ctr">
-                      <a:solidFill>
-                        <a:schemeClr val="tx1"/>
-                      </a:solidFill>
-                      <a:prstDash val="solid"/>
-                      <a:round/>
-                      <a:headEnd type="none" w="med" len="med"/>
-                      <a:tailEnd type="none" w="med" len="med"/>
-                    </a:lnB>
-                    <a:lnTlToBr w="12700" cmpd="sng">
-                      <a:noFill/>
-                      <a:prstDash val="solid"/>
-                    </a:lnTlToBr>
-                    <a:lnBlToTr w="12700" cmpd="sng">
-                      <a:noFill/>
-                      <a:prstDash val="solid"/>
-                    </a:lnBlToTr>
-                  </a:tcPr>
-                </a:tc>
-                <a:extLst>
-                  <a:ext uri="{0D108BD9-81ED-4DB2-BD59-A6C34878D82A}">
-                    <a16:rowId xmlns:a16="http://schemas.microsoft.com/office/drawing/2014/main" val="107921840"/>
-                  </a:ext>
-                </a:extLst>
-              </a:tr>
-              <a:tr h="518319">
-                <a:tc>
-                  <a:txBody>
-                    <a:bodyPr/>
-                    <a:lstStyle/>
-                    <a:p>
-                      <a:pPr marL="0" marR="0" lvl="0" indent="0" algn="r" defTabSz="1260318" rtl="0" eaLnBrk="1" fontAlgn="auto" latinLnBrk="0" hangingPunct="1">
-                        <a:lnSpc>
-                          <a:spcPct val="100000"/>
-                        </a:lnSpc>
-                        <a:spcBef>
-                          <a:spcPts val="0"/>
-                        </a:spcBef>
-                        <a:spcAft>
-                          <a:spcPts val="0"/>
-                        </a:spcAft>
-                        <a:buClrTx/>
-                        <a:buSzTx/>
-                        <a:buFontTx/>
-                        <a:buNone/>
-                        <a:tabLst/>
-                        <a:defRPr/>
-                      </a:pPr>
-                      <a:r>
-                        <a:rPr lang="en-US" sz="2800" kern="1200" dirty="0">
-                          <a:solidFill>
-                            <a:schemeClr val="tx1"/>
-                          </a:solidFill>
-                          <a:effectLst/>
-                          <a:latin typeface="+mn-lt"/>
-                          <a:ea typeface="+mn-ea"/>
-                          <a:cs typeface="+mn-cs"/>
-                        </a:rPr>
-                        <a:t>θ</a:t>
-                      </a:r>
-                      <a:r>
-                        <a:rPr lang="en-US" sz="2800" kern="1200" baseline="-25000" dirty="0">
-                          <a:solidFill>
-                            <a:schemeClr val="tx1"/>
-                          </a:solidFill>
-                          <a:effectLst/>
-                          <a:latin typeface="+mn-lt"/>
-                          <a:ea typeface="+mn-ea"/>
-                          <a:cs typeface="+mn-cs"/>
-                        </a:rPr>
-                        <a:t>0</a:t>
-                      </a:r>
-                      <a:endParaRPr lang="en-US" sz="2800" kern="1200" dirty="0">
-                        <a:solidFill>
-                          <a:schemeClr val="tx1"/>
-                        </a:solidFill>
-                        <a:effectLst/>
-                        <a:latin typeface="+mn-lt"/>
-                        <a:ea typeface="+mn-ea"/>
-                        <a:cs typeface="+mn-cs"/>
-                      </a:endParaRPr>
-                    </a:p>
-                  </a:txBody>
-                  <a:tcPr marL="91432" marR="91432" marT="45734" marB="45734">
-                    <a:lnL>
-                      <a:noFill/>
-                    </a:lnL>
-                    <a:lnR>
-                      <a:noFill/>
-                    </a:lnR>
-                    <a:lnT w="12700" cap="flat" cmpd="sng" algn="ctr">
-                      <a:solidFill>
-                        <a:schemeClr val="tx1"/>
-                      </a:solidFill>
-                      <a:prstDash val="solid"/>
-                      <a:round/>
-                      <a:headEnd type="none" w="med" len="med"/>
-                      <a:tailEnd type="none" w="med" len="med"/>
-                    </a:lnT>
-                    <a:lnB w="12700" cap="flat" cmpd="sng" algn="ctr">
-                      <a:solidFill>
-                        <a:schemeClr val="tx1"/>
-                      </a:solidFill>
-                      <a:prstDash val="solid"/>
-                      <a:round/>
-                      <a:headEnd type="none" w="med" len="med"/>
-                      <a:tailEnd type="none" w="med" len="med"/>
-                    </a:lnB>
-                    <a:lnTlToBr w="12700" cmpd="sng">
-                      <a:noFill/>
-                      <a:prstDash val="solid"/>
-                    </a:lnTlToBr>
-                    <a:lnBlToTr w="12700" cmpd="sng">
-                      <a:noFill/>
-                      <a:prstDash val="solid"/>
-                    </a:lnBlToTr>
-                    <a:noFill/>
-                  </a:tcPr>
-                </a:tc>
-                <a:tc>
-                  <a:txBody>
-                    <a:bodyPr/>
-                    <a:lstStyle/>
-                    <a:p>
-                      <a:pPr marL="0" marR="0" lvl="0" indent="0" algn="ctr" defTabSz="1260318" rtl="0" eaLnBrk="1" fontAlgn="auto" latinLnBrk="0" hangingPunct="1">
-                        <a:lnSpc>
-                          <a:spcPct val="100000"/>
-                        </a:lnSpc>
-                        <a:spcBef>
-                          <a:spcPts val="0"/>
-                        </a:spcBef>
-                        <a:spcAft>
-                          <a:spcPts val="0"/>
-                        </a:spcAft>
-                        <a:buClrTx/>
-                        <a:buSzTx/>
-                        <a:buFontTx/>
-                        <a:buNone/>
-                        <a:tabLst/>
-                        <a:defRPr/>
-                      </a:pPr>
-                      <a:r>
-                        <a:rPr lang="en-US" sz="2800" kern="1200" dirty="0">
-                          <a:solidFill>
-                            <a:schemeClr val="tx1"/>
-                          </a:solidFill>
-                          <a:effectLst/>
-                          <a:latin typeface="+mn-lt"/>
-                          <a:ea typeface="+mn-ea"/>
-                          <a:cs typeface="+mn-cs"/>
-                        </a:rPr>
-                        <a:t>0.314</a:t>
-                      </a:r>
-                    </a:p>
-                  </a:txBody>
-                  <a:tcPr marL="91432" marR="91432" marT="45734" marB="45734">
-                    <a:lnL>
-                      <a:noFill/>
-                    </a:lnL>
-                    <a:lnR>
-                      <a:noFill/>
-                    </a:lnR>
-                    <a:lnT w="12700" cap="flat" cmpd="sng" algn="ctr">
-                      <a:solidFill>
-                        <a:schemeClr val="tx1"/>
-                      </a:solidFill>
-                      <a:prstDash val="solid"/>
-                      <a:round/>
-                      <a:headEnd type="none" w="med" len="med"/>
-                      <a:tailEnd type="none" w="med" len="med"/>
-                    </a:lnT>
-                    <a:lnB w="12700" cap="flat" cmpd="sng" algn="ctr">
-                      <a:solidFill>
-                        <a:schemeClr val="tx1"/>
-                      </a:solidFill>
-                      <a:prstDash val="solid"/>
-                      <a:round/>
-                      <a:headEnd type="none" w="med" len="med"/>
-                      <a:tailEnd type="none" w="med" len="med"/>
-                    </a:lnB>
-                    <a:lnTlToBr w="12700" cmpd="sng">
-                      <a:noFill/>
-                      <a:prstDash val="solid"/>
-                    </a:lnTlToBr>
-                    <a:lnBlToTr w="12700" cmpd="sng">
-                      <a:noFill/>
-                      <a:prstDash val="solid"/>
-                    </a:lnBlToTr>
-                    <a:noFill/>
-                  </a:tcPr>
-                </a:tc>
-                <a:tc>
-                  <a:txBody>
-                    <a:bodyPr/>
-                    <a:lstStyle/>
-                    <a:p>
-                      <a:pPr algn="ctr"/>
-                      <a:r>
-                        <a:rPr lang="en-US" sz="2800" dirty="0"/>
-                        <a:t>-0.004</a:t>
-                      </a:r>
-                    </a:p>
-                  </a:txBody>
-                  <a:tcPr marL="91432" marR="91432" marT="45734" marB="45734">
-                    <a:lnL>
-                      <a:noFill/>
-                    </a:lnL>
-                    <a:lnR>
-                      <a:noFill/>
-                    </a:lnR>
-                    <a:lnT w="12700" cap="flat" cmpd="sng" algn="ctr">
-                      <a:solidFill>
-                        <a:schemeClr val="tx1"/>
-                      </a:solidFill>
-                      <a:prstDash val="solid"/>
-                      <a:round/>
-                      <a:headEnd type="none" w="med" len="med"/>
-                      <a:tailEnd type="none" w="med" len="med"/>
-                    </a:lnT>
-                    <a:lnB w="12700" cap="flat" cmpd="sng" algn="ctr">
-                      <a:solidFill>
-                        <a:schemeClr val="tx1"/>
-                      </a:solidFill>
-                      <a:prstDash val="solid"/>
-                      <a:round/>
-                      <a:headEnd type="none" w="med" len="med"/>
-                      <a:tailEnd type="none" w="med" len="med"/>
-                    </a:lnB>
-                    <a:lnTlToBr w="12700" cmpd="sng">
-                      <a:noFill/>
-                      <a:prstDash val="solid"/>
-                    </a:lnTlToBr>
-                    <a:lnBlToTr w="12700" cmpd="sng">
-                      <a:noFill/>
-                      <a:prstDash val="solid"/>
-                    </a:lnBlToTr>
-                    <a:noFill/>
-                  </a:tcPr>
-                </a:tc>
-                <a:tc>
-                  <a:txBody>
-                    <a:bodyPr/>
-                    <a:lstStyle/>
-                    <a:p>
-                      <a:pPr algn="l"/>
-                      <a:r>
-                        <a:rPr lang="en-US" sz="2800" dirty="0"/>
-                        <a:t>Angle between two</a:t>
-                      </a:r>
-                      <a:r>
-                        <a:rPr lang="en-US" sz="2800" baseline="0" dirty="0"/>
-                        <a:t> radii</a:t>
-                      </a:r>
-                      <a:endParaRPr lang="en-US" sz="2800" dirty="0"/>
-                    </a:p>
-                  </a:txBody>
-                  <a:tcPr marL="91432" marR="91432" marT="45734" marB="45734">
-                    <a:lnL>
-                      <a:noFill/>
-                    </a:lnL>
-                    <a:lnR>
-                      <a:noFill/>
-                    </a:lnR>
-                    <a:lnT w="12700" cap="flat" cmpd="sng" algn="ctr">
-                      <a:solidFill>
-                        <a:schemeClr val="tx1"/>
-                      </a:solidFill>
-                      <a:prstDash val="solid"/>
-                      <a:round/>
-                      <a:headEnd type="none" w="med" len="med"/>
-                      <a:tailEnd type="none" w="med" len="med"/>
-                    </a:lnT>
-                    <a:lnB w="12700" cap="flat" cmpd="sng" algn="ctr">
-                      <a:solidFill>
-                        <a:schemeClr val="tx1"/>
-                      </a:solidFill>
-                      <a:prstDash val="solid"/>
-                      <a:round/>
-                      <a:headEnd type="none" w="med" len="med"/>
-                      <a:tailEnd type="none" w="med" len="med"/>
-                    </a:lnB>
-                    <a:lnTlToBr w="12700" cmpd="sng">
-                      <a:noFill/>
-                      <a:prstDash val="solid"/>
-                    </a:lnTlToBr>
-                    <a:lnBlToTr w="12700" cmpd="sng">
-                      <a:noFill/>
-                      <a:prstDash val="solid"/>
-                    </a:lnBlToTr>
-                    <a:noFill/>
-                  </a:tcPr>
-                </a:tc>
-                <a:extLst>
-                  <a:ext uri="{0D108BD9-81ED-4DB2-BD59-A6C34878D82A}">
-                    <a16:rowId xmlns:a16="http://schemas.microsoft.com/office/drawing/2014/main" val="2184830395"/>
-                  </a:ext>
-                </a:extLst>
-              </a:tr>
-              <a:tr h="518319">
-                <a:tc>
-                  <a:txBody>
-                    <a:bodyPr/>
-                    <a:lstStyle/>
-                    <a:p>
-                      <a:pPr algn="r"/>
-                      <a:r>
-                        <a:rPr lang="en-US" sz="2800" b="0" kern="1200" dirty="0" err="1">
-                          <a:solidFill>
-                            <a:schemeClr val="tx1"/>
-                          </a:solidFill>
-                          <a:effectLst/>
-                          <a:latin typeface="+mn-lt"/>
-                          <a:ea typeface="+mn-ea"/>
-                          <a:cs typeface="+mn-cs"/>
-                        </a:rPr>
-                        <a:t>μ</a:t>
-                      </a:r>
-                      <a:r>
-                        <a:rPr lang="en-US" sz="2800" b="0" kern="1200" baseline="-25000" dirty="0" err="1">
-                          <a:solidFill>
-                            <a:schemeClr val="tx1"/>
-                          </a:solidFill>
-                          <a:effectLst/>
-                          <a:latin typeface="+mn-lt"/>
-                          <a:ea typeface="+mn-ea"/>
-                          <a:cs typeface="+mn-cs"/>
-                        </a:rPr>
-                        <a:t>ext</a:t>
-                      </a:r>
-                      <a:endParaRPr lang="en-US" sz="2800" dirty="0"/>
-                    </a:p>
-                  </a:txBody>
-                  <a:tcPr marL="91432" marR="91432" marT="45734" marB="45734">
-                    <a:lnL>
-                      <a:noFill/>
-                    </a:lnL>
-                    <a:lnR>
-                      <a:noFill/>
-                    </a:lnR>
-                    <a:lnT w="12700" cap="flat" cmpd="sng" algn="ctr">
-                      <a:solidFill>
-                        <a:schemeClr val="tx1"/>
-                      </a:solidFill>
-                      <a:prstDash val="solid"/>
-                      <a:round/>
-                      <a:headEnd type="none" w="med" len="med"/>
-                      <a:tailEnd type="none" w="med" len="med"/>
-                    </a:lnT>
-                    <a:lnB w="12700" cap="flat" cmpd="sng" algn="ctr">
-                      <a:solidFill>
-                        <a:schemeClr val="tx1"/>
-                      </a:solidFill>
-                      <a:prstDash val="solid"/>
-                      <a:round/>
-                      <a:headEnd type="none" w="med" len="med"/>
-                      <a:tailEnd type="none" w="med" len="med"/>
-                    </a:lnB>
-                    <a:lnTlToBr w="12700" cmpd="sng">
-                      <a:noFill/>
-                      <a:prstDash val="solid"/>
-                    </a:lnTlToBr>
-                    <a:lnBlToTr w="12700" cmpd="sng">
-                      <a:noFill/>
-                      <a:prstDash val="solid"/>
-                    </a:lnBlToTr>
-                    <a:noFill/>
-                  </a:tcPr>
-                </a:tc>
-                <a:tc>
-                  <a:txBody>
-                    <a:bodyPr/>
-                    <a:lstStyle/>
-                    <a:p>
-                      <a:pPr algn="ctr"/>
-                      <a:r>
-                        <a:rPr lang="en-US" sz="2800" dirty="0"/>
-                        <a:t>200</a:t>
-                      </a:r>
-                    </a:p>
-                  </a:txBody>
-                  <a:tcPr marL="91432" marR="91432" marT="45734" marB="45734">
-                    <a:lnL>
-                      <a:noFill/>
-                    </a:lnL>
-                    <a:lnR>
-                      <a:noFill/>
-                    </a:lnR>
-                    <a:lnT w="12700" cap="flat" cmpd="sng" algn="ctr">
-                      <a:solidFill>
-                        <a:schemeClr val="tx1"/>
-                      </a:solidFill>
-                      <a:prstDash val="solid"/>
-                      <a:round/>
-                      <a:headEnd type="none" w="med" len="med"/>
-                      <a:tailEnd type="none" w="med" len="med"/>
-                    </a:lnT>
-                    <a:lnB w="12700" cap="flat" cmpd="sng" algn="ctr">
-                      <a:solidFill>
-                        <a:schemeClr val="tx1"/>
-                      </a:solidFill>
-                      <a:prstDash val="solid"/>
-                      <a:round/>
-                      <a:headEnd type="none" w="med" len="med"/>
-                      <a:tailEnd type="none" w="med" len="med"/>
-                    </a:lnB>
-                    <a:lnTlToBr w="12700" cmpd="sng">
-                      <a:noFill/>
-                      <a:prstDash val="solid"/>
-                    </a:lnTlToBr>
-                    <a:lnBlToTr w="12700" cmpd="sng">
-                      <a:noFill/>
-                      <a:prstDash val="solid"/>
-                    </a:lnBlToTr>
-                    <a:noFill/>
-                  </a:tcPr>
-                </a:tc>
-                <a:tc>
-                  <a:txBody>
-                    <a:bodyPr/>
-                    <a:lstStyle/>
-                    <a:p>
-                      <a:pPr algn="ctr"/>
-                      <a:r>
-                        <a:rPr lang="en-US" sz="2800" dirty="0"/>
-                        <a:t>4.668e-11</a:t>
-                      </a:r>
-                    </a:p>
-                  </a:txBody>
-                  <a:tcPr marL="91432" marR="91432" marT="45734" marB="45734">
-                    <a:lnL>
-                      <a:noFill/>
-                    </a:lnL>
-                    <a:lnR>
-                      <a:noFill/>
-                    </a:lnR>
-                    <a:lnT w="12700" cap="flat" cmpd="sng" algn="ctr">
-                      <a:solidFill>
-                        <a:schemeClr val="tx1"/>
-                      </a:solidFill>
-                      <a:prstDash val="solid"/>
-                      <a:round/>
-                      <a:headEnd type="none" w="med" len="med"/>
-                      <a:tailEnd type="none" w="med" len="med"/>
-                    </a:lnT>
-                    <a:lnB w="12700" cap="flat" cmpd="sng" algn="ctr">
-                      <a:solidFill>
-                        <a:schemeClr val="tx1"/>
-                      </a:solidFill>
-                      <a:prstDash val="solid"/>
-                      <a:round/>
-                      <a:headEnd type="none" w="med" len="med"/>
-                      <a:tailEnd type="none" w="med" len="med"/>
-                    </a:lnB>
-                    <a:lnTlToBr w="12700" cmpd="sng">
-                      <a:noFill/>
-                      <a:prstDash val="solid"/>
-                    </a:lnTlToBr>
-                    <a:lnBlToTr w="12700" cmpd="sng">
-                      <a:noFill/>
-                      <a:prstDash val="solid"/>
-                    </a:lnBlToTr>
-                    <a:noFill/>
-                  </a:tcPr>
-                </a:tc>
-                <a:tc>
-                  <a:txBody>
-                    <a:bodyPr/>
-                    <a:lstStyle/>
-                    <a:p>
-                      <a:pPr algn="l"/>
-                      <a:r>
-                        <a:rPr lang="en-US" sz="2800" dirty="0"/>
-                        <a:t>External</a:t>
-                      </a:r>
-                      <a:r>
-                        <a:rPr lang="en-US" sz="2800" baseline="0" dirty="0"/>
-                        <a:t> element v</a:t>
-                      </a:r>
-                      <a:r>
-                        <a:rPr lang="en-US" sz="2800" dirty="0"/>
-                        <a:t>iscosity</a:t>
-                      </a:r>
-                    </a:p>
-                  </a:txBody>
-                  <a:tcPr marL="91432" marR="91432" marT="45734" marB="45734">
-                    <a:lnL>
-                      <a:noFill/>
-                    </a:lnL>
-                    <a:lnR>
-                      <a:noFill/>
-                    </a:lnR>
-                    <a:lnT w="12700" cap="flat" cmpd="sng" algn="ctr">
-                      <a:solidFill>
-                        <a:schemeClr val="tx1"/>
-                      </a:solidFill>
-                      <a:prstDash val="solid"/>
-                      <a:round/>
-                      <a:headEnd type="none" w="med" len="med"/>
-                      <a:tailEnd type="none" w="med" len="med"/>
-                    </a:lnT>
-                    <a:lnB w="12700" cap="flat" cmpd="sng" algn="ctr">
-                      <a:solidFill>
-                        <a:schemeClr val="tx1"/>
-                      </a:solidFill>
-                      <a:prstDash val="solid"/>
-                      <a:round/>
-                      <a:headEnd type="none" w="med" len="med"/>
-                      <a:tailEnd type="none" w="med" len="med"/>
-                    </a:lnB>
-                    <a:lnTlToBr w="12700" cmpd="sng">
-                      <a:noFill/>
-                      <a:prstDash val="solid"/>
-                    </a:lnTlToBr>
-                    <a:lnBlToTr w="12700" cmpd="sng">
-                      <a:noFill/>
-                      <a:prstDash val="solid"/>
-                    </a:lnBlToTr>
-                    <a:noFill/>
-                  </a:tcPr>
-                </a:tc>
-                <a:extLst>
-                  <a:ext uri="{0D108BD9-81ED-4DB2-BD59-A6C34878D82A}">
-                    <a16:rowId xmlns:a16="http://schemas.microsoft.com/office/drawing/2014/main" val="3491773375"/>
-                  </a:ext>
-                </a:extLst>
-              </a:tr>
-              <a:tr h="518319">
-                <a:tc>
-                  <a:txBody>
-                    <a:bodyPr/>
-                    <a:lstStyle/>
-                    <a:p>
-                      <a:pPr algn="r"/>
-                      <a:r>
-                        <a:rPr lang="en-US" sz="2800" b="0" kern="1200" dirty="0" err="1">
-                          <a:solidFill>
-                            <a:schemeClr val="tx1"/>
-                          </a:solidFill>
-                          <a:effectLst/>
-                          <a:latin typeface="+mn-lt"/>
-                          <a:ea typeface="+mn-ea"/>
-                          <a:cs typeface="+mn-cs"/>
-                        </a:rPr>
-                        <a:t>μ</a:t>
-                      </a:r>
-                      <a:r>
-                        <a:rPr lang="en-US" sz="2800" b="0" kern="1200" baseline="-25000" dirty="0" err="1">
-                          <a:solidFill>
-                            <a:schemeClr val="tx1"/>
-                          </a:solidFill>
-                          <a:effectLst/>
-                          <a:latin typeface="+mn-lt"/>
-                          <a:ea typeface="+mn-ea"/>
-                          <a:cs typeface="+mn-cs"/>
-                        </a:rPr>
-                        <a:t>int</a:t>
-                      </a:r>
-                      <a:endParaRPr lang="en-US" sz="2800" dirty="0"/>
-                    </a:p>
-                  </a:txBody>
-                  <a:tcPr marL="91432" marR="91432" marT="45734" marB="45734">
-                    <a:lnL>
-                      <a:noFill/>
-                    </a:lnL>
-                    <a:lnR>
-                      <a:noFill/>
-                    </a:lnR>
-                    <a:lnT w="12700" cap="flat" cmpd="sng" algn="ctr">
-                      <a:solidFill>
-                        <a:schemeClr val="tx1"/>
-                      </a:solidFill>
-                      <a:prstDash val="solid"/>
-                      <a:round/>
-                      <a:headEnd type="none" w="med" len="med"/>
-                      <a:tailEnd type="none" w="med" len="med"/>
-                    </a:lnT>
-                    <a:lnB w="12700" cap="flat" cmpd="sng" algn="ctr">
-                      <a:solidFill>
-                        <a:schemeClr val="tx1"/>
-                      </a:solidFill>
-                      <a:prstDash val="solid"/>
-                      <a:round/>
-                      <a:headEnd type="none" w="med" len="med"/>
-                      <a:tailEnd type="none" w="med" len="med"/>
-                    </a:lnB>
-                    <a:lnTlToBr w="12700" cmpd="sng">
-                      <a:noFill/>
-                      <a:prstDash val="solid"/>
-                    </a:lnTlToBr>
-                    <a:lnBlToTr w="12700" cmpd="sng">
-                      <a:noFill/>
-                      <a:prstDash val="solid"/>
-                    </a:lnBlToTr>
-                    <a:noFill/>
-                  </a:tcPr>
-                </a:tc>
-                <a:tc>
-                  <a:txBody>
-                    <a:bodyPr/>
-                    <a:lstStyle/>
-                    <a:p>
-                      <a:pPr algn="ctr"/>
-                      <a:r>
-                        <a:rPr lang="en-US" sz="2800" dirty="0"/>
-                        <a:t>100</a:t>
-                      </a:r>
-                    </a:p>
-                  </a:txBody>
-                  <a:tcPr marL="91432" marR="91432" marT="45734" marB="45734">
-                    <a:lnL>
-                      <a:noFill/>
-                    </a:lnL>
-                    <a:lnR>
-                      <a:noFill/>
-                    </a:lnR>
-                    <a:lnT w="12700" cap="flat" cmpd="sng" algn="ctr">
-                      <a:solidFill>
-                        <a:schemeClr val="tx1"/>
-                      </a:solidFill>
-                      <a:prstDash val="solid"/>
-                      <a:round/>
-                      <a:headEnd type="none" w="med" len="med"/>
-                      <a:tailEnd type="none" w="med" len="med"/>
-                    </a:lnT>
-                    <a:lnB w="12700" cap="flat" cmpd="sng" algn="ctr">
-                      <a:solidFill>
-                        <a:schemeClr val="tx1"/>
-                      </a:solidFill>
-                      <a:prstDash val="solid"/>
-                      <a:round/>
-                      <a:headEnd type="none" w="med" len="med"/>
-                      <a:tailEnd type="none" w="med" len="med"/>
-                    </a:lnB>
-                    <a:lnTlToBr w="12700" cmpd="sng">
-                      <a:noFill/>
-                      <a:prstDash val="solid"/>
-                    </a:lnTlToBr>
-                    <a:lnBlToTr w="12700" cmpd="sng">
-                      <a:noFill/>
-                      <a:prstDash val="solid"/>
-                    </a:lnBlToTr>
-                    <a:noFill/>
-                  </a:tcPr>
-                </a:tc>
-                <a:tc>
-                  <a:txBody>
-                    <a:bodyPr/>
-                    <a:lstStyle/>
-                    <a:p>
-                      <a:pPr algn="ctr"/>
-                      <a:r>
-                        <a:rPr lang="en-US" sz="2800" dirty="0"/>
-                        <a:t>2.203e-11</a:t>
-                      </a:r>
-                    </a:p>
-                  </a:txBody>
-                  <a:tcPr marL="91432" marR="91432" marT="45734" marB="45734">
-                    <a:lnL>
-                      <a:noFill/>
-                    </a:lnL>
-                    <a:lnR>
-                      <a:noFill/>
-                    </a:lnR>
-                    <a:lnT w="12700" cap="flat" cmpd="sng" algn="ctr">
-                      <a:solidFill>
-                        <a:schemeClr val="tx1"/>
-                      </a:solidFill>
-                      <a:prstDash val="solid"/>
-                      <a:round/>
-                      <a:headEnd type="none" w="med" len="med"/>
-                      <a:tailEnd type="none" w="med" len="med"/>
-                    </a:lnT>
-                    <a:lnB w="12700" cap="flat" cmpd="sng" algn="ctr">
-                      <a:solidFill>
-                        <a:schemeClr val="tx1"/>
-                      </a:solidFill>
-                      <a:prstDash val="solid"/>
-                      <a:round/>
-                      <a:headEnd type="none" w="med" len="med"/>
-                      <a:tailEnd type="none" w="med" len="med"/>
-                    </a:lnB>
-                    <a:lnTlToBr w="12700" cmpd="sng">
-                      <a:noFill/>
-                      <a:prstDash val="solid"/>
-                    </a:lnTlToBr>
-                    <a:lnBlToTr w="12700" cmpd="sng">
-                      <a:noFill/>
-                      <a:prstDash val="solid"/>
-                    </a:lnBlToTr>
-                    <a:noFill/>
-                  </a:tcPr>
-                </a:tc>
-                <a:tc>
-                  <a:txBody>
-                    <a:bodyPr/>
-                    <a:lstStyle/>
-                    <a:p>
-                      <a:pPr algn="l"/>
-                      <a:r>
-                        <a:rPr lang="en-US" sz="2800" dirty="0"/>
-                        <a:t>Internal</a:t>
-                      </a:r>
-                      <a:r>
-                        <a:rPr lang="en-US" sz="2800" baseline="0" dirty="0"/>
-                        <a:t> element vi</a:t>
-                      </a:r>
-                      <a:r>
-                        <a:rPr lang="en-US" sz="2800" dirty="0"/>
-                        <a:t>scosity</a:t>
-                      </a:r>
-                    </a:p>
-                  </a:txBody>
-                  <a:tcPr marL="91432" marR="91432" marT="45734" marB="45734">
-                    <a:lnL>
-                      <a:noFill/>
-                    </a:lnL>
-                    <a:lnR>
-                      <a:noFill/>
-                    </a:lnR>
-                    <a:lnT w="12700" cap="flat" cmpd="sng" algn="ctr">
-                      <a:solidFill>
-                        <a:schemeClr val="tx1"/>
-                      </a:solidFill>
-                      <a:prstDash val="solid"/>
-                      <a:round/>
-                      <a:headEnd type="none" w="med" len="med"/>
-                      <a:tailEnd type="none" w="med" len="med"/>
-                    </a:lnT>
-                    <a:lnB w="12700" cap="flat" cmpd="sng" algn="ctr">
-                      <a:solidFill>
-                        <a:schemeClr val="tx1"/>
-                      </a:solidFill>
-                      <a:prstDash val="solid"/>
-                      <a:round/>
-                      <a:headEnd type="none" w="med" len="med"/>
-                      <a:tailEnd type="none" w="med" len="med"/>
-                    </a:lnB>
-                    <a:lnTlToBr w="12700" cmpd="sng">
-                      <a:noFill/>
-                      <a:prstDash val="solid"/>
-                    </a:lnTlToBr>
-                    <a:lnBlToTr w="12700" cmpd="sng">
-                      <a:noFill/>
-                      <a:prstDash val="solid"/>
-                    </a:lnBlToTr>
-                    <a:noFill/>
-                  </a:tcPr>
-                </a:tc>
-                <a:extLst>
-                  <a:ext uri="{0D108BD9-81ED-4DB2-BD59-A6C34878D82A}">
-                    <a16:rowId xmlns:a16="http://schemas.microsoft.com/office/drawing/2014/main" val="3643721828"/>
-                  </a:ext>
-                </a:extLst>
-              </a:tr>
-              <a:tr h="518319">
-                <a:tc>
-                  <a:txBody>
-                    <a:bodyPr/>
-                    <a:lstStyle/>
-                    <a:p>
-                      <a:pPr algn="r"/>
-                      <a:r>
-                        <a:rPr lang="en-US" sz="2800" b="0" i="1" kern="1200" dirty="0" err="1">
-                          <a:solidFill>
-                            <a:schemeClr val="tx1"/>
-                          </a:solidFill>
-                          <a:effectLst/>
-                          <a:latin typeface="+mn-lt"/>
-                          <a:ea typeface="+mn-ea"/>
-                          <a:cs typeface="+mn-cs"/>
-                        </a:rPr>
-                        <a:t>k</a:t>
-                      </a:r>
-                      <a:r>
-                        <a:rPr lang="en-US" sz="2800" b="0" kern="1200" baseline="-25000" dirty="0" err="1">
-                          <a:solidFill>
-                            <a:schemeClr val="tx1"/>
-                          </a:solidFill>
-                          <a:effectLst/>
-                          <a:latin typeface="+mn-lt"/>
-                          <a:ea typeface="+mn-ea"/>
-                          <a:cs typeface="+mn-cs"/>
-                        </a:rPr>
-                        <a:t>p</a:t>
-                      </a:r>
-                      <a:endParaRPr lang="en-US" sz="2800" dirty="0"/>
-                    </a:p>
-                  </a:txBody>
-                  <a:tcPr marL="91432" marR="91432" marT="45734" marB="45734">
-                    <a:lnL>
-                      <a:noFill/>
-                    </a:lnL>
-                    <a:lnR>
-                      <a:noFill/>
-                    </a:lnR>
-                    <a:lnT w="12700" cap="flat" cmpd="sng" algn="ctr">
-                      <a:solidFill>
-                        <a:schemeClr val="tx1"/>
-                      </a:solidFill>
-                      <a:prstDash val="solid"/>
-                      <a:round/>
-                      <a:headEnd type="none" w="med" len="med"/>
-                      <a:tailEnd type="none" w="med" len="med"/>
-                    </a:lnT>
-                    <a:lnB w="12700" cap="flat" cmpd="sng" algn="ctr">
-                      <a:solidFill>
-                        <a:schemeClr val="tx1"/>
-                      </a:solidFill>
-                      <a:prstDash val="solid"/>
-                      <a:round/>
-                      <a:headEnd type="none" w="med" len="med"/>
-                      <a:tailEnd type="none" w="med" len="med"/>
-                    </a:lnB>
-                    <a:lnTlToBr w="12700" cmpd="sng">
-                      <a:noFill/>
-                      <a:prstDash val="solid"/>
-                    </a:lnTlToBr>
-                    <a:lnBlToTr w="12700" cmpd="sng">
-                      <a:noFill/>
-                      <a:prstDash val="solid"/>
-                    </a:lnBlToTr>
-                    <a:noFill/>
-                  </a:tcPr>
-                </a:tc>
-                <a:tc>
-                  <a:txBody>
-                    <a:bodyPr/>
-                    <a:lstStyle/>
-                    <a:p>
-                      <a:pPr algn="ctr"/>
-                      <a:r>
-                        <a:rPr lang="en-US" sz="2800" dirty="0"/>
-                        <a:t>100</a:t>
-                      </a:r>
-                    </a:p>
-                  </a:txBody>
-                  <a:tcPr marL="91432" marR="91432" marT="45734" marB="45734">
-                    <a:lnL>
-                      <a:noFill/>
-                    </a:lnL>
-                    <a:lnR>
-                      <a:noFill/>
-                    </a:lnR>
-                    <a:lnT w="12700" cap="flat" cmpd="sng" algn="ctr">
-                      <a:solidFill>
-                        <a:schemeClr val="tx1"/>
-                      </a:solidFill>
-                      <a:prstDash val="solid"/>
-                      <a:round/>
-                      <a:headEnd type="none" w="med" len="med"/>
-                      <a:tailEnd type="none" w="med" len="med"/>
-                    </a:lnT>
-                    <a:lnB w="12700" cap="flat" cmpd="sng" algn="ctr">
-                      <a:solidFill>
-                        <a:schemeClr val="tx1"/>
-                      </a:solidFill>
-                      <a:prstDash val="solid"/>
-                      <a:round/>
-                      <a:headEnd type="none" w="med" len="med"/>
-                      <a:tailEnd type="none" w="med" len="med"/>
-                    </a:lnB>
-                    <a:lnTlToBr w="12700" cmpd="sng">
-                      <a:noFill/>
-                      <a:prstDash val="solid"/>
-                    </a:lnTlToBr>
-                    <a:lnBlToTr w="12700" cmpd="sng">
-                      <a:noFill/>
-                      <a:prstDash val="solid"/>
-                    </a:lnBlToTr>
-                    <a:noFill/>
-                  </a:tcPr>
-                </a:tc>
-                <a:tc>
-                  <a:txBody>
-                    <a:bodyPr/>
-                    <a:lstStyle/>
-                    <a:p>
-                      <a:pPr algn="ctr"/>
-                      <a:r>
-                        <a:rPr lang="en-US" sz="2800" dirty="0"/>
-                        <a:t>1.414e-5</a:t>
-                      </a:r>
-                    </a:p>
-                  </a:txBody>
-                  <a:tcPr marL="91432" marR="91432" marT="45734" marB="45734">
-                    <a:lnL>
-                      <a:noFill/>
-                    </a:lnL>
-                    <a:lnR>
-                      <a:noFill/>
-                    </a:lnR>
-                    <a:lnT w="12700" cap="flat" cmpd="sng" algn="ctr">
-                      <a:solidFill>
-                        <a:schemeClr val="tx1"/>
-                      </a:solidFill>
-                      <a:prstDash val="solid"/>
-                      <a:round/>
-                      <a:headEnd type="none" w="med" len="med"/>
-                      <a:tailEnd type="none" w="med" len="med"/>
-                    </a:lnT>
-                    <a:lnB w="12700" cap="flat" cmpd="sng" algn="ctr">
-                      <a:solidFill>
-                        <a:schemeClr val="tx1"/>
-                      </a:solidFill>
-                      <a:prstDash val="solid"/>
-                      <a:round/>
-                      <a:headEnd type="none" w="med" len="med"/>
-                      <a:tailEnd type="none" w="med" len="med"/>
-                    </a:lnB>
-                    <a:lnTlToBr w="12700" cmpd="sng">
-                      <a:noFill/>
-                      <a:prstDash val="solid"/>
-                    </a:lnTlToBr>
-                    <a:lnBlToTr w="12700" cmpd="sng">
-                      <a:noFill/>
-                      <a:prstDash val="solid"/>
-                    </a:lnBlToTr>
-                    <a:noFill/>
-                  </a:tcPr>
-                </a:tc>
-                <a:tc>
-                  <a:txBody>
-                    <a:bodyPr/>
-                    <a:lstStyle/>
-                    <a:p>
-                      <a:pPr algn="l"/>
-                      <a:r>
-                        <a:rPr lang="en-US" sz="2800" dirty="0"/>
-                        <a:t>Interior</a:t>
-                      </a:r>
-                      <a:r>
-                        <a:rPr lang="en-US" sz="2800" baseline="0" dirty="0"/>
-                        <a:t> p</a:t>
-                      </a:r>
-                      <a:r>
-                        <a:rPr lang="en-US" sz="2800" dirty="0"/>
-                        <a:t>ressure constant</a:t>
-                      </a:r>
-                    </a:p>
-                  </a:txBody>
-                  <a:tcPr marL="91432" marR="91432" marT="45734" marB="45734">
-                    <a:lnL>
-                      <a:noFill/>
-                    </a:lnL>
-                    <a:lnR>
-                      <a:noFill/>
-                    </a:lnR>
-                    <a:lnT w="12700" cap="flat" cmpd="sng" algn="ctr">
-                      <a:solidFill>
-                        <a:schemeClr val="tx1"/>
-                      </a:solidFill>
-                      <a:prstDash val="solid"/>
-                      <a:round/>
-                      <a:headEnd type="none" w="med" len="med"/>
-                      <a:tailEnd type="none" w="med" len="med"/>
-                    </a:lnT>
-                    <a:lnB w="12700" cap="flat" cmpd="sng" algn="ctr">
-                      <a:solidFill>
-                        <a:schemeClr val="tx1"/>
-                      </a:solidFill>
-                      <a:prstDash val="solid"/>
-                      <a:round/>
-                      <a:headEnd type="none" w="med" len="med"/>
-                      <a:tailEnd type="none" w="med" len="med"/>
-                    </a:lnB>
-                    <a:lnTlToBr w="12700" cmpd="sng">
-                      <a:noFill/>
-                      <a:prstDash val="solid"/>
-                    </a:lnTlToBr>
-                    <a:lnBlToTr w="12700" cmpd="sng">
-                      <a:noFill/>
-                      <a:prstDash val="solid"/>
-                    </a:lnBlToTr>
-                    <a:noFill/>
-                  </a:tcPr>
-                </a:tc>
-                <a:extLst>
-                  <a:ext uri="{0D108BD9-81ED-4DB2-BD59-A6C34878D82A}">
-                    <a16:rowId xmlns:a16="http://schemas.microsoft.com/office/drawing/2014/main" val="554044013"/>
-                  </a:ext>
-                </a:extLst>
-              </a:tr>
-              <a:tr h="518319">
-                <a:tc>
-                  <a:txBody>
-                    <a:bodyPr/>
-                    <a:lstStyle/>
-                    <a:p>
-                      <a:pPr algn="r"/>
-                      <a:r>
-                        <a:rPr lang="en-US" sz="2800" b="0" i="1" kern="1200" baseline="0" dirty="0">
-                          <a:solidFill>
-                            <a:schemeClr val="tx1"/>
-                          </a:solidFill>
-                          <a:effectLst/>
-                          <a:latin typeface="+mn-lt"/>
-                          <a:ea typeface="+mn-ea"/>
-                          <a:cs typeface="+mn-cs"/>
-                        </a:rPr>
-                        <a:t>k</a:t>
-                      </a:r>
-                      <a:r>
-                        <a:rPr lang="en-US" sz="2800" b="0" i="0" kern="1200" baseline="-25000" dirty="0">
-                          <a:solidFill>
-                            <a:schemeClr val="tx1"/>
-                          </a:solidFill>
-                          <a:effectLst/>
-                          <a:latin typeface="+mn-lt"/>
-                          <a:ea typeface="+mn-ea"/>
-                          <a:cs typeface="+mn-cs"/>
-                        </a:rPr>
-                        <a:t>b</a:t>
-                      </a:r>
-                      <a:endParaRPr lang="en-US" sz="2800" dirty="0"/>
-                    </a:p>
-                  </a:txBody>
-                  <a:tcPr marL="91432" marR="91432" marT="45734" marB="45734">
-                    <a:lnL>
-                      <a:noFill/>
-                    </a:lnL>
-                    <a:lnR>
-                      <a:noFill/>
-                    </a:lnR>
-                    <a:lnT w="12700" cap="flat" cmpd="sng" algn="ctr">
-                      <a:solidFill>
-                        <a:schemeClr val="tx1"/>
-                      </a:solidFill>
-                      <a:prstDash val="solid"/>
-                      <a:round/>
-                      <a:headEnd type="none" w="med" len="med"/>
-                      <a:tailEnd type="none" w="med" len="med"/>
-                    </a:lnT>
-                    <a:lnB w="12700" cap="flat" cmpd="sng" algn="ctr">
-                      <a:solidFill>
-                        <a:schemeClr val="tx1"/>
-                      </a:solidFill>
-                      <a:prstDash val="solid"/>
-                      <a:round/>
-                      <a:headEnd type="none" w="med" len="med"/>
-                      <a:tailEnd type="none" w="med" len="med"/>
-                    </a:lnB>
-                    <a:lnTlToBr w="12700" cmpd="sng">
-                      <a:noFill/>
-                      <a:prstDash val="solid"/>
-                    </a:lnTlToBr>
-                    <a:lnBlToTr w="12700" cmpd="sng">
-                      <a:noFill/>
-                      <a:prstDash val="solid"/>
-                    </a:lnBlToTr>
-                    <a:noFill/>
-                  </a:tcPr>
-                </a:tc>
-                <a:tc>
-                  <a:txBody>
-                    <a:bodyPr/>
-                    <a:lstStyle/>
-                    <a:p>
-                      <a:pPr algn="ctr"/>
-                      <a:r>
-                        <a:rPr lang="en-US" sz="2800" dirty="0"/>
-                        <a:t>90</a:t>
-                      </a:r>
-                    </a:p>
-                  </a:txBody>
-                  <a:tcPr marL="91432" marR="91432" marT="45734" marB="45734">
-                    <a:lnL>
-                      <a:noFill/>
-                    </a:lnL>
-                    <a:lnR>
-                      <a:noFill/>
-                    </a:lnR>
-                    <a:lnT w="12700" cap="flat" cmpd="sng" algn="ctr">
-                      <a:solidFill>
-                        <a:schemeClr val="tx1"/>
-                      </a:solidFill>
-                      <a:prstDash val="solid"/>
-                      <a:round/>
-                      <a:headEnd type="none" w="med" len="med"/>
-                      <a:tailEnd type="none" w="med" len="med"/>
-                    </a:lnT>
-                    <a:lnB w="12700" cap="flat" cmpd="sng" algn="ctr">
-                      <a:solidFill>
-                        <a:schemeClr val="tx1"/>
-                      </a:solidFill>
-                      <a:prstDash val="solid"/>
-                      <a:round/>
-                      <a:headEnd type="none" w="med" len="med"/>
-                      <a:tailEnd type="none" w="med" len="med"/>
-                    </a:lnB>
-                    <a:lnTlToBr w="12700" cmpd="sng">
-                      <a:noFill/>
-                      <a:prstDash val="solid"/>
-                    </a:lnTlToBr>
-                    <a:lnBlToTr w="12700" cmpd="sng">
-                      <a:noFill/>
-                      <a:prstDash val="solid"/>
-                    </a:lnBlToTr>
-                    <a:noFill/>
-                  </a:tcPr>
-                </a:tc>
-                <a:tc>
-                  <a:txBody>
-                    <a:bodyPr/>
-                    <a:lstStyle/>
-                    <a:p>
-                      <a:pPr algn="ctr"/>
-                      <a:r>
-                        <a:rPr lang="en-US" sz="2800" dirty="0"/>
-                        <a:t>4.766e-11</a:t>
-                      </a:r>
-                    </a:p>
-                  </a:txBody>
-                  <a:tcPr marL="91432" marR="91432" marT="45734" marB="45734">
-                    <a:lnL>
-                      <a:noFill/>
-                    </a:lnL>
-                    <a:lnR>
-                      <a:noFill/>
-                    </a:lnR>
-                    <a:lnT w="12700" cap="flat" cmpd="sng" algn="ctr">
-                      <a:solidFill>
-                        <a:schemeClr val="tx1"/>
-                      </a:solidFill>
-                      <a:prstDash val="solid"/>
-                      <a:round/>
-                      <a:headEnd type="none" w="med" len="med"/>
-                      <a:tailEnd type="none" w="med" len="med"/>
-                    </a:lnT>
-                    <a:lnB w="12700" cap="flat" cmpd="sng" algn="ctr">
-                      <a:solidFill>
-                        <a:schemeClr val="tx1"/>
-                      </a:solidFill>
-                      <a:prstDash val="solid"/>
-                      <a:round/>
-                      <a:headEnd type="none" w="med" len="med"/>
-                      <a:tailEnd type="none" w="med" len="med"/>
-                    </a:lnB>
-                    <a:lnTlToBr w="12700" cmpd="sng">
-                      <a:noFill/>
-                      <a:prstDash val="solid"/>
-                    </a:lnTlToBr>
-                    <a:lnBlToTr w="12700" cmpd="sng">
-                      <a:noFill/>
-                      <a:prstDash val="solid"/>
-                    </a:lnBlToTr>
-                    <a:noFill/>
-                  </a:tcPr>
-                </a:tc>
-                <a:tc>
-                  <a:txBody>
-                    <a:bodyPr/>
-                    <a:lstStyle/>
-                    <a:p>
-                      <a:pPr algn="l"/>
-                      <a:r>
-                        <a:rPr lang="en-US" sz="2800" dirty="0"/>
-                        <a:t>Bending modulus</a:t>
-                      </a:r>
-                    </a:p>
-                  </a:txBody>
-                  <a:tcPr marL="91432" marR="91432" marT="45734" marB="45734">
-                    <a:lnL>
-                      <a:noFill/>
-                    </a:lnL>
-                    <a:lnR>
-                      <a:noFill/>
-                    </a:lnR>
-                    <a:lnT w="12700" cap="flat" cmpd="sng" algn="ctr">
-                      <a:solidFill>
-                        <a:schemeClr val="tx1"/>
-                      </a:solidFill>
-                      <a:prstDash val="solid"/>
-                      <a:round/>
-                      <a:headEnd type="none" w="med" len="med"/>
-                      <a:tailEnd type="none" w="med" len="med"/>
-                    </a:lnT>
-                    <a:lnB w="12700" cap="flat" cmpd="sng" algn="ctr">
-                      <a:solidFill>
-                        <a:schemeClr val="tx1"/>
-                      </a:solidFill>
-                      <a:prstDash val="solid"/>
-                      <a:round/>
-                      <a:headEnd type="none" w="med" len="med"/>
-                      <a:tailEnd type="none" w="med" len="med"/>
-                    </a:lnB>
-                    <a:lnTlToBr w="12700" cmpd="sng">
-                      <a:noFill/>
-                      <a:prstDash val="solid"/>
-                    </a:lnTlToBr>
-                    <a:lnBlToTr w="12700" cmpd="sng">
-                      <a:noFill/>
-                      <a:prstDash val="solid"/>
-                    </a:lnBlToTr>
-                    <a:noFill/>
-                  </a:tcPr>
-                </a:tc>
-                <a:extLst>
-                  <a:ext uri="{0D108BD9-81ED-4DB2-BD59-A6C34878D82A}">
-                    <a16:rowId xmlns:a16="http://schemas.microsoft.com/office/drawing/2014/main" val="1422862115"/>
-                  </a:ext>
-                </a:extLst>
-              </a:tr>
-              <a:tr h="518319">
-                <a:tc>
-                  <a:txBody>
-                    <a:bodyPr/>
-                    <a:lstStyle/>
-                    <a:p>
-                      <a:pPr algn="r"/>
-                      <a:r>
-                        <a:rPr lang="en-US" sz="2800" b="0" i="1" kern="1200" dirty="0" err="1">
-                          <a:solidFill>
-                            <a:schemeClr val="tx1"/>
-                          </a:solidFill>
-                          <a:effectLst/>
-                          <a:latin typeface="+mn-lt"/>
-                          <a:ea typeface="+mn-ea"/>
-                          <a:cs typeface="+mn-cs"/>
-                        </a:rPr>
-                        <a:t>k</a:t>
-                      </a:r>
-                      <a:r>
-                        <a:rPr lang="en-US" sz="2800" b="0" i="0" kern="1200" baseline="-25000" dirty="0" err="1">
-                          <a:solidFill>
-                            <a:schemeClr val="tx1"/>
-                          </a:solidFill>
-                          <a:effectLst/>
-                          <a:latin typeface="+mn-lt"/>
-                          <a:ea typeface="+mn-ea"/>
-                          <a:cs typeface="+mn-cs"/>
-                        </a:rPr>
-                        <a:t>t,ext</a:t>
-                      </a:r>
-                      <a:endParaRPr lang="en-US" sz="2800" dirty="0"/>
-                    </a:p>
-                  </a:txBody>
-                  <a:tcPr marL="91432" marR="91432" marT="45734" marB="45734">
-                    <a:lnL>
-                      <a:noFill/>
-                    </a:lnL>
-                    <a:lnR>
-                      <a:noFill/>
-                    </a:lnR>
-                    <a:lnT w="12700" cap="flat" cmpd="sng" algn="ctr">
-                      <a:solidFill>
-                        <a:schemeClr val="tx1"/>
-                      </a:solidFill>
-                      <a:prstDash val="solid"/>
-                      <a:round/>
-                      <a:headEnd type="none" w="med" len="med"/>
-                      <a:tailEnd type="none" w="med" len="med"/>
-                    </a:lnT>
-                    <a:lnB w="12700" cap="flat" cmpd="sng" algn="ctr">
-                      <a:solidFill>
-                        <a:schemeClr val="tx1"/>
-                      </a:solidFill>
-                      <a:prstDash val="solid"/>
-                      <a:round/>
-                      <a:headEnd type="none" w="med" len="med"/>
-                      <a:tailEnd type="none" w="med" len="med"/>
-                    </a:lnB>
-                    <a:lnTlToBr w="12700" cmpd="sng">
-                      <a:noFill/>
-                      <a:prstDash val="solid"/>
-                    </a:lnTlToBr>
-                    <a:lnBlToTr w="12700" cmpd="sng">
-                      <a:noFill/>
-                      <a:prstDash val="solid"/>
-                    </a:lnBlToTr>
-                    <a:noFill/>
-                  </a:tcPr>
-                </a:tc>
-                <a:tc>
-                  <a:txBody>
-                    <a:bodyPr/>
-                    <a:lstStyle/>
-                    <a:p>
-                      <a:pPr algn="ctr"/>
-                      <a:r>
-                        <a:rPr lang="en-US" sz="2800" dirty="0"/>
-                        <a:t>1200</a:t>
-                      </a:r>
-                    </a:p>
-                  </a:txBody>
-                  <a:tcPr marL="91432" marR="91432" marT="45734" marB="45734">
-                    <a:lnL>
-                      <a:noFill/>
-                    </a:lnL>
-                    <a:lnR>
-                      <a:noFill/>
-                    </a:lnR>
-                    <a:lnT w="12700" cap="flat" cmpd="sng" algn="ctr">
-                      <a:solidFill>
-                        <a:schemeClr val="tx1"/>
-                      </a:solidFill>
-                      <a:prstDash val="solid"/>
-                      <a:round/>
-                      <a:headEnd type="none" w="med" len="med"/>
-                      <a:tailEnd type="none" w="med" len="med"/>
-                    </a:lnT>
-                    <a:lnB w="12700" cap="flat" cmpd="sng" algn="ctr">
-                      <a:solidFill>
-                        <a:schemeClr val="tx1"/>
-                      </a:solidFill>
-                      <a:prstDash val="solid"/>
-                      <a:round/>
-                      <a:headEnd type="none" w="med" len="med"/>
-                      <a:tailEnd type="none" w="med" len="med"/>
-                    </a:lnB>
-                    <a:lnTlToBr w="12700" cmpd="sng">
-                      <a:noFill/>
-                      <a:prstDash val="solid"/>
-                    </a:lnTlToBr>
-                    <a:lnBlToTr w="12700" cmpd="sng">
-                      <a:noFill/>
-                      <a:prstDash val="solid"/>
-                    </a:lnBlToTr>
-                    <a:noFill/>
-                  </a:tcPr>
-                </a:tc>
-                <a:tc>
-                  <a:txBody>
-                    <a:bodyPr/>
-                    <a:lstStyle/>
-                    <a:p>
-                      <a:pPr algn="ctr"/>
-                      <a:r>
-                        <a:rPr lang="en-US" sz="2800" dirty="0"/>
-                        <a:t>2.014e-5</a:t>
-                      </a:r>
-                    </a:p>
-                  </a:txBody>
-                  <a:tcPr marL="91432" marR="91432" marT="45734" marB="45734">
-                    <a:lnL>
-                      <a:noFill/>
-                    </a:lnL>
-                    <a:lnR>
-                      <a:noFill/>
-                    </a:lnR>
-                    <a:lnT w="12700" cap="flat" cmpd="sng" algn="ctr">
-                      <a:solidFill>
-                        <a:schemeClr val="tx1"/>
-                      </a:solidFill>
-                      <a:prstDash val="solid"/>
-                      <a:round/>
-                      <a:headEnd type="none" w="med" len="med"/>
-                      <a:tailEnd type="none" w="med" len="med"/>
-                    </a:lnT>
-                    <a:lnB w="12700" cap="flat" cmpd="sng" algn="ctr">
-                      <a:solidFill>
-                        <a:schemeClr val="tx1"/>
-                      </a:solidFill>
-                      <a:prstDash val="solid"/>
-                      <a:round/>
-                      <a:headEnd type="none" w="med" len="med"/>
-                      <a:tailEnd type="none" w="med" len="med"/>
-                    </a:lnB>
-                    <a:lnTlToBr w="12700" cmpd="sng">
-                      <a:noFill/>
-                      <a:prstDash val="solid"/>
-                    </a:lnTlToBr>
-                    <a:lnBlToTr w="12700" cmpd="sng">
-                      <a:noFill/>
-                      <a:prstDash val="solid"/>
-                    </a:lnBlToTr>
-                    <a:noFill/>
-                  </a:tcPr>
-                </a:tc>
-                <a:tc>
-                  <a:txBody>
-                    <a:bodyPr/>
-                    <a:lstStyle/>
-                    <a:p>
-                      <a:pPr algn="l"/>
-                      <a:r>
-                        <a:rPr lang="en-US" sz="2800" dirty="0"/>
-                        <a:t>External element elasticity</a:t>
-                      </a:r>
-                    </a:p>
-                  </a:txBody>
-                  <a:tcPr marL="91432" marR="91432" marT="45734" marB="45734">
-                    <a:lnL>
-                      <a:noFill/>
-                    </a:lnL>
-                    <a:lnR>
-                      <a:noFill/>
-                    </a:lnR>
-                    <a:lnT w="12700" cap="flat" cmpd="sng" algn="ctr">
-                      <a:solidFill>
-                        <a:schemeClr val="tx1"/>
-                      </a:solidFill>
-                      <a:prstDash val="solid"/>
-                      <a:round/>
-                      <a:headEnd type="none" w="med" len="med"/>
-                      <a:tailEnd type="none" w="med" len="med"/>
-                    </a:lnT>
-                    <a:lnB w="12700" cap="flat" cmpd="sng" algn="ctr">
-                      <a:solidFill>
-                        <a:schemeClr val="tx1"/>
-                      </a:solidFill>
-                      <a:prstDash val="solid"/>
-                      <a:round/>
-                      <a:headEnd type="none" w="med" len="med"/>
-                      <a:tailEnd type="none" w="med" len="med"/>
-                    </a:lnB>
-                    <a:lnTlToBr w="12700" cmpd="sng">
-                      <a:noFill/>
-                      <a:prstDash val="solid"/>
-                    </a:lnTlToBr>
-                    <a:lnBlToTr w="12700" cmpd="sng">
-                      <a:noFill/>
-                      <a:prstDash val="solid"/>
-                    </a:lnBlToTr>
-                    <a:noFill/>
-                  </a:tcPr>
-                </a:tc>
-                <a:extLst>
-                  <a:ext uri="{0D108BD9-81ED-4DB2-BD59-A6C34878D82A}">
-                    <a16:rowId xmlns:a16="http://schemas.microsoft.com/office/drawing/2014/main" val="2605253432"/>
-                  </a:ext>
-                </a:extLst>
-              </a:tr>
-              <a:tr h="518319">
-                <a:tc>
-                  <a:txBody>
-                    <a:bodyPr/>
-                    <a:lstStyle/>
-                    <a:p>
-                      <a:pPr algn="r"/>
-                      <a:r>
-                        <a:rPr lang="en-US" sz="2800" b="0" i="1" kern="1200" dirty="0" err="1">
-                          <a:solidFill>
-                            <a:schemeClr val="tx1"/>
-                          </a:solidFill>
-                          <a:effectLst/>
-                          <a:latin typeface="+mn-lt"/>
-                          <a:ea typeface="+mn-ea"/>
-                          <a:cs typeface="+mn-cs"/>
-                        </a:rPr>
-                        <a:t>k</a:t>
-                      </a:r>
-                      <a:r>
-                        <a:rPr lang="en-US" sz="2800" b="0" i="0" kern="1200" baseline="-25000" dirty="0" err="1">
-                          <a:solidFill>
-                            <a:schemeClr val="tx1"/>
-                          </a:solidFill>
-                          <a:effectLst/>
-                          <a:latin typeface="+mn-lt"/>
-                          <a:ea typeface="+mn-ea"/>
-                          <a:cs typeface="+mn-cs"/>
-                        </a:rPr>
-                        <a:t>t,int</a:t>
-                      </a:r>
-                      <a:endParaRPr lang="en-US" sz="2800" dirty="0"/>
-                    </a:p>
-                  </a:txBody>
-                  <a:tcPr marL="91432" marR="91432" marT="45734" marB="45734">
-                    <a:lnL>
-                      <a:noFill/>
-                    </a:lnL>
-                    <a:lnR>
-                      <a:noFill/>
-                    </a:lnR>
-                    <a:lnT w="12700" cap="flat" cmpd="sng" algn="ctr">
-                      <a:solidFill>
-                        <a:schemeClr val="tx1"/>
-                      </a:solidFill>
-                      <a:prstDash val="solid"/>
-                      <a:round/>
-                      <a:headEnd type="none" w="med" len="med"/>
-                      <a:tailEnd type="none" w="med" len="med"/>
-                    </a:lnT>
-                    <a:lnB w="28575" cap="flat" cmpd="sng" algn="ctr">
-                      <a:solidFill>
-                        <a:schemeClr val="tx1"/>
-                      </a:solidFill>
-                      <a:prstDash val="solid"/>
-                      <a:round/>
-                      <a:headEnd type="none" w="med" len="med"/>
-                      <a:tailEnd type="none" w="med" len="med"/>
-                    </a:lnB>
-                    <a:lnTlToBr w="12700" cmpd="sng">
-                      <a:noFill/>
-                      <a:prstDash val="solid"/>
-                    </a:lnTlToBr>
-                    <a:lnBlToTr w="12700" cmpd="sng">
-                      <a:noFill/>
-                      <a:prstDash val="solid"/>
-                    </a:lnBlToTr>
-                    <a:noFill/>
-                  </a:tcPr>
-                </a:tc>
-                <a:tc>
-                  <a:txBody>
-                    <a:bodyPr/>
-                    <a:lstStyle/>
-                    <a:p>
-                      <a:pPr algn="ctr"/>
-                      <a:r>
-                        <a:rPr lang="en-US" sz="2800" dirty="0"/>
-                        <a:t>1200</a:t>
-                      </a:r>
-                    </a:p>
-                  </a:txBody>
-                  <a:tcPr marL="91432" marR="91432" marT="45734" marB="45734">
-                    <a:lnL>
-                      <a:noFill/>
-                    </a:lnL>
-                    <a:lnR>
-                      <a:noFill/>
-                    </a:lnR>
-                    <a:lnT w="12700" cap="flat" cmpd="sng" algn="ctr">
-                      <a:solidFill>
-                        <a:schemeClr val="tx1"/>
-                      </a:solidFill>
-                      <a:prstDash val="solid"/>
-                      <a:round/>
-                      <a:headEnd type="none" w="med" len="med"/>
-                      <a:tailEnd type="none" w="med" len="med"/>
-                    </a:lnT>
-                    <a:lnB w="28575" cap="flat" cmpd="sng" algn="ctr">
-                      <a:solidFill>
-                        <a:schemeClr val="tx1"/>
-                      </a:solidFill>
-                      <a:prstDash val="solid"/>
-                      <a:round/>
-                      <a:headEnd type="none" w="med" len="med"/>
-                      <a:tailEnd type="none" w="med" len="med"/>
-                    </a:lnB>
-                    <a:lnTlToBr w="12700" cmpd="sng">
-                      <a:noFill/>
-                      <a:prstDash val="solid"/>
-                    </a:lnTlToBr>
-                    <a:lnBlToTr w="12700" cmpd="sng">
-                      <a:noFill/>
-                      <a:prstDash val="solid"/>
-                    </a:lnBlToTr>
-                    <a:noFill/>
-                  </a:tcPr>
-                </a:tc>
-                <a:tc>
-                  <a:txBody>
-                    <a:bodyPr/>
-                    <a:lstStyle/>
-                    <a:p>
-                      <a:pPr algn="ctr"/>
-                      <a:r>
-                        <a:rPr lang="en-US" sz="2800" dirty="0"/>
-                        <a:t>-3.414e-5</a:t>
-                      </a:r>
-                    </a:p>
-                  </a:txBody>
-                  <a:tcPr marL="91432" marR="91432" marT="45734" marB="45734">
-                    <a:lnL>
-                      <a:noFill/>
-                    </a:lnL>
-                    <a:lnR>
-                      <a:noFill/>
-                    </a:lnR>
-                    <a:lnT w="12700" cap="flat" cmpd="sng" algn="ctr">
-                      <a:solidFill>
-                        <a:schemeClr val="tx1"/>
-                      </a:solidFill>
-                      <a:prstDash val="solid"/>
-                      <a:round/>
-                      <a:headEnd type="none" w="med" len="med"/>
-                      <a:tailEnd type="none" w="med" len="med"/>
-                    </a:lnT>
-                    <a:lnB w="28575" cap="flat" cmpd="sng" algn="ctr">
-                      <a:solidFill>
-                        <a:schemeClr val="tx1"/>
-                      </a:solidFill>
-                      <a:prstDash val="solid"/>
-                      <a:round/>
-                      <a:headEnd type="none" w="med" len="med"/>
-                      <a:tailEnd type="none" w="med" len="med"/>
-                    </a:lnB>
-                    <a:lnTlToBr w="12700" cmpd="sng">
-                      <a:noFill/>
-                      <a:prstDash val="solid"/>
-                    </a:lnTlToBr>
-                    <a:lnBlToTr w="12700" cmpd="sng">
-                      <a:noFill/>
-                      <a:prstDash val="solid"/>
-                    </a:lnBlToTr>
-                    <a:noFill/>
-                  </a:tcPr>
-                </a:tc>
-                <a:tc>
-                  <a:txBody>
-                    <a:bodyPr/>
-                    <a:lstStyle/>
-                    <a:p>
-                      <a:pPr algn="l"/>
-                      <a:r>
-                        <a:rPr lang="en-US" sz="2800" dirty="0"/>
-                        <a:t>Internal</a:t>
-                      </a:r>
-                      <a:r>
-                        <a:rPr lang="en-US" sz="2800" baseline="0" dirty="0"/>
-                        <a:t> element e</a:t>
-                      </a:r>
-                      <a:r>
-                        <a:rPr lang="en-US" sz="2800" dirty="0"/>
-                        <a:t>lastic</a:t>
-                      </a:r>
-                      <a:r>
-                        <a:rPr lang="en-US" sz="2800" baseline="0" dirty="0"/>
-                        <a:t>ity</a:t>
-                      </a:r>
-                      <a:endParaRPr lang="en-US" sz="2800" dirty="0"/>
-                    </a:p>
-                  </a:txBody>
-                  <a:tcPr marL="91432" marR="91432" marT="45734" marB="45734">
-                    <a:lnL>
-                      <a:noFill/>
-                    </a:lnL>
-                    <a:lnR>
-                      <a:noFill/>
-                    </a:lnR>
-                    <a:lnT w="12700" cap="flat" cmpd="sng" algn="ctr">
-                      <a:solidFill>
-                        <a:schemeClr val="tx1"/>
-                      </a:solidFill>
-                      <a:prstDash val="solid"/>
-                      <a:round/>
-                      <a:headEnd type="none" w="med" len="med"/>
-                      <a:tailEnd type="none" w="med" len="med"/>
-                    </a:lnT>
-                    <a:lnB w="28575" cap="flat" cmpd="sng" algn="ctr">
-                      <a:solidFill>
-                        <a:schemeClr val="tx1"/>
-                      </a:solidFill>
-                      <a:prstDash val="solid"/>
-                      <a:round/>
-                      <a:headEnd type="none" w="med" len="med"/>
-                      <a:tailEnd type="none" w="med" len="med"/>
-                    </a:lnB>
-                    <a:lnTlToBr w="12700" cmpd="sng">
-                      <a:noFill/>
-                      <a:prstDash val="solid"/>
-                    </a:lnTlToBr>
-                    <a:lnBlToTr w="12700" cmpd="sng">
-                      <a:noFill/>
-                      <a:prstDash val="solid"/>
-                    </a:lnBlToTr>
-                    <a:noFill/>
-                  </a:tcPr>
-                </a:tc>
-                <a:extLst>
-                  <a:ext uri="{0D108BD9-81ED-4DB2-BD59-A6C34878D82A}">
-                    <a16:rowId xmlns:a16="http://schemas.microsoft.com/office/drawing/2014/main" val="1619114423"/>
-                  </a:ext>
-                </a:extLst>
-              </a:tr>
-            </a:tbl>
-          </a:graphicData>
-        </a:graphic>
-      </p:graphicFrame>
-      <p:sp>
-        <p:nvSpPr>
-          <p:cNvPr id="27" name="Text Box 162">
-            <a:extLst>
-              <a:ext uri="{FF2B5EF4-FFF2-40B4-BE49-F238E27FC236}">
-                <a16:creationId xmlns:a16="http://schemas.microsoft.com/office/drawing/2014/main" id="{0DB11BF1-6622-41C9-8B6B-70EAE02B639A}"/>
-              </a:ext>
-            </a:extLst>
-          </p:cNvPr>
-          <p:cNvSpPr txBox="1">
-            <a:spLocks noChangeArrowheads="1"/>
-          </p:cNvSpPr>
-          <p:nvPr/>
-        </p:nvSpPr>
-        <p:spPr bwMode="auto">
-          <a:xfrm>
-            <a:off x="1109663" y="19526250"/>
-            <a:ext cx="20150137" cy="850530"/>
-          </a:xfrm>
-          <a:prstGeom prst="rect">
-            <a:avLst/>
-          </a:prstGeom>
-          <a:solidFill>
-            <a:srgbClr val="AF0538"/>
-          </a:solidFill>
-          <a:ln>
-            <a:noFill/>
-          </a:ln>
-          <a:extLst>
-            <a:ext uri="{91240B29-F687-4F45-9708-019B960494DF}">
-              <a14:hiddenLine xmlns:a14="http://schemas.microsoft.com/office/drawing/2010/main" w="9525">
-                <a:solidFill>
-                  <a:srgbClr val="000000"/>
-                </a:solidFill>
-                <a:miter lim="800000"/>
-                <a:headEnd/>
-                <a:tailEnd/>
-              </a14:hiddenLine>
-            </a:ext>
-          </a:extLst>
-        </p:spPr>
-        <p:txBody>
-          <a:bodyPr lIns="126025" tIns="63012" rIns="126025" bIns="63012">
-            <a:spAutoFit/>
-          </a:bodyPr>
-          <a:lstStyle>
-            <a:lvl1pPr>
-              <a:spcBef>
-                <a:spcPct val="20000"/>
-              </a:spcBef>
-              <a:buChar char="•"/>
-              <a:defRPr sz="18200">
-                <a:solidFill>
-                  <a:schemeClr val="tx1"/>
-                </a:solidFill>
-                <a:latin typeface="Times New Roman" panose="02020603050405020304" pitchFamily="18" charset="0"/>
-              </a:defRPr>
-            </a:lvl1pPr>
-            <a:lvl2pPr marL="4211638" indent="-1617663">
-              <a:spcBef>
-                <a:spcPct val="20000"/>
-              </a:spcBef>
-              <a:buChar char="–"/>
-              <a:defRPr sz="15900">
-                <a:solidFill>
-                  <a:schemeClr val="tx1"/>
-                </a:solidFill>
-                <a:latin typeface="Times New Roman" panose="02020603050405020304" pitchFamily="18" charset="0"/>
-              </a:defRPr>
-            </a:lvl2pPr>
-            <a:lvl3pPr marL="6480175" indent="-1293813">
-              <a:spcBef>
-                <a:spcPct val="20000"/>
-              </a:spcBef>
-              <a:buChar char="•"/>
-              <a:defRPr sz="13600">
-                <a:solidFill>
-                  <a:schemeClr val="tx1"/>
-                </a:solidFill>
-                <a:latin typeface="Times New Roman" panose="02020603050405020304" pitchFamily="18" charset="0"/>
-              </a:defRPr>
-            </a:lvl3pPr>
-            <a:lvl4pPr marL="9072563" indent="-1293813">
-              <a:spcBef>
-                <a:spcPct val="20000"/>
-              </a:spcBef>
-              <a:buChar char="–"/>
-              <a:defRPr sz="11300">
-                <a:solidFill>
-                  <a:schemeClr val="tx1"/>
-                </a:solidFill>
-                <a:latin typeface="Times New Roman" panose="02020603050405020304" pitchFamily="18" charset="0"/>
-              </a:defRPr>
-            </a:lvl4pPr>
-            <a:lvl5pPr marL="11666538" indent="-1293813">
-              <a:spcBef>
-                <a:spcPct val="20000"/>
-              </a:spcBef>
-              <a:buChar char="»"/>
-              <a:defRPr sz="11300">
-                <a:solidFill>
-                  <a:schemeClr val="tx1"/>
-                </a:solidFill>
-                <a:latin typeface="Times New Roman" panose="02020603050405020304" pitchFamily="18" charset="0"/>
-              </a:defRPr>
-            </a:lvl5pPr>
-            <a:lvl6pPr marL="12123738" indent="-1293813" eaLnBrk="0" fontAlgn="base" hangingPunct="0">
-              <a:spcBef>
-                <a:spcPct val="20000"/>
-              </a:spcBef>
-              <a:spcAft>
-                <a:spcPct val="0"/>
-              </a:spcAft>
-              <a:buChar char="»"/>
-              <a:defRPr sz="11300">
-                <a:solidFill>
-                  <a:schemeClr val="tx1"/>
-                </a:solidFill>
-                <a:latin typeface="Times New Roman" panose="02020603050405020304" pitchFamily="18" charset="0"/>
-              </a:defRPr>
-            </a:lvl6pPr>
-            <a:lvl7pPr marL="12580938" indent="-1293813" eaLnBrk="0" fontAlgn="base" hangingPunct="0">
-              <a:spcBef>
-                <a:spcPct val="20000"/>
-              </a:spcBef>
-              <a:spcAft>
-                <a:spcPct val="0"/>
-              </a:spcAft>
-              <a:buChar char="»"/>
-              <a:defRPr sz="11300">
-                <a:solidFill>
-                  <a:schemeClr val="tx1"/>
-                </a:solidFill>
-                <a:latin typeface="Times New Roman" panose="02020603050405020304" pitchFamily="18" charset="0"/>
-              </a:defRPr>
-            </a:lvl7pPr>
-            <a:lvl8pPr marL="13038138" indent="-1293813" eaLnBrk="0" fontAlgn="base" hangingPunct="0">
-              <a:spcBef>
-                <a:spcPct val="20000"/>
-              </a:spcBef>
-              <a:spcAft>
-                <a:spcPct val="0"/>
-              </a:spcAft>
-              <a:buChar char="»"/>
-              <a:defRPr sz="11300">
-                <a:solidFill>
-                  <a:schemeClr val="tx1"/>
-                </a:solidFill>
-                <a:latin typeface="Times New Roman" panose="02020603050405020304" pitchFamily="18" charset="0"/>
-              </a:defRPr>
-            </a:lvl8pPr>
-            <a:lvl9pPr marL="13495338" indent="-1293813" eaLnBrk="0" fontAlgn="base" hangingPunct="0">
-              <a:spcBef>
-                <a:spcPct val="20000"/>
-              </a:spcBef>
-              <a:spcAft>
-                <a:spcPct val="0"/>
-              </a:spcAft>
-              <a:buChar char="»"/>
-              <a:defRPr sz="11300">
-                <a:solidFill>
-                  <a:schemeClr val="tx1"/>
-                </a:solidFill>
-                <a:latin typeface="Times New Roman" panose="02020603050405020304" pitchFamily="18" charset="0"/>
-              </a:defRPr>
-            </a:lvl9pPr>
-          </a:lstStyle>
-          <a:p>
-            <a:pPr algn="ctr" eaLnBrk="1" hangingPunct="1">
-              <a:spcBef>
-                <a:spcPct val="0"/>
-              </a:spcBef>
-              <a:buFontTx/>
-              <a:buNone/>
-            </a:pPr>
-            <a:r>
-              <a:rPr lang="en-US" sz="4700" b="1" dirty="0">
-                <a:solidFill>
-                  <a:schemeClr val="bg1"/>
-                </a:solidFill>
-                <a:latin typeface="Arial" panose="020B0604020202020204" pitchFamily="34" charset="0"/>
-              </a:rPr>
-              <a:t>Developing a Heterogeneous Model of the Arteries in the Retina</a:t>
-            </a:r>
-            <a:endParaRPr lang="en-US" altLang="en-US" sz="4700" b="1" dirty="0">
-              <a:solidFill>
-                <a:schemeClr val="bg1"/>
-              </a:solidFill>
-              <a:latin typeface="Arial" panose="020B0604020202020204" pitchFamily="34" charset="0"/>
-            </a:endParaRPr>
-          </a:p>
-        </p:txBody>
-      </p:sp>
-      <p:sp>
-        <p:nvSpPr>
           <p:cNvPr id="28" name="Rectangle 185">
             <a:extLst>
               <a:ext uri="{FF2B5EF4-FFF2-40B4-BE49-F238E27FC236}">
@@ -11409,1005 +5951,14 @@
       </p:sp>
       <p:sp>
         <p:nvSpPr>
-          <p:cNvPr id="29" name="TextBox 3">
-            <a:extLst>
-              <a:ext uri="{FF2B5EF4-FFF2-40B4-BE49-F238E27FC236}">
-                <a16:creationId xmlns:a16="http://schemas.microsoft.com/office/drawing/2014/main" id="{4A19167E-0320-4844-B3A1-ECE514C0AAEA}"/>
-              </a:ext>
-            </a:extLst>
-          </p:cNvPr>
-          <p:cNvSpPr txBox="1">
-            <a:spLocks noChangeArrowheads="1"/>
-          </p:cNvSpPr>
-          <p:nvPr/>
-        </p:nvSpPr>
-        <p:spPr bwMode="auto">
-          <a:xfrm>
-            <a:off x="1401762" y="23277862"/>
-            <a:ext cx="11141341" cy="8437230"/>
-          </a:xfrm>
-          <a:prstGeom prst="rect">
-            <a:avLst/>
-          </a:prstGeom>
-          <a:noFill/>
-          <a:ln>
-            <a:noFill/>
-          </a:ln>
-          <a:extLst>
-            <a:ext uri="{909E8E84-426E-40DD-AFC4-6F175D3DCCD1}">
-              <a14:hiddenFill xmlns:a14="http://schemas.microsoft.com/office/drawing/2010/main">
-                <a:solidFill>
-                  <a:srgbClr val="FFFFFF"/>
-                </a:solidFill>
-              </a14:hiddenFill>
-            </a:ext>
-            <a:ext uri="{91240B29-F687-4F45-9708-019B960494DF}">
-              <a14:hiddenLine xmlns:a14="http://schemas.microsoft.com/office/drawing/2010/main" w="9525">
-                <a:solidFill>
-                  <a:srgbClr val="000000"/>
-                </a:solidFill>
-                <a:miter lim="800000"/>
-                <a:headEnd/>
-                <a:tailEnd/>
-              </a14:hiddenLine>
-            </a:ext>
-          </a:extLst>
-        </p:spPr>
-        <p:txBody>
-          <a:bodyPr wrap="square" lIns="126032" tIns="63016" rIns="126032" bIns="63016">
-            <a:spAutoFit/>
-          </a:bodyPr>
-          <a:lstStyle>
-            <a:lvl1pPr marL="571500" indent="-571500">
-              <a:spcBef>
-                <a:spcPct val="20000"/>
-              </a:spcBef>
-              <a:buChar char="•"/>
-              <a:defRPr sz="18200">
-                <a:solidFill>
-                  <a:schemeClr val="tx1"/>
-                </a:solidFill>
-                <a:latin typeface="Times New Roman" panose="02020603050405020304" pitchFamily="18" charset="0"/>
-              </a:defRPr>
-            </a:lvl1pPr>
-            <a:lvl2pPr marL="4211638" indent="-1617663">
-              <a:spcBef>
-                <a:spcPct val="20000"/>
-              </a:spcBef>
-              <a:buChar char="–"/>
-              <a:defRPr sz="15900">
-                <a:solidFill>
-                  <a:schemeClr val="tx1"/>
-                </a:solidFill>
-                <a:latin typeface="Times New Roman" panose="02020603050405020304" pitchFamily="18" charset="0"/>
-              </a:defRPr>
-            </a:lvl2pPr>
-            <a:lvl3pPr marL="6480175" indent="-1293813">
-              <a:spcBef>
-                <a:spcPct val="20000"/>
-              </a:spcBef>
-              <a:buChar char="•"/>
-              <a:defRPr sz="13600">
-                <a:solidFill>
-                  <a:schemeClr val="tx1"/>
-                </a:solidFill>
-                <a:latin typeface="Times New Roman" panose="02020603050405020304" pitchFamily="18" charset="0"/>
-              </a:defRPr>
-            </a:lvl3pPr>
-            <a:lvl4pPr marL="9072563" indent="-1293813">
-              <a:spcBef>
-                <a:spcPct val="20000"/>
-              </a:spcBef>
-              <a:buChar char="–"/>
-              <a:defRPr sz="11300">
-                <a:solidFill>
-                  <a:schemeClr val="tx1"/>
-                </a:solidFill>
-                <a:latin typeface="Times New Roman" panose="02020603050405020304" pitchFamily="18" charset="0"/>
-              </a:defRPr>
-            </a:lvl4pPr>
-            <a:lvl5pPr marL="11666538" indent="-1293813">
-              <a:spcBef>
-                <a:spcPct val="20000"/>
-              </a:spcBef>
-              <a:buChar char="»"/>
-              <a:defRPr sz="11300">
-                <a:solidFill>
-                  <a:schemeClr val="tx1"/>
-                </a:solidFill>
-                <a:latin typeface="Times New Roman" panose="02020603050405020304" pitchFamily="18" charset="0"/>
-              </a:defRPr>
-            </a:lvl5pPr>
-            <a:lvl6pPr marL="12123738" indent="-1293813" eaLnBrk="0" fontAlgn="base" hangingPunct="0">
-              <a:spcBef>
-                <a:spcPct val="20000"/>
-              </a:spcBef>
-              <a:spcAft>
-                <a:spcPct val="0"/>
-              </a:spcAft>
-              <a:buChar char="»"/>
-              <a:defRPr sz="11300">
-                <a:solidFill>
-                  <a:schemeClr val="tx1"/>
-                </a:solidFill>
-                <a:latin typeface="Times New Roman" panose="02020603050405020304" pitchFamily="18" charset="0"/>
-              </a:defRPr>
-            </a:lvl6pPr>
-            <a:lvl7pPr marL="12580938" indent="-1293813" eaLnBrk="0" fontAlgn="base" hangingPunct="0">
-              <a:spcBef>
-                <a:spcPct val="20000"/>
-              </a:spcBef>
-              <a:spcAft>
-                <a:spcPct val="0"/>
-              </a:spcAft>
-              <a:buChar char="»"/>
-              <a:defRPr sz="11300">
-                <a:solidFill>
-                  <a:schemeClr val="tx1"/>
-                </a:solidFill>
-                <a:latin typeface="Times New Roman" panose="02020603050405020304" pitchFamily="18" charset="0"/>
-              </a:defRPr>
-            </a:lvl7pPr>
-            <a:lvl8pPr marL="13038138" indent="-1293813" eaLnBrk="0" fontAlgn="base" hangingPunct="0">
-              <a:spcBef>
-                <a:spcPct val="20000"/>
-              </a:spcBef>
-              <a:spcAft>
-                <a:spcPct val="0"/>
-              </a:spcAft>
-              <a:buChar char="»"/>
-              <a:defRPr sz="11300">
-                <a:solidFill>
-                  <a:schemeClr val="tx1"/>
-                </a:solidFill>
-                <a:latin typeface="Times New Roman" panose="02020603050405020304" pitchFamily="18" charset="0"/>
-              </a:defRPr>
-            </a:lvl8pPr>
-            <a:lvl9pPr marL="13495338" indent="-1293813" eaLnBrk="0" fontAlgn="base" hangingPunct="0">
-              <a:spcBef>
-                <a:spcPct val="20000"/>
-              </a:spcBef>
-              <a:spcAft>
-                <a:spcPct val="0"/>
-              </a:spcAft>
-              <a:buChar char="»"/>
-              <a:defRPr sz="11300">
-                <a:solidFill>
-                  <a:schemeClr val="tx1"/>
-                </a:solidFill>
-                <a:latin typeface="Times New Roman" panose="02020603050405020304" pitchFamily="18" charset="0"/>
-              </a:defRPr>
-            </a:lvl9pPr>
-          </a:lstStyle>
-          <a:p>
-            <a:pPr>
-              <a:spcAft>
-                <a:spcPts val="1800"/>
-              </a:spcAft>
-              <a:buFont typeface="Arial" panose="020B0604020202020204" pitchFamily="34" charset="0"/>
-              <a:buChar char="•"/>
-            </a:pPr>
-            <a:r>
-              <a:rPr lang="en-US" sz="3300" dirty="0">
-                <a:latin typeface="Helvetica" panose="020B0604020202020204" pitchFamily="34" charset="0"/>
-                <a:cs typeface="Helvetica" panose="020B0604020202020204" pitchFamily="34" charset="0"/>
-              </a:rPr>
-              <a:t>Glaucoma is a serious ocular disease that results in irreversible vision loss; impaired oxygenation of retinal tissue has been identified as a factor that may contribute to glaucoma.</a:t>
-            </a:r>
-          </a:p>
-          <a:p>
-            <a:pPr eaLnBrk="1" hangingPunct="1">
-              <a:spcBef>
-                <a:spcPct val="0"/>
-              </a:spcBef>
-              <a:spcAft>
-                <a:spcPts val="1800"/>
-              </a:spcAft>
-            </a:pPr>
-            <a:r>
-              <a:rPr lang="en-US" sz="3300" b="1" dirty="0">
-                <a:latin typeface="Helvetica" panose="020B0604020202020204" pitchFamily="34" charset="0"/>
-                <a:cs typeface="Helvetica" panose="020B0604020202020204" pitchFamily="34" charset="0"/>
-              </a:rPr>
-              <a:t>Objective: </a:t>
-            </a:r>
-            <a:r>
-              <a:rPr lang="en-US" sz="3300" dirty="0">
-                <a:latin typeface="Helvetica" panose="020B0604020202020204" pitchFamily="34" charset="0"/>
-                <a:cs typeface="Helvetica" panose="020B0604020202020204" pitchFamily="34" charset="0"/>
-              </a:rPr>
-              <a:t>To develop a theoretical model of the human retinal vasculature based on oximetry data to predict retinal blood and tissue oxygenation. </a:t>
-            </a:r>
-            <a:endParaRPr lang="en-US" altLang="en-US" sz="3300" dirty="0">
-              <a:latin typeface="Helvetica" panose="020B0604020202020204" pitchFamily="34" charset="0"/>
-              <a:cs typeface="Helvetica" panose="020B0604020202020204" pitchFamily="34" charset="0"/>
-            </a:endParaRPr>
-          </a:p>
-          <a:p>
-            <a:pPr eaLnBrk="1" hangingPunct="1">
-              <a:spcBef>
-                <a:spcPct val="0"/>
-              </a:spcBef>
-              <a:spcAft>
-                <a:spcPts val="1800"/>
-              </a:spcAft>
-            </a:pPr>
-            <a:r>
-              <a:rPr lang="en-US" sz="3300" dirty="0">
-                <a:latin typeface="Helvetica" panose="020B0604020202020204" pitchFamily="34" charset="0"/>
-                <a:cs typeface="Helvetica" panose="020B0604020202020204" pitchFamily="34" charset="0"/>
-              </a:rPr>
-              <a:t>A previous heterogeneous model of retinal oxygenation in the mouse was adapted to model the human retina. Vessel lengths and diameters were rescaled, and arteriolar branch number and position were altered.</a:t>
-            </a:r>
-          </a:p>
-          <a:p>
-            <a:pPr eaLnBrk="1" hangingPunct="1">
-              <a:spcBef>
-                <a:spcPct val="0"/>
-              </a:spcBef>
-            </a:pPr>
-            <a:r>
-              <a:rPr lang="en-US" sz="3300" dirty="0">
-                <a:latin typeface="Helvetica" panose="020B0604020202020204" pitchFamily="34" charset="0"/>
-                <a:cs typeface="Helvetica" panose="020B0604020202020204" pitchFamily="34" charset="0"/>
-              </a:rPr>
-              <a:t>The heterogeneous arrangement of blood vessels in this model accounts for the diffusion of oxygen from multiple sources into one tissue point, and the model predicts a large range in PO</a:t>
-            </a:r>
-            <a:r>
-              <a:rPr lang="en-US" sz="3300" baseline="-25000" dirty="0">
-                <a:latin typeface="Helvetica" panose="020B0604020202020204" pitchFamily="34" charset="0"/>
-                <a:cs typeface="Helvetica" panose="020B0604020202020204" pitchFamily="34" charset="0"/>
-              </a:rPr>
-              <a:t>2</a:t>
-            </a:r>
-            <a:endParaRPr lang="en-US" sz="3300" dirty="0">
-              <a:latin typeface="Helvetica" panose="020B0604020202020204" pitchFamily="34" charset="0"/>
-              <a:cs typeface="Helvetica" panose="020B0604020202020204" pitchFamily="34" charset="0"/>
-            </a:endParaRPr>
-          </a:p>
-        </p:txBody>
-      </p:sp>
-      <p:sp>
-        <p:nvSpPr>
-          <p:cNvPr id="30" name="Text Box 5">
-            <a:extLst>
-              <a:ext uri="{FF2B5EF4-FFF2-40B4-BE49-F238E27FC236}">
-                <a16:creationId xmlns:a16="http://schemas.microsoft.com/office/drawing/2014/main" id="{DABC0A5C-6335-46FD-B7DF-D036E55FE75C}"/>
-              </a:ext>
-            </a:extLst>
-          </p:cNvPr>
-          <p:cNvSpPr txBox="1"/>
-          <p:nvPr/>
-        </p:nvSpPr>
-        <p:spPr>
-          <a:xfrm>
-            <a:off x="12862190" y="29385817"/>
-            <a:ext cx="7999146" cy="1686843"/>
-          </a:xfrm>
-          <a:prstGeom prst="rect">
-            <a:avLst/>
-          </a:prstGeom>
-          <a:solidFill>
-            <a:schemeClr val="lt1"/>
-          </a:solidFill>
-          <a:ln w="6350">
-            <a:noFill/>
-          </a:ln>
-          <a:effectLst/>
-        </p:spPr>
-        <p:style>
-          <a:lnRef idx="0">
-            <a:schemeClr val="accent1"/>
-          </a:lnRef>
-          <a:fillRef idx="0">
-            <a:schemeClr val="accent1"/>
-          </a:fillRef>
-          <a:effectRef idx="0">
-            <a:schemeClr val="accent1"/>
-          </a:effectRef>
-          <a:fontRef idx="minor">
-            <a:schemeClr val="dk1"/>
-          </a:fontRef>
-        </p:style>
-        <p:txBody>
-          <a:bodyPr/>
-          <a:lstStyle>
-            <a:defPPr>
-              <a:defRPr lang="en-US"/>
-            </a:defPPr>
-            <a:lvl1pPr algn="l" rtl="0" eaLnBrk="0" fontAlgn="base" hangingPunct="0">
-              <a:spcBef>
-                <a:spcPct val="0"/>
-              </a:spcBef>
-              <a:spcAft>
-                <a:spcPct val="0"/>
-              </a:spcAft>
-              <a:defRPr sz="3300" kern="1200">
-                <a:solidFill>
-                  <a:schemeClr val="dk1"/>
-                </a:solidFill>
-                <a:latin typeface="+mn-lt"/>
-                <a:ea typeface="+mn-ea"/>
-                <a:cs typeface="+mn-cs"/>
-              </a:defRPr>
-            </a:lvl1pPr>
-            <a:lvl2pPr marL="628650" indent="-171450" algn="l" rtl="0" eaLnBrk="0" fontAlgn="base" hangingPunct="0">
-              <a:spcBef>
-                <a:spcPct val="0"/>
-              </a:spcBef>
-              <a:spcAft>
-                <a:spcPct val="0"/>
-              </a:spcAft>
-              <a:defRPr sz="3300" kern="1200">
-                <a:solidFill>
-                  <a:schemeClr val="dk1"/>
-                </a:solidFill>
-                <a:latin typeface="+mn-lt"/>
-                <a:ea typeface="+mn-ea"/>
-                <a:cs typeface="+mn-cs"/>
-              </a:defRPr>
-            </a:lvl2pPr>
-            <a:lvl3pPr marL="1258888" indent="-344488" algn="l" rtl="0" eaLnBrk="0" fontAlgn="base" hangingPunct="0">
-              <a:spcBef>
-                <a:spcPct val="0"/>
-              </a:spcBef>
-              <a:spcAft>
-                <a:spcPct val="0"/>
-              </a:spcAft>
-              <a:defRPr sz="3300" kern="1200">
-                <a:solidFill>
-                  <a:schemeClr val="dk1"/>
-                </a:solidFill>
-                <a:latin typeface="+mn-lt"/>
-                <a:ea typeface="+mn-ea"/>
-                <a:cs typeface="+mn-cs"/>
-              </a:defRPr>
-            </a:lvl3pPr>
-            <a:lvl4pPr marL="1889125" indent="-517525" algn="l" rtl="0" eaLnBrk="0" fontAlgn="base" hangingPunct="0">
-              <a:spcBef>
-                <a:spcPct val="0"/>
-              </a:spcBef>
-              <a:spcAft>
-                <a:spcPct val="0"/>
-              </a:spcAft>
-              <a:defRPr sz="3300" kern="1200">
-                <a:solidFill>
-                  <a:schemeClr val="dk1"/>
-                </a:solidFill>
-                <a:latin typeface="+mn-lt"/>
-                <a:ea typeface="+mn-ea"/>
-                <a:cs typeface="+mn-cs"/>
-              </a:defRPr>
-            </a:lvl4pPr>
-            <a:lvl5pPr marL="2519363" indent="-690563" algn="l" rtl="0" eaLnBrk="0" fontAlgn="base" hangingPunct="0">
-              <a:spcBef>
-                <a:spcPct val="0"/>
-              </a:spcBef>
-              <a:spcAft>
-                <a:spcPct val="0"/>
-              </a:spcAft>
-              <a:defRPr sz="3300" kern="1200">
-                <a:solidFill>
-                  <a:schemeClr val="dk1"/>
-                </a:solidFill>
-                <a:latin typeface="+mn-lt"/>
-                <a:ea typeface="+mn-ea"/>
-                <a:cs typeface="+mn-cs"/>
-              </a:defRPr>
-            </a:lvl5pPr>
-            <a:lvl6pPr marL="2286000" algn="l" defTabSz="914400" rtl="0" eaLnBrk="1" latinLnBrk="0" hangingPunct="1">
-              <a:defRPr sz="3300" kern="1200">
-                <a:solidFill>
-                  <a:schemeClr val="dk1"/>
-                </a:solidFill>
-                <a:latin typeface="+mn-lt"/>
-                <a:ea typeface="+mn-ea"/>
-                <a:cs typeface="+mn-cs"/>
-              </a:defRPr>
-            </a:lvl6pPr>
-            <a:lvl7pPr marL="2743200" algn="l" defTabSz="914400" rtl="0" eaLnBrk="1" latinLnBrk="0" hangingPunct="1">
-              <a:defRPr sz="3300" kern="1200">
-                <a:solidFill>
-                  <a:schemeClr val="dk1"/>
-                </a:solidFill>
-                <a:latin typeface="+mn-lt"/>
-                <a:ea typeface="+mn-ea"/>
-                <a:cs typeface="+mn-cs"/>
-              </a:defRPr>
-            </a:lvl7pPr>
-            <a:lvl8pPr marL="3200400" algn="l" defTabSz="914400" rtl="0" eaLnBrk="1" latinLnBrk="0" hangingPunct="1">
-              <a:defRPr sz="3300" kern="1200">
-                <a:solidFill>
-                  <a:schemeClr val="dk1"/>
-                </a:solidFill>
-                <a:latin typeface="+mn-lt"/>
-                <a:ea typeface="+mn-ea"/>
-                <a:cs typeface="+mn-cs"/>
-              </a:defRPr>
-            </a:lvl8pPr>
-            <a:lvl9pPr marL="3657600" algn="l" defTabSz="914400" rtl="0" eaLnBrk="1" latinLnBrk="0" hangingPunct="1">
-              <a:defRPr sz="3300" kern="1200">
-                <a:solidFill>
-                  <a:schemeClr val="dk1"/>
-                </a:solidFill>
-                <a:latin typeface="+mn-lt"/>
-                <a:ea typeface="+mn-ea"/>
-                <a:cs typeface="+mn-cs"/>
-              </a:defRPr>
-            </a:lvl9pPr>
-          </a:lstStyle>
-          <a:p>
-            <a:pPr eaLnBrk="1" hangingPunct="1">
-              <a:spcBef>
-                <a:spcPts val="0"/>
-              </a:spcBef>
-              <a:spcAft>
-                <a:spcPts val="0"/>
-              </a:spcAft>
-              <a:defRPr/>
-            </a:pPr>
-            <a:r>
-              <a:rPr lang="en-US" sz="2800" b="1" dirty="0">
-                <a:latin typeface="Arial"/>
-                <a:ea typeface="MS Mincho"/>
-                <a:cs typeface="Times New Roman"/>
-              </a:rPr>
-              <a:t>Figure. </a:t>
-            </a:r>
-            <a:r>
-              <a:rPr lang="en-US" sz="2800" dirty="0">
-                <a:latin typeface="Arial"/>
-                <a:ea typeface="MS Mincho"/>
-                <a:cs typeface="Times New Roman"/>
-              </a:rPr>
-              <a:t>Predicted contour of map of oxygenation in the human network. In contrast to the mouse eye, the human eye has four arterial branches and an avascular zone around the fovea.</a:t>
-            </a:r>
-          </a:p>
-          <a:p>
-            <a:pPr eaLnBrk="1" hangingPunct="1">
-              <a:spcBef>
-                <a:spcPts val="0"/>
-              </a:spcBef>
-              <a:spcAft>
-                <a:spcPts val="0"/>
-              </a:spcAft>
-              <a:defRPr/>
-            </a:pPr>
-            <a:endParaRPr lang="en-US" sz="2800" dirty="0">
-              <a:ea typeface="MS Mincho"/>
-              <a:cs typeface="Times New Roman"/>
-            </a:endParaRPr>
-          </a:p>
-        </p:txBody>
-      </p:sp>
-      <p:sp>
-        <p:nvSpPr>
-          <p:cNvPr id="31" name="TextBox 1">
-            <a:extLst>
-              <a:ext uri="{FF2B5EF4-FFF2-40B4-BE49-F238E27FC236}">
-                <a16:creationId xmlns:a16="http://schemas.microsoft.com/office/drawing/2014/main" id="{1BEE6C7E-A29A-4F9B-AA89-EF27D59B2E03}"/>
-              </a:ext>
-            </a:extLst>
-          </p:cNvPr>
-          <p:cNvSpPr txBox="1">
-            <a:spLocks noChangeArrowheads="1"/>
-          </p:cNvSpPr>
-          <p:nvPr/>
-        </p:nvSpPr>
-        <p:spPr bwMode="auto">
-          <a:xfrm>
-            <a:off x="1158875" y="20423188"/>
-            <a:ext cx="20100925" cy="2631490"/>
-          </a:xfrm>
-          <a:prstGeom prst="rect">
-            <a:avLst/>
-          </a:prstGeom>
-          <a:noFill/>
-          <a:ln>
-            <a:noFill/>
-          </a:ln>
-          <a:extLst>
-            <a:ext uri="{909E8E84-426E-40DD-AFC4-6F175D3DCCD1}">
-              <a14:hiddenFill xmlns:a14="http://schemas.microsoft.com/office/drawing/2010/main">
-                <a:solidFill>
-                  <a:srgbClr val="FFFFFF"/>
-                </a:solidFill>
-              </a14:hiddenFill>
-            </a:ext>
-            <a:ext uri="{91240B29-F687-4F45-9708-019B960494DF}">
-              <a14:hiddenLine xmlns:a14="http://schemas.microsoft.com/office/drawing/2010/main" w="9525">
-                <a:solidFill>
-                  <a:srgbClr val="000000"/>
-                </a:solidFill>
-                <a:miter lim="800000"/>
-                <a:headEnd/>
-                <a:tailEnd/>
-              </a14:hiddenLine>
-            </a:ext>
-          </a:extLst>
-        </p:spPr>
-        <p:txBody>
-          <a:bodyPr>
-            <a:spAutoFit/>
-          </a:bodyPr>
-          <a:lstStyle>
-            <a:lvl1pPr>
-              <a:spcBef>
-                <a:spcPct val="20000"/>
-              </a:spcBef>
-              <a:buChar char="•"/>
-              <a:defRPr sz="18200">
-                <a:solidFill>
-                  <a:schemeClr val="tx1"/>
-                </a:solidFill>
-                <a:latin typeface="Times New Roman" panose="02020603050405020304" pitchFamily="18" charset="0"/>
-              </a:defRPr>
-            </a:lvl1pPr>
-            <a:lvl2pPr marL="4211638" indent="-1617663">
-              <a:spcBef>
-                <a:spcPct val="20000"/>
-              </a:spcBef>
-              <a:buChar char="–"/>
-              <a:defRPr sz="15900">
-                <a:solidFill>
-                  <a:schemeClr val="tx1"/>
-                </a:solidFill>
-                <a:latin typeface="Times New Roman" panose="02020603050405020304" pitchFamily="18" charset="0"/>
-              </a:defRPr>
-            </a:lvl2pPr>
-            <a:lvl3pPr marL="6480175" indent="-1293813">
-              <a:spcBef>
-                <a:spcPct val="20000"/>
-              </a:spcBef>
-              <a:buChar char="•"/>
-              <a:defRPr sz="13600">
-                <a:solidFill>
-                  <a:schemeClr val="tx1"/>
-                </a:solidFill>
-                <a:latin typeface="Times New Roman" panose="02020603050405020304" pitchFamily="18" charset="0"/>
-              </a:defRPr>
-            </a:lvl3pPr>
-            <a:lvl4pPr marL="9072563" indent="-1293813">
-              <a:spcBef>
-                <a:spcPct val="20000"/>
-              </a:spcBef>
-              <a:buChar char="–"/>
-              <a:defRPr sz="11300">
-                <a:solidFill>
-                  <a:schemeClr val="tx1"/>
-                </a:solidFill>
-                <a:latin typeface="Times New Roman" panose="02020603050405020304" pitchFamily="18" charset="0"/>
-              </a:defRPr>
-            </a:lvl4pPr>
-            <a:lvl5pPr marL="11666538" indent="-1293813">
-              <a:spcBef>
-                <a:spcPct val="20000"/>
-              </a:spcBef>
-              <a:buChar char="»"/>
-              <a:defRPr sz="11300">
-                <a:solidFill>
-                  <a:schemeClr val="tx1"/>
-                </a:solidFill>
-                <a:latin typeface="Times New Roman" panose="02020603050405020304" pitchFamily="18" charset="0"/>
-              </a:defRPr>
-            </a:lvl5pPr>
-            <a:lvl6pPr marL="12123738" indent="-1293813" eaLnBrk="0" fontAlgn="base" hangingPunct="0">
-              <a:spcBef>
-                <a:spcPct val="20000"/>
-              </a:spcBef>
-              <a:spcAft>
-                <a:spcPct val="0"/>
-              </a:spcAft>
-              <a:buChar char="»"/>
-              <a:defRPr sz="11300">
-                <a:solidFill>
-                  <a:schemeClr val="tx1"/>
-                </a:solidFill>
-                <a:latin typeface="Times New Roman" panose="02020603050405020304" pitchFamily="18" charset="0"/>
-              </a:defRPr>
-            </a:lvl6pPr>
-            <a:lvl7pPr marL="12580938" indent="-1293813" eaLnBrk="0" fontAlgn="base" hangingPunct="0">
-              <a:spcBef>
-                <a:spcPct val="20000"/>
-              </a:spcBef>
-              <a:spcAft>
-                <a:spcPct val="0"/>
-              </a:spcAft>
-              <a:buChar char="»"/>
-              <a:defRPr sz="11300">
-                <a:solidFill>
-                  <a:schemeClr val="tx1"/>
-                </a:solidFill>
-                <a:latin typeface="Times New Roman" panose="02020603050405020304" pitchFamily="18" charset="0"/>
-              </a:defRPr>
-            </a:lvl7pPr>
-            <a:lvl8pPr marL="13038138" indent="-1293813" eaLnBrk="0" fontAlgn="base" hangingPunct="0">
-              <a:spcBef>
-                <a:spcPct val="20000"/>
-              </a:spcBef>
-              <a:spcAft>
-                <a:spcPct val="0"/>
-              </a:spcAft>
-              <a:buChar char="»"/>
-              <a:defRPr sz="11300">
-                <a:solidFill>
-                  <a:schemeClr val="tx1"/>
-                </a:solidFill>
-                <a:latin typeface="Times New Roman" panose="02020603050405020304" pitchFamily="18" charset="0"/>
-              </a:defRPr>
-            </a:lvl8pPr>
-            <a:lvl9pPr marL="13495338" indent="-1293813" eaLnBrk="0" fontAlgn="base" hangingPunct="0">
-              <a:spcBef>
-                <a:spcPct val="20000"/>
-              </a:spcBef>
-              <a:spcAft>
-                <a:spcPct val="0"/>
-              </a:spcAft>
-              <a:buChar char="»"/>
-              <a:defRPr sz="11300">
-                <a:solidFill>
-                  <a:schemeClr val="tx1"/>
-                </a:solidFill>
-                <a:latin typeface="Times New Roman" panose="02020603050405020304" pitchFamily="18" charset="0"/>
-              </a:defRPr>
-            </a:lvl9pPr>
-          </a:lstStyle>
-          <a:p>
-            <a:pPr algn="ctr" eaLnBrk="1" hangingPunct="1">
-              <a:spcBef>
-                <a:spcPct val="0"/>
-              </a:spcBef>
-              <a:buNone/>
-            </a:pPr>
-            <a:r>
-              <a:rPr lang="en-US" altLang="en-US" sz="3300" u="sng" dirty="0">
-                <a:latin typeface="Helvetica" panose="020B0604020202020204" pitchFamily="34" charset="0"/>
-              </a:rPr>
-              <a:t>Mandy Abernathy</a:t>
-            </a:r>
-            <a:r>
-              <a:rPr lang="en-US" altLang="en-US" sz="3300" baseline="30000" dirty="0">
-                <a:latin typeface="Helvetica" panose="020B0604020202020204" pitchFamily="34" charset="0"/>
-              </a:rPr>
-              <a:t>1</a:t>
-            </a:r>
-            <a:r>
-              <a:rPr lang="en-US" altLang="en-US" sz="3300" dirty="0">
-                <a:latin typeface="Helvetica" panose="020B0604020202020204" pitchFamily="34" charset="0"/>
-              </a:rPr>
-              <a:t>, </a:t>
-            </a:r>
-            <a:r>
-              <a:rPr lang="en-US" sz="3300" dirty="0">
-                <a:latin typeface="Helvetica" panose="020B0604020202020204" pitchFamily="34" charset="0"/>
-              </a:rPr>
-              <a:t>Brendan Fry</a:t>
-            </a:r>
-            <a:r>
-              <a:rPr lang="en-US" altLang="en-US" sz="3300" baseline="30000" dirty="0">
-                <a:latin typeface="Helvetica" panose="020B0604020202020204" pitchFamily="34" charset="0"/>
-              </a:rPr>
-              <a:t>2</a:t>
-            </a:r>
-            <a:r>
-              <a:rPr lang="en-US" sz="3300" dirty="0">
-                <a:latin typeface="Helvetica" panose="020B0604020202020204" pitchFamily="34" charset="0"/>
-              </a:rPr>
-              <a:t>, Alon Harris</a:t>
-            </a:r>
-            <a:r>
-              <a:rPr lang="en-US" altLang="en-US" sz="3300" baseline="30000" dirty="0">
-                <a:latin typeface="Helvetica" panose="020B0604020202020204" pitchFamily="34" charset="0"/>
-              </a:rPr>
-              <a:t>3</a:t>
-            </a:r>
-            <a:r>
-              <a:rPr lang="en-US" sz="3300" dirty="0">
-                <a:latin typeface="Helvetica" panose="020B0604020202020204" pitchFamily="34" charset="0"/>
-              </a:rPr>
-              <a:t>, Brent Siesky</a:t>
-            </a:r>
-            <a:r>
-              <a:rPr lang="en-US" altLang="en-US" sz="3300" baseline="30000" dirty="0">
-                <a:latin typeface="Helvetica" panose="020B0604020202020204" pitchFamily="34" charset="0"/>
-              </a:rPr>
-              <a:t>3</a:t>
-            </a:r>
-            <a:r>
-              <a:rPr lang="en-US" sz="3300" dirty="0">
-                <a:latin typeface="Helvetica" panose="020B0604020202020204" pitchFamily="34" charset="0"/>
-              </a:rPr>
-              <a:t>, Alice Verticchio</a:t>
-            </a:r>
-            <a:r>
-              <a:rPr lang="en-US" altLang="en-US" sz="3300" baseline="30000" dirty="0">
-                <a:latin typeface="Helvetica" panose="020B0604020202020204" pitchFamily="34" charset="0"/>
-              </a:rPr>
-              <a:t>3</a:t>
-            </a:r>
-            <a:r>
-              <a:rPr lang="en-US" sz="3300" dirty="0">
-                <a:latin typeface="Helvetica" panose="020B0604020202020204" pitchFamily="34" charset="0"/>
-              </a:rPr>
-              <a:t>, Julia Arciero</a:t>
-            </a:r>
-            <a:r>
-              <a:rPr lang="en-US" sz="3300" baseline="30000" dirty="0">
-                <a:latin typeface="Helvetica" panose="020B0604020202020204" pitchFamily="34" charset="0"/>
-                <a:cs typeface="Helvetica" panose="020B0604020202020204" pitchFamily="34" charset="0"/>
-              </a:rPr>
-              <a:t>4</a:t>
-            </a:r>
-            <a:r>
-              <a:rPr lang="en-US" sz="3300" dirty="0">
-                <a:latin typeface="Helvetica" panose="020B0604020202020204" pitchFamily="34" charset="0"/>
-              </a:rPr>
-              <a:t> </a:t>
-            </a:r>
-          </a:p>
-          <a:p>
-            <a:pPr algn="ctr" eaLnBrk="1" hangingPunct="1">
-              <a:spcBef>
-                <a:spcPct val="0"/>
-              </a:spcBef>
-              <a:buFontTx/>
-              <a:buNone/>
-            </a:pPr>
-            <a:r>
-              <a:rPr lang="en-US" altLang="en-US" sz="3300" baseline="30000" dirty="0">
-                <a:latin typeface="Helvetica" panose="020B0604020202020204" pitchFamily="34" charset="0"/>
-              </a:rPr>
-              <a:t>1</a:t>
-            </a:r>
-            <a:r>
-              <a:rPr lang="en-US" altLang="en-US" sz="3300" dirty="0">
-                <a:latin typeface="Helvetica" panose="020B0604020202020204" pitchFamily="34" charset="0"/>
-              </a:rPr>
-              <a:t>Department of Mathematical Sciences, Wisconsin Lutheran College</a:t>
-            </a:r>
-          </a:p>
-          <a:p>
-            <a:pPr algn="ctr" eaLnBrk="1" hangingPunct="1">
-              <a:spcBef>
-                <a:spcPct val="0"/>
-              </a:spcBef>
-              <a:buNone/>
-            </a:pPr>
-            <a:r>
-              <a:rPr lang="en-US" altLang="en-US" sz="3300" baseline="30000" dirty="0">
-                <a:latin typeface="Helvetica" panose="020B0604020202020204" pitchFamily="34" charset="0"/>
-              </a:rPr>
-              <a:t>2</a:t>
-            </a:r>
-            <a:r>
-              <a:rPr lang="en-US" altLang="en-US" sz="3300" dirty="0">
-                <a:latin typeface="Helvetica" panose="020B0604020202020204" pitchFamily="34" charset="0"/>
-              </a:rPr>
-              <a:t>Department </a:t>
-            </a:r>
-            <a:r>
-              <a:rPr lang="en-US" altLang="en-US" sz="3300" dirty="0">
-                <a:latin typeface="Helvetica" panose="020B0604020202020204" pitchFamily="34" charset="0"/>
-                <a:cs typeface="Helvetica" panose="020B0604020202020204" pitchFamily="34" charset="0"/>
-              </a:rPr>
-              <a:t>of </a:t>
-            </a:r>
-            <a:r>
-              <a:rPr lang="en-US" sz="3300" dirty="0">
-                <a:latin typeface="Helvetica" panose="020B0604020202020204" pitchFamily="34" charset="0"/>
-                <a:cs typeface="Helvetica" panose="020B0604020202020204" pitchFamily="34" charset="0"/>
-              </a:rPr>
-              <a:t>Mathematical and Computer Sciences, Metropolitan State University of Denver</a:t>
-            </a:r>
-          </a:p>
-          <a:p>
-            <a:pPr algn="ctr">
-              <a:spcBef>
-                <a:spcPts val="0"/>
-              </a:spcBef>
-              <a:buNone/>
-            </a:pPr>
-            <a:r>
-              <a:rPr lang="en-US" sz="3300" baseline="30000" dirty="0">
-                <a:latin typeface="Helvetica" panose="020B0604020202020204" pitchFamily="34" charset="0"/>
-                <a:cs typeface="Helvetica" panose="020B0604020202020204" pitchFamily="34" charset="0"/>
-              </a:rPr>
-              <a:t>3</a:t>
-            </a:r>
-            <a:r>
-              <a:rPr lang="en-US" sz="3300" dirty="0">
-                <a:latin typeface="Helvetica" panose="020B0604020202020204" pitchFamily="34" charset="0"/>
-                <a:cs typeface="Helvetica" panose="020B0604020202020204" pitchFamily="34" charset="0"/>
-              </a:rPr>
-              <a:t>Department of Ophthalmology, Indiana University School of Medicine</a:t>
-            </a:r>
-          </a:p>
-          <a:p>
-            <a:pPr algn="ctr">
-              <a:spcBef>
-                <a:spcPts val="0"/>
-              </a:spcBef>
-              <a:buNone/>
-            </a:pPr>
-            <a:r>
-              <a:rPr lang="en-US" sz="3300" baseline="30000" dirty="0">
-                <a:latin typeface="Helvetica" panose="020B0604020202020204" pitchFamily="34" charset="0"/>
-                <a:cs typeface="Helvetica" panose="020B0604020202020204" pitchFamily="34" charset="0"/>
-              </a:rPr>
-              <a:t>4</a:t>
-            </a:r>
-            <a:r>
-              <a:rPr lang="en-US" sz="3300" dirty="0">
-                <a:latin typeface="Helvetica" panose="020B0604020202020204" pitchFamily="34" charset="0"/>
-                <a:cs typeface="Helvetica" panose="020B0604020202020204" pitchFamily="34" charset="0"/>
-              </a:rPr>
-              <a:t>Department of Mathematical Sciences, IUPUI</a:t>
-            </a:r>
-            <a:endParaRPr lang="en-US" altLang="en-US" sz="3300" u="sng" dirty="0">
-              <a:latin typeface="Helvetica" panose="020B0604020202020204" pitchFamily="34" charset="0"/>
-            </a:endParaRPr>
-          </a:p>
-        </p:txBody>
-      </p:sp>
-      <p:grpSp>
-        <p:nvGrpSpPr>
-          <p:cNvPr id="32" name="Group 31">
-            <a:extLst>
-              <a:ext uri="{FF2B5EF4-FFF2-40B4-BE49-F238E27FC236}">
-                <a16:creationId xmlns:a16="http://schemas.microsoft.com/office/drawing/2014/main" id="{3BC9C8F0-F6F5-4D6A-BE20-8FFAE24A9A84}"/>
-              </a:ext>
-            </a:extLst>
-          </p:cNvPr>
-          <p:cNvGrpSpPr>
-            <a:grpSpLocks noChangeAspect="1"/>
-          </p:cNvGrpSpPr>
-          <p:nvPr/>
-        </p:nvGrpSpPr>
-        <p:grpSpPr>
-          <a:xfrm>
-            <a:off x="12862190" y="23869566"/>
-            <a:ext cx="8149694" cy="5475436"/>
-            <a:chOff x="33134107" y="10959316"/>
-            <a:chExt cx="8595100" cy="5790231"/>
-          </a:xfrm>
-        </p:grpSpPr>
-        <p:grpSp>
-          <p:nvGrpSpPr>
-            <p:cNvPr id="33" name="Group 32">
-              <a:extLst>
-                <a:ext uri="{FF2B5EF4-FFF2-40B4-BE49-F238E27FC236}">
-                  <a16:creationId xmlns:a16="http://schemas.microsoft.com/office/drawing/2014/main" id="{012908AB-5643-41D3-BCD6-4AF7747D84F3}"/>
-                </a:ext>
-              </a:extLst>
-            </p:cNvPr>
-            <p:cNvGrpSpPr/>
-            <p:nvPr/>
-          </p:nvGrpSpPr>
-          <p:grpSpPr>
-            <a:xfrm>
-              <a:off x="33134107" y="10959316"/>
-              <a:ext cx="8595100" cy="5499884"/>
-              <a:chOff x="14234654" y="11934697"/>
-              <a:chExt cx="8595100" cy="5499884"/>
-            </a:xfrm>
-          </p:grpSpPr>
-          <p:pic>
-            <p:nvPicPr>
-              <p:cNvPr id="44" name="Picture 43" descr="A picture containing screenshot&#10;&#10;Description automatically generated">
-                <a:extLst>
-                  <a:ext uri="{FF2B5EF4-FFF2-40B4-BE49-F238E27FC236}">
-                    <a16:creationId xmlns:a16="http://schemas.microsoft.com/office/drawing/2014/main" id="{A9F4EB16-7515-42BF-B903-D06BB4C45838}"/>
-                  </a:ext>
-                </a:extLst>
-              </p:cNvPr>
-              <p:cNvPicPr>
-                <a:picLocks noChangeAspect="1"/>
-              </p:cNvPicPr>
-              <p:nvPr/>
-            </p:nvPicPr>
-            <p:blipFill rotWithShape="1">
-              <a:blip r:embed="rId6">
-                <a:extLst>
-                  <a:ext uri="{28A0092B-C50C-407E-A947-70E740481C1C}">
-                    <a14:useLocalDpi xmlns:a14="http://schemas.microsoft.com/office/drawing/2010/main" val="0"/>
-                  </a:ext>
-                </a:extLst>
-              </a:blip>
-              <a:srcRect l="1920" t="26488" r="9466" b="11284"/>
-              <a:stretch/>
-            </p:blipFill>
-            <p:spPr>
-              <a:xfrm>
-                <a:off x="14234654" y="11991855"/>
-                <a:ext cx="8115829" cy="5385572"/>
-              </a:xfrm>
-              <a:prstGeom prst="rect">
-                <a:avLst/>
-              </a:prstGeom>
-            </p:spPr>
-          </p:pic>
-          <p:pic>
-            <p:nvPicPr>
-              <p:cNvPr id="45" name="Picture 44" descr="A picture containing screenshot&#10;&#10;Description automatically generated">
-                <a:extLst>
-                  <a:ext uri="{FF2B5EF4-FFF2-40B4-BE49-F238E27FC236}">
-                    <a16:creationId xmlns:a16="http://schemas.microsoft.com/office/drawing/2014/main" id="{7E639011-0AC8-423F-8B67-6ADC61A039D3}"/>
-                  </a:ext>
-                </a:extLst>
-              </p:cNvPr>
-              <p:cNvPicPr>
-                <a:picLocks noChangeAspect="1"/>
-              </p:cNvPicPr>
-              <p:nvPr/>
-            </p:nvPicPr>
-            <p:blipFill rotWithShape="1">
-              <a:blip r:embed="rId6" cstate="hqprint">
-                <a:extLst>
-                  <a:ext uri="{28A0092B-C50C-407E-A947-70E740481C1C}">
-                    <a14:useLocalDpi xmlns:a14="http://schemas.microsoft.com/office/drawing/2010/main" val="0"/>
-                  </a:ext>
-                </a:extLst>
-              </a:blip>
-              <a:srcRect l="92742" t="3502" b="10181"/>
-              <a:stretch/>
-            </p:blipFill>
-            <p:spPr>
-              <a:xfrm>
-                <a:off x="22350484" y="11934697"/>
-                <a:ext cx="479270" cy="5499884"/>
-              </a:xfrm>
-              <a:prstGeom prst="rect">
-                <a:avLst/>
-              </a:prstGeom>
-            </p:spPr>
-          </p:pic>
-        </p:grpSp>
-        <p:pic>
-          <p:nvPicPr>
-            <p:cNvPr id="37" name="Picture 36" descr="A picture containing screenshot&#10;&#10;Description automatically generated">
-              <a:extLst>
-                <a:ext uri="{FF2B5EF4-FFF2-40B4-BE49-F238E27FC236}">
-                  <a16:creationId xmlns:a16="http://schemas.microsoft.com/office/drawing/2014/main" id="{D86627BB-920C-46A6-89E4-5FC5187DBA88}"/>
-                </a:ext>
-              </a:extLst>
-            </p:cNvPr>
-            <p:cNvPicPr>
-              <a:picLocks noChangeAspect="1"/>
-            </p:cNvPicPr>
-            <p:nvPr/>
-          </p:nvPicPr>
-          <p:blipFill rotWithShape="1">
-            <a:blip r:embed="rId6">
-              <a:extLst>
-                <a:ext uri="{28A0092B-C50C-407E-A947-70E740481C1C}">
-                  <a14:useLocalDpi xmlns:a14="http://schemas.microsoft.com/office/drawing/2010/main" val="0"/>
-                </a:ext>
-              </a:extLst>
-            </a:blip>
-            <a:srcRect l="6987" t="94111" r="5224" b="1851"/>
-            <a:stretch/>
-          </p:blipFill>
-          <p:spPr>
-            <a:xfrm>
-              <a:off x="33734828" y="16402045"/>
-              <a:ext cx="7994379" cy="347502"/>
-            </a:xfrm>
-            <a:prstGeom prst="rect">
-              <a:avLst/>
-            </a:prstGeom>
-          </p:spPr>
-        </p:pic>
-      </p:grpSp>
-      <p:sp>
-        <p:nvSpPr>
           <p:cNvPr id="47" name="Google Shape;95;p13"/>
           <p:cNvSpPr txBox="1"/>
           <p:nvPr/>
         </p:nvSpPr>
         <p:spPr>
           <a:xfrm>
-            <a:off x="22403045" y="19474556"/>
-            <a:ext cx="20148550" cy="850900"/>
+            <a:off x="22375336" y="19446847"/>
+            <a:ext cx="20176234" cy="850900"/>
           </a:xfrm>
           <a:prstGeom prst="rect">
             <a:avLst/>
@@ -12440,12 +5991,20 @@
               <a:buNone/>
             </a:pPr>
             <a:r>
+              <a:rPr lang="en-US" sz="4700" b="1">
+                <a:solidFill>
+                  <a:schemeClr val="lt1"/>
+                </a:solidFill>
+              </a:rPr>
+              <a:t>Modeling the Neurocircuitry </a:t>
+            </a:r>
+            <a:r>
               <a:rPr lang="en-US" sz="4700" b="1" dirty="0">
                 <a:solidFill>
                   <a:schemeClr val="lt1"/>
                 </a:solidFill>
               </a:rPr>
-              <a:t>Modeling Neurocircuitry Involved in Binge Drinking</a:t>
+              <a:t>Involved in Binge Drinking</a:t>
             </a:r>
             <a:br>
               <a:rPr lang="en-US" sz="4700" b="1" dirty="0">
@@ -12501,8 +6060,8 @@
         </p:nvSpPr>
         <p:spPr>
           <a:xfrm>
-            <a:off x="22666570" y="22813069"/>
-            <a:ext cx="11926644" cy="9283687"/>
+            <a:off x="22666569" y="22879050"/>
+            <a:ext cx="11986721" cy="9188209"/>
           </a:xfrm>
           <a:prstGeom prst="rect">
             <a:avLst/>
@@ -12618,7 +6177,32 @@
                 <a:cs typeface="Helvetica Neue"/>
                 <a:sym typeface="Helvetica Neue"/>
               </a:rPr>
-              <a:t> better understand how irregular neuron behavior impacts front-loading.</a:t>
+              <a:t> better understand how </a:t>
+            </a:r>
+            <a:r>
+              <a:rPr lang="en-US" b="0" i="0" dirty="0">
+                <a:solidFill>
+                  <a:srgbClr val="222222"/>
+                </a:solidFill>
+                <a:effectLst/>
+                <a:highlight>
+                  <a:srgbClr val="FFFFFF"/>
+                </a:highlight>
+                <a:latin typeface="Arial" panose="020B0604020202020204" pitchFamily="34" charset="0"/>
+              </a:rPr>
+              <a:t>interactions of neurons determine the dynamics of behavioral patterns</a:t>
+            </a:r>
+            <a:r>
+              <a:rPr lang="en-US" dirty="0">
+                <a:solidFill>
+                  <a:schemeClr val="dk1"/>
+                </a:solidFill>
+                <a:latin typeface="Helvetica Neue"/>
+                <a:ea typeface="Helvetica Neue"/>
+                <a:cs typeface="Helvetica Neue"/>
+                <a:sym typeface="Helvetica Neue"/>
+              </a:rPr>
+              <a:t>.</a:t>
             </a:r>
           </a:p>
           <a:p>
@@ -12722,7 +6306,7 @@
                 <a:cs typeface="Helvetica Neue"/>
                 <a:sym typeface="Helvetica Neue"/>
               </a:rPr>
-              <a:t>The steepness, but not duration, of front-loading is dependent on DA release. </a:t>
+              <a:t>The steepness and duration of front-loading are affected by DA release. </a:t>
             </a:r>
             <a:r>
               <a:rPr lang="en-US" b="1" dirty="0">
@@ -12815,8 +6399,8 @@
         </p:nvSpPr>
         <p:spPr>
           <a:xfrm>
-            <a:off x="22450670" y="20371493"/>
-            <a:ext cx="20100900" cy="2185988"/>
+            <a:off x="22450670" y="20295293"/>
+            <a:ext cx="20100900" cy="3048946"/>
           </a:xfrm>
           <a:prstGeom prst="rect">
             <a:avLst/>
@@ -12907,10 +6491,10 @@
                 <a:cs typeface="Helvetica Neue"/>
                 <a:sym typeface="Helvetica Neue"/>
               </a:rPr>
-              <a:t>, Alexey Kuznetsov</a:t>
-            </a:r>
-            <a:r>
-              <a:rPr lang="en-US" sz="3300" baseline="30000" dirty="0">
+              <a:t>, Woody Hopf</a:t>
+            </a:r>
+            <a:r>
+              <a:rPr lang="en-US" baseline="30000" dirty="0">
                 <a:latin typeface="Helvetica Neue"/>
                 <a:ea typeface="Helvetica Neue"/>
                 <a:cs typeface="Helvetica Neue"/>
@@ -12918,6 +6502,30 @@
               </a:rPr>
               <a:t>4</a:t>
             </a:r>
+            <a:r>
+              <a:rPr lang="en-US" sz="3300" dirty="0">
+                <a:latin typeface="Helvetica Neue"/>
+                <a:ea typeface="Helvetica Neue"/>
+                <a:cs typeface="Helvetica Neue"/>
+                <a:sym typeface="Helvetica Neue"/>
+              </a:rPr>
+              <a:t>, Alexey Kuznetsov</a:t>
+            </a:r>
+            <a:r>
+              <a:rPr lang="en-US" baseline="30000" dirty="0">
+                <a:latin typeface="Helvetica Neue"/>
+                <a:ea typeface="Helvetica Neue"/>
+                <a:cs typeface="Helvetica Neue"/>
+                <a:sym typeface="Helvetica Neue"/>
+              </a:rPr>
+              <a:t>5</a:t>
+            </a:r>
+            <a:endParaRPr lang="en-US" sz="3300" baseline="30000" dirty="0">
+              <a:latin typeface="Helvetica Neue"/>
+              <a:ea typeface="Helvetica Neue"/>
+              <a:cs typeface="Helvetica Neue"/>
+              <a:sym typeface="Helvetica Neue"/>
+            </a:endParaRPr>
           </a:p>
           <a:p>
             <a:pPr marL="0" lvl="0" indent="0" algn="ctr" rtl="0">
@@ -12957,7 +6565,7 @@
               <a:buNone/>
             </a:pPr>
             <a:r>
-              <a:rPr lang="en-US" sz="2800" baseline="30000" dirty="0">
+              <a:rPr lang="en-US" sz="2600" baseline="30000" dirty="0">
                 <a:latin typeface="Helvetica Neue"/>
                 <a:ea typeface="Helvetica Neue"/>
                 <a:cs typeface="Helvetica Neue"/>
@@ -12966,7 +6574,7 @@
               <a:t>1</a:t>
             </a:r>
             <a:r>
-              <a:rPr lang="en-US" sz="2800" dirty="0">
+              <a:rPr lang="en-US" sz="2600" dirty="0">
                 <a:latin typeface="Helvetica Neue"/>
                 <a:ea typeface="Helvetica Neue"/>
                 <a:cs typeface="Helvetica Neue"/>
@@ -12991,7 +6599,7 @@
               <a:buNone/>
             </a:pPr>
             <a:r>
-              <a:rPr lang="en-US" sz="2800" baseline="30000" dirty="0">
+              <a:rPr lang="en-US" sz="2600" baseline="30000" dirty="0">
                 <a:latin typeface="Helvetica Neue"/>
                 <a:ea typeface="Helvetica Neue"/>
                 <a:cs typeface="Helvetica Neue"/>
@@ -13000,13 +6608,86 @@
               <a:t>2</a:t>
             </a:r>
             <a:r>
-              <a:rPr lang="en-US" sz="2800" dirty="0">
+              <a:rPr lang="en-US" sz="2600" dirty="0">
                 <a:latin typeface="Helvetica Neue"/>
                 <a:ea typeface="Helvetica Neue"/>
                 <a:cs typeface="Helvetica Neue"/>
                 <a:sym typeface="Helvetica Neue"/>
               </a:rPr>
               <a:t>Department of Applied Mathematics and Department of Neuroscience, University of Washington</a:t>
+            </a:r>
+          </a:p>
+          <a:p>
+            <a:pPr algn="ctr">
+              <a:spcBef>
+                <a:spcPts val="0"/>
+              </a:spcBef>
+              <a:spcAft>
+                <a:spcPts val="0"/>
+              </a:spcAft>
+              <a:buClr>
+                <a:schemeClr val="dk1"/>
+              </a:buClr>
+              <a:buSzPts val="5400"/>
+            </a:pPr>
+            <a:r>
+              <a:rPr lang="en-US" sz="2600" baseline="30000" dirty="0">
+                <a:latin typeface="Helvetica Neue"/>
+                <a:ea typeface="Helvetica Neue"/>
+                <a:cs typeface="Helvetica Neue"/>
+                <a:sym typeface="Helvetica Neue"/>
+              </a:rPr>
+              <a:t>3</a:t>
+            </a:r>
+            <a:r>
+              <a:rPr lang="en-US" sz="2600" dirty="0">
+                <a:latin typeface="Helvetica Neue"/>
+                <a:ea typeface="Helvetica Neue"/>
+                <a:cs typeface="Helvetica Neue"/>
+                <a:sym typeface="Helvetica Neue"/>
+              </a:rPr>
+              <a:t>Department of Anatomy, Cell Biology, and Physiology, Indiana University School of Medicine</a:t>
+            </a:r>
+          </a:p>
+          <a:p>
+            <a:pPr algn="ctr">
+              <a:spcBef>
+                <a:spcPts val="0"/>
+              </a:spcBef>
+              <a:spcAft>
+                <a:spcPts val="0"/>
+              </a:spcAft>
+              <a:buClr>
+                <a:schemeClr val="dk1"/>
+              </a:buClr>
+              <a:buSzPts val="5400"/>
+            </a:pPr>
+            <a:r>
+              <a:rPr lang="en-US" sz="2600" dirty="0">
+                <a:latin typeface="Helvetica Neue"/>
+                <a:ea typeface="Helvetica Neue"/>
+                <a:cs typeface="Helvetica Neue"/>
+                <a:sym typeface="Helvetica Neue"/>
+              </a:rPr>
+              <a:t> </a:t>
+            </a:r>
+            <a:r>
+              <a:rPr lang="en-US" sz="2600" baseline="30000" dirty="0">
+                <a:latin typeface="Helvetica Neue"/>
+                <a:ea typeface="Helvetica Neue"/>
+                <a:cs typeface="Helvetica Neue"/>
+                <a:sym typeface="Helvetica Neue"/>
+              </a:rPr>
+              <a:t>4</a:t>
+            </a:r>
+            <a:r>
+              <a:rPr lang="en-US" sz="2600" dirty="0">
+                <a:latin typeface="Helvetica Neue"/>
+                <a:ea typeface="Helvetica Neue"/>
+                <a:cs typeface="Helvetica Neue"/>
+                <a:sym typeface="Helvetica Neue"/>
+              </a:rPr>
+              <a:t>Department of Psychiatry, Indiana University School of Medicine</a:t>
             </a:r>
           </a:p>
           <a:p>
@@ -13025,47 +6706,7 @@
               <a:buNone/>
             </a:pPr>
             <a:r>
-              <a:rPr lang="en-US" sz="2800" baseline="30000" dirty="0">
-                <a:latin typeface="Helvetica Neue"/>
-                <a:ea typeface="Helvetica Neue"/>
-                <a:cs typeface="Helvetica Neue"/>
-                <a:sym typeface="Helvetica Neue"/>
-              </a:rPr>
-              <a:t>3</a:t>
-            </a:r>
-            <a:r>
-              <a:rPr lang="en-US" sz="2800" dirty="0">
-                <a:latin typeface="Helvetica Neue"/>
-                <a:ea typeface="Helvetica Neue"/>
-                <a:cs typeface="Helvetica Neue"/>
-                <a:sym typeface="Helvetica Neue"/>
-              </a:rPr>
-              <a:t>Addiction Neuroscience Program IUPUI</a:t>
-            </a:r>
-            <a:endParaRPr sz="2800" dirty="0">
-              <a:latin typeface="Helvetica Neue"/>
-              <a:ea typeface="Helvetica Neue"/>
-              <a:cs typeface="Helvetica Neue"/>
-              <a:sym typeface="Helvetica Neue"/>
-            </a:endParaRPr>
-          </a:p>
-          <a:p>
-            <a:pPr marL="0" lvl="0" indent="0" algn="ctr" rtl="0">
-              <a:spcBef>
-                <a:spcPts val="0"/>
-              </a:spcBef>
-              <a:spcAft>
-                <a:spcPts val="0"/>
-              </a:spcAft>
-              <a:buClr>
-                <a:schemeClr val="dk1"/>
-              </a:buClr>
-              <a:buSzPts val="5400"/>
-              <a:buFont typeface="Arial"/>
-              <a:buNone/>
-            </a:pPr>
-            <a:r>
-              <a:rPr lang="en-US" sz="2800" dirty="0">
+              <a:rPr lang="en-US" sz="2600" dirty="0">
                 <a:latin typeface="Helvetica Neue"/>
                 <a:ea typeface="Helvetica Neue"/>
                 <a:cs typeface="Helvetica Neue"/>
@@ -13074,16 +6715,16 @@
               <a:t> </a:t>
             </a:r>
             <a:r>
-              <a:rPr lang="en-US" sz="2800" baseline="30000" dirty="0">
+              <a:rPr lang="en-US" sz="2600" baseline="30000" dirty="0">
                 <a:latin typeface="Helvetica Neue"/>
                 <a:ea typeface="Helvetica Neue"/>
                 <a:cs typeface="Helvetica Neue"/>
                 <a:sym typeface="Helvetica Neue"/>
               </a:rPr>
-              <a:t>4</a:t>
-            </a:r>
-            <a:r>
-              <a:rPr lang="en-US" sz="2800" dirty="0">
+              <a:t>5</a:t>
+            </a:r>
+            <a:r>
+              <a:rPr lang="en-US" sz="2600" dirty="0">
                 <a:latin typeface="Helvetica Neue"/>
                 <a:ea typeface="Helvetica Neue"/>
                 <a:cs typeface="Helvetica Neue"/>
@@ -13091,7 +6732,7 @@
               </a:rPr>
               <a:t>Department of Mathematical Sciences, Indiana University Indianapolis</a:t>
             </a:r>
-            <a:endParaRPr sz="2800" u="sng" dirty="0">
+            <a:endParaRPr lang="en-US" sz="2600" u="sng" dirty="0">
               <a:latin typeface="Helvetica Neue"/>
               <a:ea typeface="Helvetica Neue"/>
               <a:cs typeface="Helvetica Neue"/>
@@ -13115,7 +6756,7 @@
           <p:nvPr/>
         </p:nvPicPr>
         <p:blipFill>
-          <a:blip r:embed="rId7">
+          <a:blip r:embed="rId3">
             <a:extLst>
               <a:ext uri="{28A0092B-C50C-407E-A947-70E740481C1C}">
                 <a14:useLocalDpi xmlns:a14="http://schemas.microsoft.com/office/drawing/2010/main" val="0"/>
@@ -13151,7 +6792,7 @@
           <p:nvPr/>
         </p:nvPicPr>
         <p:blipFill>
-          <a:blip r:embed="rId7">
+          <a:blip r:embed="rId3">
             <a:extLst>
               <a:ext uri="{28A0092B-C50C-407E-A947-70E740481C1C}">
                 <a14:useLocalDpi xmlns:a14="http://schemas.microsoft.com/office/drawing/2010/main" val="0"/>
@@ -13172,232 +6813,6 @@
           </a:prstGeom>
         </p:spPr>
       </p:pic>
-      <p:sp>
-        <p:nvSpPr>
-          <p:cNvPr id="9" name="Text Box 5">
-            <a:extLst>
-              <a:ext uri="{FF2B5EF4-FFF2-40B4-BE49-F238E27FC236}">
-                <a16:creationId xmlns:a16="http://schemas.microsoft.com/office/drawing/2014/main" id="{6D702A85-A480-0F2F-F992-04D53EBED390}"/>
-              </a:ext>
-            </a:extLst>
-          </p:cNvPr>
-          <p:cNvSpPr txBox="1"/>
-          <p:nvPr/>
-        </p:nvSpPr>
-        <p:spPr>
-          <a:xfrm>
-            <a:off x="13889264" y="17457739"/>
-            <a:ext cx="7565799" cy="1304924"/>
-          </a:xfrm>
-          <a:prstGeom prst="rect">
-            <a:avLst/>
-          </a:prstGeom>
-          <a:solidFill>
-            <a:schemeClr val="lt1"/>
-          </a:solidFill>
-          <a:ln w="6350">
-            <a:noFill/>
-          </a:ln>
-          <a:effectLst/>
-        </p:spPr>
-        <p:style>
-          <a:lnRef idx="0">
-            <a:schemeClr val="accent1"/>
-          </a:lnRef>
-          <a:fillRef idx="0">
-            <a:schemeClr val="accent1"/>
-          </a:fillRef>
-          <a:effectRef idx="0">
-            <a:schemeClr val="accent1"/>
-          </a:effectRef>
-          <a:fontRef idx="minor">
-            <a:schemeClr val="dk1"/>
-          </a:fontRef>
-        </p:style>
-        <p:txBody>
-          <a:bodyPr/>
-          <a:lstStyle>
-            <a:defPPr>
-              <a:defRPr lang="en-US"/>
-            </a:defPPr>
-            <a:lvl1pPr algn="l" rtl="0" eaLnBrk="0" fontAlgn="base" hangingPunct="0">
-              <a:spcBef>
-                <a:spcPct val="0"/>
-              </a:spcBef>
-              <a:spcAft>
-                <a:spcPct val="0"/>
-              </a:spcAft>
-              <a:defRPr sz="3300" kern="1200">
-                <a:solidFill>
-                  <a:schemeClr val="dk1"/>
-                </a:solidFill>
-                <a:latin typeface="+mn-lt"/>
-                <a:ea typeface="+mn-ea"/>
-                <a:cs typeface="+mn-cs"/>
-              </a:defRPr>
-            </a:lvl1pPr>
-            <a:lvl2pPr marL="628650" indent="-171450" algn="l" rtl="0" eaLnBrk="0" fontAlgn="base" hangingPunct="0">
-              <a:spcBef>
-                <a:spcPct val="0"/>
-              </a:spcBef>
-              <a:spcAft>
-                <a:spcPct val="0"/>
-              </a:spcAft>
-              <a:defRPr sz="3300" kern="1200">
-                <a:solidFill>
-                  <a:schemeClr val="dk1"/>
-                </a:solidFill>
-                <a:latin typeface="+mn-lt"/>
-                <a:ea typeface="+mn-ea"/>
-                <a:cs typeface="+mn-cs"/>
-              </a:defRPr>
-            </a:lvl2pPr>
-            <a:lvl3pPr marL="1258888" indent="-344488" algn="l" rtl="0" eaLnBrk="0" fontAlgn="base" hangingPunct="0">
-              <a:spcBef>
-                <a:spcPct val="0"/>
-              </a:spcBef>
-              <a:spcAft>
-                <a:spcPct val="0"/>
-              </a:spcAft>
-              <a:defRPr sz="3300" kern="1200">
-                <a:solidFill>
-                  <a:schemeClr val="dk1"/>
-                </a:solidFill>
-                <a:latin typeface="+mn-lt"/>
-                <a:ea typeface="+mn-ea"/>
-                <a:cs typeface="+mn-cs"/>
-              </a:defRPr>
-            </a:lvl3pPr>
-            <a:lvl4pPr marL="1889125" indent="-517525" algn="l" rtl="0" eaLnBrk="0" fontAlgn="base" hangingPunct="0">
-              <a:spcBef>
-                <a:spcPct val="0"/>
-              </a:spcBef>
-              <a:spcAft>
-                <a:spcPct val="0"/>
-              </a:spcAft>
-              <a:defRPr sz="3300" kern="1200">
-                <a:solidFill>
-                  <a:schemeClr val="dk1"/>
-                </a:solidFill>
-                <a:latin typeface="+mn-lt"/>
-                <a:ea typeface="+mn-ea"/>
-                <a:cs typeface="+mn-cs"/>
-              </a:defRPr>
-            </a:lvl4pPr>
-            <a:lvl5pPr marL="2519363" indent="-690563" algn="l" rtl="0" eaLnBrk="0" fontAlgn="base" hangingPunct="0">
-              <a:spcBef>
-                <a:spcPct val="0"/>
-              </a:spcBef>
-              <a:spcAft>
-                <a:spcPct val="0"/>
-              </a:spcAft>
-              <a:defRPr sz="3300" kern="1200">
-                <a:solidFill>
-                  <a:schemeClr val="dk1"/>
-                </a:solidFill>
-                <a:latin typeface="+mn-lt"/>
-                <a:ea typeface="+mn-ea"/>
-                <a:cs typeface="+mn-cs"/>
-              </a:defRPr>
-            </a:lvl5pPr>
-            <a:lvl6pPr marL="2286000" algn="l" defTabSz="914400" rtl="0" eaLnBrk="1" latinLnBrk="0" hangingPunct="1">
-              <a:defRPr sz="3300" kern="1200">
-                <a:solidFill>
-                  <a:schemeClr val="dk1"/>
-                </a:solidFill>
-                <a:latin typeface="+mn-lt"/>
-                <a:ea typeface="+mn-ea"/>
-                <a:cs typeface="+mn-cs"/>
-              </a:defRPr>
-            </a:lvl6pPr>
-            <a:lvl7pPr marL="2743200" algn="l" defTabSz="914400" rtl="0" eaLnBrk="1" latinLnBrk="0" hangingPunct="1">
-              <a:defRPr sz="3300" kern="1200">
-                <a:solidFill>
-                  <a:schemeClr val="dk1"/>
-                </a:solidFill>
-                <a:latin typeface="+mn-lt"/>
-                <a:ea typeface="+mn-ea"/>
-                <a:cs typeface="+mn-cs"/>
-              </a:defRPr>
-            </a:lvl7pPr>
-            <a:lvl8pPr marL="3200400" algn="l" defTabSz="914400" rtl="0" eaLnBrk="1" latinLnBrk="0" hangingPunct="1">
-              <a:defRPr sz="3300" kern="1200">
-                <a:solidFill>
-                  <a:schemeClr val="dk1"/>
-                </a:solidFill>
-                <a:latin typeface="+mn-lt"/>
-                <a:ea typeface="+mn-ea"/>
-                <a:cs typeface="+mn-cs"/>
-              </a:defRPr>
-            </a:lvl8pPr>
-            <a:lvl9pPr marL="3657600" algn="l" defTabSz="914400" rtl="0" eaLnBrk="1" latinLnBrk="0" hangingPunct="1">
-              <a:defRPr sz="3300" kern="1200">
-                <a:solidFill>
-                  <a:schemeClr val="dk1"/>
-                </a:solidFill>
-                <a:latin typeface="+mn-lt"/>
-                <a:ea typeface="+mn-ea"/>
-                <a:cs typeface="+mn-cs"/>
-              </a:defRPr>
-            </a:lvl9pPr>
-          </a:lstStyle>
-          <a:p>
-            <a:pPr eaLnBrk="1" hangingPunct="1">
-              <a:spcBef>
-                <a:spcPts val="0"/>
-              </a:spcBef>
-              <a:spcAft>
-                <a:spcPts val="0"/>
-              </a:spcAft>
-              <a:defRPr/>
-            </a:pPr>
-            <a:r>
-              <a:rPr lang="en-US" sz="2800" b="1" dirty="0">
-                <a:latin typeface="Arial"/>
-                <a:ea typeface="MS Mincho"/>
-                <a:cs typeface="Times New Roman"/>
-              </a:rPr>
-              <a:t>Figure. </a:t>
-            </a:r>
-            <a:r>
-              <a:rPr lang="en-US" sz="2800" i="1" dirty="0">
-                <a:latin typeface="Arial"/>
-                <a:ea typeface="MS Mincho"/>
-                <a:cs typeface="Times New Roman"/>
-              </a:rPr>
-              <a:t>Top: </a:t>
-            </a:r>
-            <a:r>
-              <a:rPr lang="en-US" sz="2800" dirty="0">
-                <a:latin typeface="Arial"/>
-                <a:ea typeface="MS Mincho"/>
-                <a:cs typeface="Times New Roman"/>
-              </a:rPr>
-              <a:t>Metabolic response values for the compartmental model. </a:t>
-            </a:r>
-            <a:r>
-              <a:rPr lang="en-US" sz="2800" i="1" dirty="0">
-                <a:latin typeface="Arial"/>
-                <a:ea typeface="MS Mincho"/>
-                <a:cs typeface="Times New Roman"/>
-              </a:rPr>
-              <a:t>Bottom: </a:t>
-            </a:r>
-            <a:r>
-              <a:rPr lang="en-US" sz="2800" dirty="0">
-                <a:latin typeface="Arial"/>
-                <a:ea typeface="MS Mincho"/>
-                <a:cs typeface="Times New Roman"/>
-              </a:rPr>
-              <a:t>Hybrid model schematic</a:t>
-            </a:r>
-            <a:endParaRPr lang="en-US" sz="2800" dirty="0">
-              <a:ea typeface="MS Mincho"/>
-              <a:cs typeface="Times New Roman"/>
-            </a:endParaRPr>
-          </a:p>
-        </p:txBody>
-      </p:sp>
       <p:pic>
         <p:nvPicPr>
           <p:cNvPr id="17" name="Picture 16" descr="A graph with a line&#10;&#10;Description automatically generated">
@@ -13413,7 +6828,7 @@
           <p:nvPr/>
         </p:nvPicPr>
         <p:blipFill rotWithShape="1">
-          <a:blip r:embed="rId8">
+          <a:blip r:embed="rId4">
             <a:extLst>
               <a:ext uri="{28A0092B-C50C-407E-A947-70E740481C1C}">
                 <a14:useLocalDpi xmlns:a14="http://schemas.microsoft.com/office/drawing/2010/main" val="0"/>
@@ -13425,7 +6840,7 @@
         </p:blipFill>
         <p:spPr>
           <a:xfrm>
-            <a:off x="34801381" y="28285358"/>
+            <a:off x="34839481" y="28399658"/>
             <a:ext cx="6995699" cy="2732559"/>
           </a:xfrm>
           <a:prstGeom prst="rect">
@@ -13448,7 +6863,7 @@
           <p:nvPr/>
         </p:nvPicPr>
         <p:blipFill rotWithShape="1">
-          <a:blip r:embed="rId9">
+          <a:blip r:embed="rId5">
             <a:extLst>
               <a:ext uri="{28A0092B-C50C-407E-A947-70E740481C1C}">
                 <a14:useLocalDpi xmlns:a14="http://schemas.microsoft.com/office/drawing/2010/main" val="0"/>
@@ -13460,8 +6875,8 @@
         </p:blipFill>
         <p:spPr>
           <a:xfrm>
-            <a:off x="34360788" y="22431984"/>
-            <a:ext cx="8042691" cy="5938862"/>
+            <a:off x="34613932" y="22624662"/>
+            <a:ext cx="7926919" cy="5853374"/>
           </a:xfrm>
           <a:prstGeom prst="rect">
             <a:avLst/>
